--- a/presentation/demo.pptx
+++ b/presentation/demo.pptx
@@ -5,10 +5,10 @@
     <p:sldMasterId id="2147483648" r:id="rId4"/>
   </p:sldMasterIdLst>
   <p:notesMasterIdLst>
-    <p:notesMasterId r:id="rId23"/>
+    <p:notesMasterId r:id="rId28"/>
   </p:notesMasterIdLst>
   <p:handoutMasterIdLst>
-    <p:handoutMasterId r:id="rId24"/>
+    <p:handoutMasterId r:id="rId29"/>
   </p:handoutMasterIdLst>
   <p:sldIdLst>
     <p:sldId id="256" r:id="rId5"/>
@@ -27,8 +27,13 @@
     <p:sldId id="285" r:id="rId18"/>
     <p:sldId id="282" r:id="rId19"/>
     <p:sldId id="283" r:id="rId20"/>
-    <p:sldId id="288" r:id="rId21"/>
-    <p:sldId id="287" r:id="rId22"/>
+    <p:sldId id="289" r:id="rId21"/>
+    <p:sldId id="288" r:id="rId22"/>
+    <p:sldId id="292" r:id="rId23"/>
+    <p:sldId id="294" r:id="rId24"/>
+    <p:sldId id="291" r:id="rId25"/>
+    <p:sldId id="295" r:id="rId26"/>
+    <p:sldId id="287" r:id="rId27"/>
   </p:sldIdLst>
   <p:sldSz cx="12188825" cy="6858000"/>
   <p:notesSz cx="6858000" cy="9144000"/>
@@ -7422,10 +7427,90 @@
           </a:p>
         </p:txBody>
       </p:sp>
+      <p:sp>
+        <p:nvSpPr>
+          <p:cNvPr id="7" name="TextBox 6">
+            <a:extLst>
+              <a:ext uri="{FF2B5EF4-FFF2-40B4-BE49-F238E27FC236}">
+                <a16:creationId xmlns:a16="http://schemas.microsoft.com/office/drawing/2014/main" id="{80DA6811-C01F-B243-950B-181E71EBF035}"/>
+              </a:ext>
+            </a:extLst>
+          </p:cNvPr>
+          <p:cNvSpPr txBox="1"/>
+          <p:nvPr/>
+        </p:nvSpPr>
+        <p:spPr>
+          <a:xfrm>
+            <a:off x="2513012" y="3473307"/>
+            <a:ext cx="988332" cy="584775"/>
+          </a:xfrm>
+          <a:prstGeom prst="rect">
+            <a:avLst/>
+          </a:prstGeom>
+          <a:noFill/>
+        </p:spPr>
+        <p:txBody>
+          <a:bodyPr wrap="square" rtlCol="0">
+            <a:spAutoFit/>
+          </a:bodyPr>
+          <a:lstStyle/>
+          <a:p>
+            <a:pPr algn="ctr"/>
+            <a:r>
+              <a:rPr lang="en-US" sz="3200" dirty="0"/>
+              <a:t>You</a:t>
+            </a:r>
+          </a:p>
+        </p:txBody>
+      </p:sp>
+      <p:sp>
+        <p:nvSpPr>
+          <p:cNvPr id="11" name="Smiley Face 10">
+            <a:extLst>
+              <a:ext uri="{FF2B5EF4-FFF2-40B4-BE49-F238E27FC236}">
+                <a16:creationId xmlns:a16="http://schemas.microsoft.com/office/drawing/2014/main" id="{5FBA9D55-EA8D-F048-9F87-5F3A8489B6CB}"/>
+              </a:ext>
+            </a:extLst>
+          </p:cNvPr>
+          <p:cNvSpPr/>
+          <p:nvPr/>
+        </p:nvSpPr>
+        <p:spPr>
+          <a:xfrm rot="10800000">
+            <a:off x="7542212" y="3124200"/>
+            <a:ext cx="1371600" cy="1282988"/>
+          </a:xfrm>
+          <a:prstGeom prst="smileyFace">
+            <a:avLst/>
+          </a:prstGeom>
+        </p:spPr>
+        <p:style>
+          <a:lnRef idx="2">
+            <a:schemeClr val="dk1"/>
+          </a:lnRef>
+          <a:fillRef idx="1">
+            <a:schemeClr val="lt1"/>
+          </a:fillRef>
+          <a:effectRef idx="0">
+            <a:schemeClr val="dk1"/>
+          </a:effectRef>
+          <a:fontRef idx="minor">
+            <a:schemeClr val="dk1"/>
+          </a:fontRef>
+        </p:style>
+        <p:txBody>
+          <a:bodyPr rtlCol="0" anchor="ctr"/>
+          <a:lstStyle/>
+          <a:p>
+            <a:pPr algn="ctr"/>
+            <a:endParaRPr lang="en-US"/>
+          </a:p>
+        </p:txBody>
+      </p:sp>
     </p:spTree>
     <p:extLst>
       <p:ext uri="{BB962C8B-B14F-4D97-AF65-F5344CB8AC3E}">
-        <p14:creationId xmlns:p14="http://schemas.microsoft.com/office/powerpoint/2010/main" val="2809282297"/>
+        <p14:creationId xmlns:p14="http://schemas.microsoft.com/office/powerpoint/2010/main" val="581784348"/>
       </p:ext>
     </p:extLst>
   </p:cSld>
@@ -7469,7 +7554,7 @@
           <p:cNvPr id="2" name="Title 1">
             <a:extLst>
               <a:ext uri="{FF2B5EF4-FFF2-40B4-BE49-F238E27FC236}">
-                <a16:creationId xmlns:a16="http://schemas.microsoft.com/office/drawing/2014/main" id="{0CDBF4C6-F2B4-DB4B-895E-71B00F70CA74}"/>
+                <a16:creationId xmlns:a16="http://schemas.microsoft.com/office/drawing/2014/main" id="{616D3749-BB20-1C41-AB67-EF86F4F7F2FF}"/>
               </a:ext>
             </a:extLst>
           </p:cNvPr>
@@ -7489,7 +7574,13 @@
               <a:rPr lang="en-US" dirty="0">
                 <a:latin typeface="Century Gothic" panose="020B0502020202020204" pitchFamily="34" charset="0"/>
               </a:rPr>
-              <a:t>Future Work</a:t>
+              <a:t>What is </a:t>
+            </a:r>
+            <a:r>
+              <a:rPr lang="en-US" dirty="0" err="1">
+                <a:latin typeface="Century Gothic" panose="020B0502020202020204" pitchFamily="34" charset="0"/>
+              </a:rPr>
+              <a:t>Nutrition.ly</a:t>
             </a:r>
             <a:endParaRPr lang="en-US" dirty="0"/>
           </a:p>
@@ -7497,10 +7588,259 @@
       </p:sp>
       <p:sp>
         <p:nvSpPr>
-          <p:cNvPr id="3" name="Content Placeholder 2">
+          <p:cNvPr id="7" name="TextBox 6">
             <a:extLst>
               <a:ext uri="{FF2B5EF4-FFF2-40B4-BE49-F238E27FC236}">
-                <a16:creationId xmlns:a16="http://schemas.microsoft.com/office/drawing/2014/main" id="{7238B97D-A16B-184B-8987-A99A6D240540}"/>
+                <a16:creationId xmlns:a16="http://schemas.microsoft.com/office/drawing/2014/main" id="{80DA6811-C01F-B243-950B-181E71EBF035}"/>
+              </a:ext>
+            </a:extLst>
+          </p:cNvPr>
+          <p:cNvSpPr txBox="1"/>
+          <p:nvPr/>
+        </p:nvSpPr>
+        <p:spPr>
+          <a:xfrm>
+            <a:off x="2513012" y="3473307"/>
+            <a:ext cx="988332" cy="584775"/>
+          </a:xfrm>
+          <a:prstGeom prst="rect">
+            <a:avLst/>
+          </a:prstGeom>
+          <a:noFill/>
+        </p:spPr>
+        <p:txBody>
+          <a:bodyPr wrap="square" rtlCol="0">
+            <a:spAutoFit/>
+          </a:bodyPr>
+          <a:lstStyle/>
+          <a:p>
+            <a:pPr algn="ctr"/>
+            <a:r>
+              <a:rPr lang="en-US" sz="3200" dirty="0"/>
+              <a:t>You</a:t>
+            </a:r>
+          </a:p>
+        </p:txBody>
+      </p:sp>
+      <p:sp>
+        <p:nvSpPr>
+          <p:cNvPr id="9" name="Right Arrow 8">
+            <a:extLst>
+              <a:ext uri="{FF2B5EF4-FFF2-40B4-BE49-F238E27FC236}">
+                <a16:creationId xmlns:a16="http://schemas.microsoft.com/office/drawing/2014/main" id="{C24CA1C3-2CBB-574F-9D4E-A23ADDC8A29D}"/>
+              </a:ext>
+            </a:extLst>
+          </p:cNvPr>
+          <p:cNvSpPr/>
+          <p:nvPr/>
+        </p:nvSpPr>
+        <p:spPr>
+          <a:xfrm>
+            <a:off x="3579812" y="3619500"/>
+            <a:ext cx="3733800" cy="292388"/>
+          </a:xfrm>
+          <a:prstGeom prst="rightArrow">
+            <a:avLst/>
+          </a:prstGeom>
+        </p:spPr>
+        <p:style>
+          <a:lnRef idx="2">
+            <a:schemeClr val="accent4"/>
+          </a:lnRef>
+          <a:fillRef idx="1">
+            <a:schemeClr val="lt1"/>
+          </a:fillRef>
+          <a:effectRef idx="0">
+            <a:schemeClr val="accent4"/>
+          </a:effectRef>
+          <a:fontRef idx="minor">
+            <a:schemeClr val="dk1"/>
+          </a:fontRef>
+        </p:style>
+        <p:txBody>
+          <a:bodyPr rtlCol="0" anchor="ctr"/>
+          <a:lstStyle/>
+          <a:p>
+            <a:pPr algn="ctr"/>
+            <a:endParaRPr lang="en-US"/>
+          </a:p>
+        </p:txBody>
+      </p:sp>
+      <p:sp>
+        <p:nvSpPr>
+          <p:cNvPr id="10" name="Heart 9">
+            <a:extLst>
+              <a:ext uri="{FF2B5EF4-FFF2-40B4-BE49-F238E27FC236}">
+                <a16:creationId xmlns:a16="http://schemas.microsoft.com/office/drawing/2014/main" id="{ADFA4422-E2C7-AD4B-985F-24F249A7D979}"/>
+              </a:ext>
+            </a:extLst>
+          </p:cNvPr>
+          <p:cNvSpPr/>
+          <p:nvPr/>
+        </p:nvSpPr>
+        <p:spPr>
+          <a:xfrm>
+            <a:off x="4913312" y="2539489"/>
+            <a:ext cx="1066800" cy="901988"/>
+          </a:xfrm>
+          <a:prstGeom prst="heart">
+            <a:avLst/>
+          </a:prstGeom>
+        </p:spPr>
+        <p:style>
+          <a:lnRef idx="2">
+            <a:schemeClr val="accent4">
+              <a:shade val="50000"/>
+            </a:schemeClr>
+          </a:lnRef>
+          <a:fillRef idx="1">
+            <a:schemeClr val="accent4"/>
+          </a:fillRef>
+          <a:effectRef idx="0">
+            <a:schemeClr val="accent4"/>
+          </a:effectRef>
+          <a:fontRef idx="minor">
+            <a:schemeClr val="lt1"/>
+          </a:fontRef>
+        </p:style>
+        <p:txBody>
+          <a:bodyPr rtlCol="0" anchor="ctr"/>
+          <a:lstStyle/>
+          <a:p>
+            <a:pPr algn="ctr"/>
+            <a:endParaRPr lang="en-US"/>
+          </a:p>
+        </p:txBody>
+      </p:sp>
+      <p:sp>
+        <p:nvSpPr>
+          <p:cNvPr id="11" name="Smiley Face 10">
+            <a:extLst>
+              <a:ext uri="{FF2B5EF4-FFF2-40B4-BE49-F238E27FC236}">
+                <a16:creationId xmlns:a16="http://schemas.microsoft.com/office/drawing/2014/main" id="{5FBA9D55-EA8D-F048-9F87-5F3A8489B6CB}"/>
+              </a:ext>
+            </a:extLst>
+          </p:cNvPr>
+          <p:cNvSpPr/>
+          <p:nvPr/>
+        </p:nvSpPr>
+        <p:spPr>
+          <a:xfrm>
+            <a:off x="7542212" y="3124200"/>
+            <a:ext cx="1371600" cy="1282988"/>
+          </a:xfrm>
+          <a:prstGeom prst="smileyFace">
+            <a:avLst/>
+          </a:prstGeom>
+        </p:spPr>
+        <p:style>
+          <a:lnRef idx="2">
+            <a:schemeClr val="dk1"/>
+          </a:lnRef>
+          <a:fillRef idx="1">
+            <a:schemeClr val="lt1"/>
+          </a:fillRef>
+          <a:effectRef idx="0">
+            <a:schemeClr val="dk1"/>
+          </a:effectRef>
+          <a:fontRef idx="minor">
+            <a:schemeClr val="dk1"/>
+          </a:fontRef>
+        </p:style>
+        <p:txBody>
+          <a:bodyPr rtlCol="0" anchor="ctr"/>
+          <a:lstStyle/>
+          <a:p>
+            <a:pPr algn="ctr"/>
+            <a:endParaRPr lang="en-US"/>
+          </a:p>
+        </p:txBody>
+      </p:sp>
+      <p:sp>
+        <p:nvSpPr>
+          <p:cNvPr id="12" name="TextBox 11">
+            <a:extLst>
+              <a:ext uri="{FF2B5EF4-FFF2-40B4-BE49-F238E27FC236}">
+                <a16:creationId xmlns:a16="http://schemas.microsoft.com/office/drawing/2014/main" id="{CAE71643-AE38-7C42-B73D-3B30AA249D44}"/>
+              </a:ext>
+            </a:extLst>
+          </p:cNvPr>
+          <p:cNvSpPr txBox="1"/>
+          <p:nvPr/>
+        </p:nvSpPr>
+        <p:spPr>
+          <a:xfrm>
+            <a:off x="4188278" y="3911888"/>
+            <a:ext cx="2516868" cy="584775"/>
+          </a:xfrm>
+          <a:prstGeom prst="rect">
+            <a:avLst/>
+          </a:prstGeom>
+          <a:noFill/>
+        </p:spPr>
+        <p:txBody>
+          <a:bodyPr wrap="square" rtlCol="0">
+            <a:spAutoFit/>
+          </a:bodyPr>
+          <a:lstStyle/>
+          <a:p>
+            <a:pPr algn="ctr"/>
+            <a:r>
+              <a:rPr lang="en-US" sz="3200" dirty="0" err="1"/>
+              <a:t>Nutrition.ly</a:t>
+            </a:r>
+            <a:endParaRPr lang="en-US" sz="3200" dirty="0"/>
+          </a:p>
+        </p:txBody>
+      </p:sp>
+    </p:spTree>
+    <p:extLst>
+      <p:ext uri="{BB962C8B-B14F-4D97-AF65-F5344CB8AC3E}">
+        <p14:creationId xmlns:p14="http://schemas.microsoft.com/office/powerpoint/2010/main" val="2809282297"/>
+      </p:ext>
+    </p:extLst>
+  </p:cSld>
+  <p:clrMapOvr>
+    <a:masterClrMapping/>
+  </p:clrMapOvr>
+  <mc:AlternateContent xmlns:mc="http://schemas.openxmlformats.org/markup-compatibility/2006" xmlns:p14="http://schemas.microsoft.com/office/powerpoint/2010/main">
+    <mc:Choice Requires="p14">
+      <p:transition spd="med" p14:dur="700">
+        <p:fade/>
+      </p:transition>
+    </mc:Choice>
+    <mc:Fallback xmlns="">
+      <p:transition spd="med">
+        <p:fade/>
+      </p:transition>
+    </mc:Fallback>
+  </mc:AlternateContent>
+</p:sld>
+</file>
+
+<file path=ppt/slides/slide19.xml><?xml version="1.0" encoding="utf-8"?>
+<p:sld xmlns:a="http://schemas.openxmlformats.org/drawingml/2006/main" xmlns:r="http://schemas.openxmlformats.org/officeDocument/2006/relationships" xmlns:p="http://schemas.openxmlformats.org/presentationml/2006/main">
+  <p:cSld>
+    <p:spTree>
+      <p:nvGrpSpPr>
+        <p:cNvPr id="1" name=""/>
+        <p:cNvGrpSpPr/>
+        <p:nvPr/>
+      </p:nvGrpSpPr>
+      <p:grpSpPr>
+        <a:xfrm>
+          <a:off x="0" y="0"/>
+          <a:ext cx="0" cy="0"/>
+          <a:chOff x="0" y="0"/>
+          <a:chExt cx="0" cy="0"/>
+        </a:xfrm>
+      </p:grpSpPr>
+      <p:sp>
+        <p:nvSpPr>
+          <p:cNvPr id="2" name="Title 1">
+            <a:extLst>
+              <a:ext uri="{FF2B5EF4-FFF2-40B4-BE49-F238E27FC236}">
+                <a16:creationId xmlns:a16="http://schemas.microsoft.com/office/drawing/2014/main" id="{616D3749-BB20-1C41-AB67-EF86F4F7F2FF}"/>
               </a:ext>
             </a:extLst>
           </p:cNvPr>
@@ -7508,7 +7848,7 @@
             <a:spLocks noGrp="1"/>
           </p:cNvSpPr>
           <p:nvPr>
-            <p:ph idx="1"/>
+            <p:ph type="title"/>
           </p:nvPr>
         </p:nvSpPr>
         <p:spPr/>
@@ -7517,22 +7857,90 @@
           <a:lstStyle/>
           <a:p>
             <a:r>
-              <a:rPr lang="en-US" dirty="0"/>
-              <a:t>Have logins to track donations for tax purposes</a:t>
+              <a:rPr lang="en-US" dirty="0">
+                <a:latin typeface="Century Gothic" panose="020B0502020202020204" pitchFamily="34" charset="0"/>
+              </a:rPr>
+              <a:t>The Web Application</a:t>
             </a:r>
-          </a:p>
-          <a:p>
-            <a:r>
-              <a:rPr lang="en-US" dirty="0"/>
-              <a:t>Scale beyond state of Florida</a:t>
-            </a:r>
+            <a:endParaRPr lang="en-US" dirty="0"/>
           </a:p>
         </p:txBody>
       </p:sp>
+      <p:pic>
+        <p:nvPicPr>
+          <p:cNvPr id="20" name="Picture 19">
+            <a:extLst>
+              <a:ext uri="{FF2B5EF4-FFF2-40B4-BE49-F238E27FC236}">
+                <a16:creationId xmlns:a16="http://schemas.microsoft.com/office/drawing/2014/main" id="{C7398E63-A98F-0E4B-8193-908D30465F1A}"/>
+              </a:ext>
+            </a:extLst>
+          </p:cNvPr>
+          <p:cNvPicPr>
+            <a:picLocks noChangeAspect="1"/>
+          </p:cNvPicPr>
+          <p:nvPr/>
+        </p:nvPicPr>
+        <p:blipFill>
+          <a:blip r:embed="rId2">
+            <a:extLst>
+              <a:ext uri="{28A0092B-C50C-407E-A947-70E740481C1C}">
+                <a14:useLocalDpi xmlns:a14="http://schemas.microsoft.com/office/drawing/2010/main" val="0"/>
+              </a:ext>
+            </a:extLst>
+          </a:blip>
+          <a:stretch>
+            <a:fillRect/>
+          </a:stretch>
+        </p:blipFill>
+        <p:spPr>
+          <a:xfrm>
+            <a:off x="1218883" y="1673073"/>
+            <a:ext cx="1494692" cy="755650"/>
+          </a:xfrm>
+          <a:prstGeom prst="rect">
+            <a:avLst/>
+          </a:prstGeom>
+        </p:spPr>
+      </p:pic>
+      <p:pic>
+        <p:nvPicPr>
+          <p:cNvPr id="22" name="Picture 21">
+            <a:extLst>
+              <a:ext uri="{FF2B5EF4-FFF2-40B4-BE49-F238E27FC236}">
+                <a16:creationId xmlns:a16="http://schemas.microsoft.com/office/drawing/2014/main" id="{C40EC4A0-D3EC-A040-9C95-33313E4960D0}"/>
+              </a:ext>
+            </a:extLst>
+          </p:cNvPr>
+          <p:cNvPicPr>
+            <a:picLocks noChangeAspect="1"/>
+          </p:cNvPicPr>
+          <p:nvPr/>
+        </p:nvPicPr>
+        <p:blipFill rotWithShape="1">
+          <a:blip r:embed="rId3">
+            <a:extLst>
+              <a:ext uri="{28A0092B-C50C-407E-A947-70E740481C1C}">
+                <a14:useLocalDpi xmlns:a14="http://schemas.microsoft.com/office/drawing/2010/main" val="0"/>
+              </a:ext>
+            </a:extLst>
+          </a:blip>
+          <a:srcRect t="22335" b="21969"/>
+          <a:stretch/>
+        </p:blipFill>
+        <p:spPr>
+          <a:xfrm>
+            <a:off x="962929" y="2590800"/>
+            <a:ext cx="2006600" cy="838200"/>
+          </a:xfrm>
+          <a:prstGeom prst="rect">
+            <a:avLst/>
+          </a:prstGeom>
+        </p:spPr>
+      </p:pic>
     </p:spTree>
     <p:extLst>
       <p:ext uri="{BB962C8B-B14F-4D97-AF65-F5344CB8AC3E}">
-        <p14:creationId xmlns:p14="http://schemas.microsoft.com/office/powerpoint/2010/main" val="4227858571"/>
+        <p14:creationId xmlns:p14="http://schemas.microsoft.com/office/powerpoint/2010/main" val="3797779636"/>
       </p:ext>
     </p:extLst>
   </p:cSld>
@@ -7600,6 +8008,1364 @@
     <p:extLst>
       <p:ext uri="{BB962C8B-B14F-4D97-AF65-F5344CB8AC3E}">
         <p14:creationId xmlns:p14="http://schemas.microsoft.com/office/powerpoint/2010/main" val="2041341814"/>
+      </p:ext>
+    </p:extLst>
+  </p:cSld>
+  <p:clrMapOvr>
+    <a:masterClrMapping/>
+  </p:clrMapOvr>
+  <mc:AlternateContent xmlns:mc="http://schemas.openxmlformats.org/markup-compatibility/2006" xmlns:p14="http://schemas.microsoft.com/office/powerpoint/2010/main">
+    <mc:Choice Requires="p14">
+      <p:transition spd="med" p14:dur="700">
+        <p:fade/>
+      </p:transition>
+    </mc:Choice>
+    <mc:Fallback xmlns="">
+      <p:transition spd="med">
+        <p:fade/>
+      </p:transition>
+    </mc:Fallback>
+  </mc:AlternateContent>
+</p:sld>
+</file>
+
+<file path=ppt/slides/slide20.xml><?xml version="1.0" encoding="utf-8"?>
+<p:sld xmlns:a="http://schemas.openxmlformats.org/drawingml/2006/main" xmlns:r="http://schemas.openxmlformats.org/officeDocument/2006/relationships" xmlns:p="http://schemas.openxmlformats.org/presentationml/2006/main">
+  <p:cSld>
+    <p:spTree>
+      <p:nvGrpSpPr>
+        <p:cNvPr id="1" name=""/>
+        <p:cNvGrpSpPr/>
+        <p:nvPr/>
+      </p:nvGrpSpPr>
+      <p:grpSpPr>
+        <a:xfrm>
+          <a:off x="0" y="0"/>
+          <a:ext cx="0" cy="0"/>
+          <a:chOff x="0" y="0"/>
+          <a:chExt cx="0" cy="0"/>
+        </a:xfrm>
+      </p:grpSpPr>
+      <p:sp>
+        <p:nvSpPr>
+          <p:cNvPr id="2" name="Title 1">
+            <a:extLst>
+              <a:ext uri="{FF2B5EF4-FFF2-40B4-BE49-F238E27FC236}">
+                <a16:creationId xmlns:a16="http://schemas.microsoft.com/office/drawing/2014/main" id="{616D3749-BB20-1C41-AB67-EF86F4F7F2FF}"/>
+              </a:ext>
+            </a:extLst>
+          </p:cNvPr>
+          <p:cNvSpPr>
+            <a:spLocks noGrp="1"/>
+          </p:cNvSpPr>
+          <p:nvPr>
+            <p:ph type="title"/>
+          </p:nvPr>
+        </p:nvSpPr>
+        <p:spPr/>
+        <p:txBody>
+          <a:bodyPr/>
+          <a:lstStyle/>
+          <a:p>
+            <a:r>
+              <a:rPr lang="en-US" dirty="0">
+                <a:latin typeface="Century Gothic" panose="020B0502020202020204" pitchFamily="34" charset="0"/>
+              </a:rPr>
+              <a:t>The Web Application</a:t>
+            </a:r>
+            <a:endParaRPr lang="en-US" dirty="0"/>
+          </a:p>
+        </p:txBody>
+      </p:sp>
+      <p:pic>
+        <p:nvPicPr>
+          <p:cNvPr id="13" name="Picture 12">
+            <a:extLst>
+              <a:ext uri="{FF2B5EF4-FFF2-40B4-BE49-F238E27FC236}">
+                <a16:creationId xmlns:a16="http://schemas.microsoft.com/office/drawing/2014/main" id="{250831D3-95F8-9D4A-92B8-E68970CC7A32}"/>
+              </a:ext>
+            </a:extLst>
+          </p:cNvPr>
+          <p:cNvPicPr>
+            <a:picLocks noChangeAspect="1"/>
+          </p:cNvPicPr>
+          <p:nvPr/>
+        </p:nvPicPr>
+        <p:blipFill>
+          <a:blip r:embed="rId2">
+            <a:extLst>
+              <a:ext uri="{28A0092B-C50C-407E-A947-70E740481C1C}">
+                <a14:useLocalDpi xmlns:a14="http://schemas.microsoft.com/office/drawing/2010/main" val="0"/>
+              </a:ext>
+            </a:extLst>
+          </a:blip>
+          <a:stretch>
+            <a:fillRect/>
+          </a:stretch>
+        </p:blipFill>
+        <p:spPr>
+          <a:xfrm>
+            <a:off x="4329112" y="1752448"/>
+            <a:ext cx="1397000" cy="1352550"/>
+          </a:xfrm>
+          <a:prstGeom prst="rect">
+            <a:avLst/>
+          </a:prstGeom>
+        </p:spPr>
+      </p:pic>
+      <p:pic>
+        <p:nvPicPr>
+          <p:cNvPr id="20" name="Picture 19">
+            <a:extLst>
+              <a:ext uri="{FF2B5EF4-FFF2-40B4-BE49-F238E27FC236}">
+                <a16:creationId xmlns:a16="http://schemas.microsoft.com/office/drawing/2014/main" id="{C7398E63-A98F-0E4B-8193-908D30465F1A}"/>
+              </a:ext>
+            </a:extLst>
+          </p:cNvPr>
+          <p:cNvPicPr>
+            <a:picLocks noChangeAspect="1"/>
+          </p:cNvPicPr>
+          <p:nvPr/>
+        </p:nvPicPr>
+        <p:blipFill>
+          <a:blip r:embed="rId3">
+            <a:extLst>
+              <a:ext uri="{28A0092B-C50C-407E-A947-70E740481C1C}">
+                <a14:useLocalDpi xmlns:a14="http://schemas.microsoft.com/office/drawing/2010/main" val="0"/>
+              </a:ext>
+            </a:extLst>
+          </a:blip>
+          <a:stretch>
+            <a:fillRect/>
+          </a:stretch>
+        </p:blipFill>
+        <p:spPr>
+          <a:xfrm>
+            <a:off x="1218883" y="1673073"/>
+            <a:ext cx="1494692" cy="755650"/>
+          </a:xfrm>
+          <a:prstGeom prst="rect">
+            <a:avLst/>
+          </a:prstGeom>
+        </p:spPr>
+      </p:pic>
+      <p:pic>
+        <p:nvPicPr>
+          <p:cNvPr id="22" name="Picture 21">
+            <a:extLst>
+              <a:ext uri="{FF2B5EF4-FFF2-40B4-BE49-F238E27FC236}">
+                <a16:creationId xmlns:a16="http://schemas.microsoft.com/office/drawing/2014/main" id="{C40EC4A0-D3EC-A040-9C95-33313E4960D0}"/>
+              </a:ext>
+            </a:extLst>
+          </p:cNvPr>
+          <p:cNvPicPr>
+            <a:picLocks noChangeAspect="1"/>
+          </p:cNvPicPr>
+          <p:nvPr/>
+        </p:nvPicPr>
+        <p:blipFill rotWithShape="1">
+          <a:blip r:embed="rId4">
+            <a:extLst>
+              <a:ext uri="{28A0092B-C50C-407E-A947-70E740481C1C}">
+                <a14:useLocalDpi xmlns:a14="http://schemas.microsoft.com/office/drawing/2010/main" val="0"/>
+              </a:ext>
+            </a:extLst>
+          </a:blip>
+          <a:srcRect t="22335" b="21969"/>
+          <a:stretch/>
+        </p:blipFill>
+        <p:spPr>
+          <a:xfrm>
+            <a:off x="962929" y="2590800"/>
+            <a:ext cx="2006600" cy="838200"/>
+          </a:xfrm>
+          <a:prstGeom prst="rect">
+            <a:avLst/>
+          </a:prstGeom>
+        </p:spPr>
+      </p:pic>
+      <p:sp>
+        <p:nvSpPr>
+          <p:cNvPr id="25" name="Down Arrow 24">
+            <a:extLst>
+              <a:ext uri="{FF2B5EF4-FFF2-40B4-BE49-F238E27FC236}">
+                <a16:creationId xmlns:a16="http://schemas.microsoft.com/office/drawing/2014/main" id="{E58FE0F8-DF7A-7144-9FCD-F7E70E31A1A7}"/>
+              </a:ext>
+            </a:extLst>
+          </p:cNvPr>
+          <p:cNvSpPr/>
+          <p:nvPr/>
+        </p:nvSpPr>
+        <p:spPr>
+          <a:xfrm rot="16200000">
+            <a:off x="3547900" y="2194782"/>
+            <a:ext cx="228600" cy="838200"/>
+          </a:xfrm>
+          <a:prstGeom prst="downArrow">
+            <a:avLst/>
+          </a:prstGeom>
+        </p:spPr>
+        <p:style>
+          <a:lnRef idx="2">
+            <a:schemeClr val="dk1"/>
+          </a:lnRef>
+          <a:fillRef idx="1">
+            <a:schemeClr val="lt1"/>
+          </a:fillRef>
+          <a:effectRef idx="0">
+            <a:schemeClr val="dk1"/>
+          </a:effectRef>
+          <a:fontRef idx="minor">
+            <a:schemeClr val="dk1"/>
+          </a:fontRef>
+        </p:style>
+        <p:txBody>
+          <a:bodyPr rtlCol="0" anchor="ctr"/>
+          <a:lstStyle/>
+          <a:p>
+            <a:pPr algn="ctr"/>
+            <a:endParaRPr lang="en-US"/>
+          </a:p>
+        </p:txBody>
+      </p:sp>
+    </p:spTree>
+    <p:extLst>
+      <p:ext uri="{BB962C8B-B14F-4D97-AF65-F5344CB8AC3E}">
+        <p14:creationId xmlns:p14="http://schemas.microsoft.com/office/powerpoint/2010/main" val="4122807245"/>
+      </p:ext>
+    </p:extLst>
+  </p:cSld>
+  <p:clrMapOvr>
+    <a:masterClrMapping/>
+  </p:clrMapOvr>
+  <mc:AlternateContent xmlns:mc="http://schemas.openxmlformats.org/markup-compatibility/2006" xmlns:p14="http://schemas.microsoft.com/office/powerpoint/2010/main">
+    <mc:Choice Requires="p14">
+      <p:transition spd="med" p14:dur="700">
+        <p:fade/>
+      </p:transition>
+    </mc:Choice>
+    <mc:Fallback xmlns="">
+      <p:transition spd="med">
+        <p:fade/>
+      </p:transition>
+    </mc:Fallback>
+  </mc:AlternateContent>
+</p:sld>
+</file>
+
+<file path=ppt/slides/slide21.xml><?xml version="1.0" encoding="utf-8"?>
+<p:sld xmlns:a="http://schemas.openxmlformats.org/drawingml/2006/main" xmlns:r="http://schemas.openxmlformats.org/officeDocument/2006/relationships" xmlns:p="http://schemas.openxmlformats.org/presentationml/2006/main">
+  <p:cSld>
+    <p:spTree>
+      <p:nvGrpSpPr>
+        <p:cNvPr id="1" name=""/>
+        <p:cNvGrpSpPr/>
+        <p:nvPr/>
+      </p:nvGrpSpPr>
+      <p:grpSpPr>
+        <a:xfrm>
+          <a:off x="0" y="0"/>
+          <a:ext cx="0" cy="0"/>
+          <a:chOff x="0" y="0"/>
+          <a:chExt cx="0" cy="0"/>
+        </a:xfrm>
+      </p:grpSpPr>
+      <p:sp>
+        <p:nvSpPr>
+          <p:cNvPr id="2" name="Title 1">
+            <a:extLst>
+              <a:ext uri="{FF2B5EF4-FFF2-40B4-BE49-F238E27FC236}">
+                <a16:creationId xmlns:a16="http://schemas.microsoft.com/office/drawing/2014/main" id="{616D3749-BB20-1C41-AB67-EF86F4F7F2FF}"/>
+              </a:ext>
+            </a:extLst>
+          </p:cNvPr>
+          <p:cNvSpPr>
+            <a:spLocks noGrp="1"/>
+          </p:cNvSpPr>
+          <p:nvPr>
+            <p:ph type="title"/>
+          </p:nvPr>
+        </p:nvSpPr>
+        <p:spPr/>
+        <p:txBody>
+          <a:bodyPr/>
+          <a:lstStyle/>
+          <a:p>
+            <a:r>
+              <a:rPr lang="en-US" dirty="0">
+                <a:latin typeface="Century Gothic" panose="020B0502020202020204" pitchFamily="34" charset="0"/>
+              </a:rPr>
+              <a:t>The Web Application</a:t>
+            </a:r>
+            <a:endParaRPr lang="en-US" dirty="0"/>
+          </a:p>
+        </p:txBody>
+      </p:sp>
+      <p:sp>
+        <p:nvSpPr>
+          <p:cNvPr id="4" name="Snip Single Corner Rectangle 3">
+            <a:extLst>
+              <a:ext uri="{FF2B5EF4-FFF2-40B4-BE49-F238E27FC236}">
+                <a16:creationId xmlns:a16="http://schemas.microsoft.com/office/drawing/2014/main" id="{0062BD16-DFD0-594A-AD1F-01A07350F3A8}"/>
+              </a:ext>
+            </a:extLst>
+          </p:cNvPr>
+          <p:cNvSpPr/>
+          <p:nvPr/>
+        </p:nvSpPr>
+        <p:spPr>
+          <a:xfrm>
+            <a:off x="4570412" y="4267048"/>
+            <a:ext cx="914400" cy="1295400"/>
+          </a:xfrm>
+          <a:prstGeom prst="snip1Rect">
+            <a:avLst/>
+          </a:prstGeom>
+        </p:spPr>
+        <p:style>
+          <a:lnRef idx="2">
+            <a:schemeClr val="dk1"/>
+          </a:lnRef>
+          <a:fillRef idx="1">
+            <a:schemeClr val="lt1"/>
+          </a:fillRef>
+          <a:effectRef idx="0">
+            <a:schemeClr val="dk1"/>
+          </a:effectRef>
+          <a:fontRef idx="minor">
+            <a:schemeClr val="dk1"/>
+          </a:fontRef>
+        </p:style>
+        <p:txBody>
+          <a:bodyPr rtlCol="0" anchor="ctr"/>
+          <a:lstStyle/>
+          <a:p>
+            <a:pPr algn="ctr"/>
+            <a:endParaRPr lang="en-US"/>
+          </a:p>
+        </p:txBody>
+      </p:sp>
+      <p:pic>
+        <p:nvPicPr>
+          <p:cNvPr id="13" name="Picture 12">
+            <a:extLst>
+              <a:ext uri="{FF2B5EF4-FFF2-40B4-BE49-F238E27FC236}">
+                <a16:creationId xmlns:a16="http://schemas.microsoft.com/office/drawing/2014/main" id="{250831D3-95F8-9D4A-92B8-E68970CC7A32}"/>
+              </a:ext>
+            </a:extLst>
+          </p:cNvPr>
+          <p:cNvPicPr>
+            <a:picLocks noChangeAspect="1"/>
+          </p:cNvPicPr>
+          <p:nvPr/>
+        </p:nvPicPr>
+        <p:blipFill>
+          <a:blip r:embed="rId2">
+            <a:extLst>
+              <a:ext uri="{28A0092B-C50C-407E-A947-70E740481C1C}">
+                <a14:useLocalDpi xmlns:a14="http://schemas.microsoft.com/office/drawing/2010/main" val="0"/>
+              </a:ext>
+            </a:extLst>
+          </a:blip>
+          <a:stretch>
+            <a:fillRect/>
+          </a:stretch>
+        </p:blipFill>
+        <p:spPr>
+          <a:xfrm>
+            <a:off x="4329112" y="1752448"/>
+            <a:ext cx="1397000" cy="1352550"/>
+          </a:xfrm>
+          <a:prstGeom prst="rect">
+            <a:avLst/>
+          </a:prstGeom>
+        </p:spPr>
+      </p:pic>
+      <p:sp>
+        <p:nvSpPr>
+          <p:cNvPr id="14" name="Down Arrow 13">
+            <a:extLst>
+              <a:ext uri="{FF2B5EF4-FFF2-40B4-BE49-F238E27FC236}">
+                <a16:creationId xmlns:a16="http://schemas.microsoft.com/office/drawing/2014/main" id="{8418FC24-A381-E54D-9F10-5462F4A02296}"/>
+              </a:ext>
+            </a:extLst>
+          </p:cNvPr>
+          <p:cNvSpPr/>
+          <p:nvPr/>
+        </p:nvSpPr>
+        <p:spPr>
+          <a:xfrm>
+            <a:off x="4913312" y="3162148"/>
+            <a:ext cx="228600" cy="838200"/>
+          </a:xfrm>
+          <a:prstGeom prst="downArrow">
+            <a:avLst/>
+          </a:prstGeom>
+        </p:spPr>
+        <p:style>
+          <a:lnRef idx="2">
+            <a:schemeClr val="dk1"/>
+          </a:lnRef>
+          <a:fillRef idx="1">
+            <a:schemeClr val="lt1"/>
+          </a:fillRef>
+          <a:effectRef idx="0">
+            <a:schemeClr val="dk1"/>
+          </a:effectRef>
+          <a:fontRef idx="minor">
+            <a:schemeClr val="dk1"/>
+          </a:fontRef>
+        </p:style>
+        <p:txBody>
+          <a:bodyPr rtlCol="0" anchor="ctr"/>
+          <a:lstStyle/>
+          <a:p>
+            <a:pPr algn="ctr"/>
+            <a:endParaRPr lang="en-US"/>
+          </a:p>
+        </p:txBody>
+      </p:sp>
+      <p:pic>
+        <p:nvPicPr>
+          <p:cNvPr id="20" name="Picture 19">
+            <a:extLst>
+              <a:ext uri="{FF2B5EF4-FFF2-40B4-BE49-F238E27FC236}">
+                <a16:creationId xmlns:a16="http://schemas.microsoft.com/office/drawing/2014/main" id="{C7398E63-A98F-0E4B-8193-908D30465F1A}"/>
+              </a:ext>
+            </a:extLst>
+          </p:cNvPr>
+          <p:cNvPicPr>
+            <a:picLocks noChangeAspect="1"/>
+          </p:cNvPicPr>
+          <p:nvPr/>
+        </p:nvPicPr>
+        <p:blipFill>
+          <a:blip r:embed="rId3">
+            <a:extLst>
+              <a:ext uri="{28A0092B-C50C-407E-A947-70E740481C1C}">
+                <a14:useLocalDpi xmlns:a14="http://schemas.microsoft.com/office/drawing/2010/main" val="0"/>
+              </a:ext>
+            </a:extLst>
+          </a:blip>
+          <a:stretch>
+            <a:fillRect/>
+          </a:stretch>
+        </p:blipFill>
+        <p:spPr>
+          <a:xfrm>
+            <a:off x="1218883" y="1673073"/>
+            <a:ext cx="1494692" cy="755650"/>
+          </a:xfrm>
+          <a:prstGeom prst="rect">
+            <a:avLst/>
+          </a:prstGeom>
+        </p:spPr>
+      </p:pic>
+      <p:pic>
+        <p:nvPicPr>
+          <p:cNvPr id="22" name="Picture 21">
+            <a:extLst>
+              <a:ext uri="{FF2B5EF4-FFF2-40B4-BE49-F238E27FC236}">
+                <a16:creationId xmlns:a16="http://schemas.microsoft.com/office/drawing/2014/main" id="{C40EC4A0-D3EC-A040-9C95-33313E4960D0}"/>
+              </a:ext>
+            </a:extLst>
+          </p:cNvPr>
+          <p:cNvPicPr>
+            <a:picLocks noChangeAspect="1"/>
+          </p:cNvPicPr>
+          <p:nvPr/>
+        </p:nvPicPr>
+        <p:blipFill rotWithShape="1">
+          <a:blip r:embed="rId4">
+            <a:extLst>
+              <a:ext uri="{28A0092B-C50C-407E-A947-70E740481C1C}">
+                <a14:useLocalDpi xmlns:a14="http://schemas.microsoft.com/office/drawing/2010/main" val="0"/>
+              </a:ext>
+            </a:extLst>
+          </a:blip>
+          <a:srcRect t="22335" b="21969"/>
+          <a:stretch/>
+        </p:blipFill>
+        <p:spPr>
+          <a:xfrm>
+            <a:off x="962929" y="2590800"/>
+            <a:ext cx="2006600" cy="838200"/>
+          </a:xfrm>
+          <a:prstGeom prst="rect">
+            <a:avLst/>
+          </a:prstGeom>
+        </p:spPr>
+      </p:pic>
+      <p:sp>
+        <p:nvSpPr>
+          <p:cNvPr id="25" name="Down Arrow 24">
+            <a:extLst>
+              <a:ext uri="{FF2B5EF4-FFF2-40B4-BE49-F238E27FC236}">
+                <a16:creationId xmlns:a16="http://schemas.microsoft.com/office/drawing/2014/main" id="{E58FE0F8-DF7A-7144-9FCD-F7E70E31A1A7}"/>
+              </a:ext>
+            </a:extLst>
+          </p:cNvPr>
+          <p:cNvSpPr/>
+          <p:nvPr/>
+        </p:nvSpPr>
+        <p:spPr>
+          <a:xfrm rot="16200000">
+            <a:off x="3547900" y="2194782"/>
+            <a:ext cx="228600" cy="838200"/>
+          </a:xfrm>
+          <a:prstGeom prst="downArrow">
+            <a:avLst/>
+          </a:prstGeom>
+        </p:spPr>
+        <p:style>
+          <a:lnRef idx="2">
+            <a:schemeClr val="dk1"/>
+          </a:lnRef>
+          <a:fillRef idx="1">
+            <a:schemeClr val="lt1"/>
+          </a:fillRef>
+          <a:effectRef idx="0">
+            <a:schemeClr val="dk1"/>
+          </a:effectRef>
+          <a:fontRef idx="minor">
+            <a:schemeClr val="dk1"/>
+          </a:fontRef>
+        </p:style>
+        <p:txBody>
+          <a:bodyPr rtlCol="0" anchor="ctr"/>
+          <a:lstStyle/>
+          <a:p>
+            <a:pPr algn="ctr"/>
+            <a:endParaRPr lang="en-US"/>
+          </a:p>
+        </p:txBody>
+      </p:sp>
+      <p:pic>
+        <p:nvPicPr>
+          <p:cNvPr id="27" name="Graphic 26" descr="Man">
+            <a:extLst>
+              <a:ext uri="{FF2B5EF4-FFF2-40B4-BE49-F238E27FC236}">
+                <a16:creationId xmlns:a16="http://schemas.microsoft.com/office/drawing/2014/main" id="{89D840E6-C2B9-1E41-99CE-031FC03DCADD}"/>
+              </a:ext>
+            </a:extLst>
+          </p:cNvPr>
+          <p:cNvPicPr>
+            <a:picLocks noChangeAspect="1"/>
+          </p:cNvPicPr>
+          <p:nvPr/>
+        </p:nvPicPr>
+        <p:blipFill>
+          <a:blip r:embed="rId5">
+            <a:extLst>
+              <a:ext uri="{28A0092B-C50C-407E-A947-70E740481C1C}">
+                <a14:useLocalDpi xmlns:a14="http://schemas.microsoft.com/office/drawing/2010/main" val="0"/>
+              </a:ext>
+              <a:ext uri="{96DAC541-7B7A-43D3-8B79-37D633B846F1}">
+                <asvg:svgBlip xmlns:asvg="http://schemas.microsoft.com/office/drawing/2016/SVG/main" r:embed="rId6"/>
+              </a:ext>
+            </a:extLst>
+          </a:blip>
+          <a:stretch>
+            <a:fillRect/>
+          </a:stretch>
+        </p:blipFill>
+        <p:spPr>
+          <a:xfrm>
+            <a:off x="1373887" y="4118523"/>
+            <a:ext cx="1443925" cy="1443925"/>
+          </a:xfrm>
+          <a:prstGeom prst="rect">
+            <a:avLst/>
+          </a:prstGeom>
+        </p:spPr>
+      </p:pic>
+      <p:sp>
+        <p:nvSpPr>
+          <p:cNvPr id="28" name="Down Arrow 27">
+            <a:extLst>
+              <a:ext uri="{FF2B5EF4-FFF2-40B4-BE49-F238E27FC236}">
+                <a16:creationId xmlns:a16="http://schemas.microsoft.com/office/drawing/2014/main" id="{275CFC59-BA0C-F245-BEAB-B9401337A9A1}"/>
+              </a:ext>
+            </a:extLst>
+          </p:cNvPr>
+          <p:cNvSpPr/>
+          <p:nvPr/>
+        </p:nvSpPr>
+        <p:spPr>
+          <a:xfrm rot="16200000">
+            <a:off x="3343847" y="4118522"/>
+            <a:ext cx="228601" cy="1443924"/>
+          </a:xfrm>
+          <a:prstGeom prst="downArrow">
+            <a:avLst/>
+          </a:prstGeom>
+        </p:spPr>
+        <p:style>
+          <a:lnRef idx="2">
+            <a:schemeClr val="dk1"/>
+          </a:lnRef>
+          <a:fillRef idx="1">
+            <a:schemeClr val="lt1"/>
+          </a:fillRef>
+          <a:effectRef idx="0">
+            <a:schemeClr val="dk1"/>
+          </a:effectRef>
+          <a:fontRef idx="minor">
+            <a:schemeClr val="dk1"/>
+          </a:fontRef>
+        </p:style>
+        <p:txBody>
+          <a:bodyPr rtlCol="0" anchor="ctr"/>
+          <a:lstStyle/>
+          <a:p>
+            <a:pPr algn="ctr"/>
+            <a:endParaRPr lang="en-US"/>
+          </a:p>
+        </p:txBody>
+      </p:sp>
+      <p:pic>
+        <p:nvPicPr>
+          <p:cNvPr id="5" name="Picture 4">
+            <a:extLst>
+              <a:ext uri="{FF2B5EF4-FFF2-40B4-BE49-F238E27FC236}">
+                <a16:creationId xmlns:a16="http://schemas.microsoft.com/office/drawing/2014/main" id="{4B2210E1-709C-314A-B09F-895F01695B6C}"/>
+              </a:ext>
+            </a:extLst>
+          </p:cNvPr>
+          <p:cNvPicPr>
+            <a:picLocks noChangeAspect="1"/>
+          </p:cNvPicPr>
+          <p:nvPr/>
+        </p:nvPicPr>
+        <p:blipFill>
+          <a:blip r:embed="rId7">
+            <a:extLst>
+              <a:ext uri="{28A0092B-C50C-407E-A947-70E740481C1C}">
+                <a14:useLocalDpi xmlns:a14="http://schemas.microsoft.com/office/drawing/2010/main" val="0"/>
+              </a:ext>
+            </a:extLst>
+          </a:blip>
+          <a:stretch>
+            <a:fillRect/>
+          </a:stretch>
+        </p:blipFill>
+        <p:spPr>
+          <a:xfrm>
+            <a:off x="4310210" y="4320178"/>
+            <a:ext cx="1415902" cy="1189136"/>
+          </a:xfrm>
+          <a:prstGeom prst="rect">
+            <a:avLst/>
+          </a:prstGeom>
+        </p:spPr>
+      </p:pic>
+    </p:spTree>
+    <p:extLst>
+      <p:ext uri="{BB962C8B-B14F-4D97-AF65-F5344CB8AC3E}">
+        <p14:creationId xmlns:p14="http://schemas.microsoft.com/office/powerpoint/2010/main" val="1248460962"/>
+      </p:ext>
+    </p:extLst>
+  </p:cSld>
+  <p:clrMapOvr>
+    <a:masterClrMapping/>
+  </p:clrMapOvr>
+  <mc:AlternateContent xmlns:mc="http://schemas.openxmlformats.org/markup-compatibility/2006" xmlns:p14="http://schemas.microsoft.com/office/powerpoint/2010/main">
+    <mc:Choice Requires="p14">
+      <p:transition spd="med" p14:dur="700">
+        <p:fade/>
+      </p:transition>
+    </mc:Choice>
+    <mc:Fallback xmlns="">
+      <p:transition spd="med">
+        <p:fade/>
+      </p:transition>
+    </mc:Fallback>
+  </mc:AlternateContent>
+</p:sld>
+</file>
+
+<file path=ppt/slides/slide22.xml><?xml version="1.0" encoding="utf-8"?>
+<p:sld xmlns:a="http://schemas.openxmlformats.org/drawingml/2006/main" xmlns:r="http://schemas.openxmlformats.org/officeDocument/2006/relationships" xmlns:p="http://schemas.openxmlformats.org/presentationml/2006/main">
+  <p:cSld>
+    <p:spTree>
+      <p:nvGrpSpPr>
+        <p:cNvPr id="1" name=""/>
+        <p:cNvGrpSpPr/>
+        <p:nvPr/>
+      </p:nvGrpSpPr>
+      <p:grpSpPr>
+        <a:xfrm>
+          <a:off x="0" y="0"/>
+          <a:ext cx="0" cy="0"/>
+          <a:chOff x="0" y="0"/>
+          <a:chExt cx="0" cy="0"/>
+        </a:xfrm>
+      </p:grpSpPr>
+      <p:sp>
+        <p:nvSpPr>
+          <p:cNvPr id="2" name="Title 1">
+            <a:extLst>
+              <a:ext uri="{FF2B5EF4-FFF2-40B4-BE49-F238E27FC236}">
+                <a16:creationId xmlns:a16="http://schemas.microsoft.com/office/drawing/2014/main" id="{616D3749-BB20-1C41-AB67-EF86F4F7F2FF}"/>
+              </a:ext>
+            </a:extLst>
+          </p:cNvPr>
+          <p:cNvSpPr>
+            <a:spLocks noGrp="1"/>
+          </p:cNvSpPr>
+          <p:nvPr>
+            <p:ph type="title"/>
+          </p:nvPr>
+        </p:nvSpPr>
+        <p:spPr/>
+        <p:txBody>
+          <a:bodyPr/>
+          <a:lstStyle/>
+          <a:p>
+            <a:r>
+              <a:rPr lang="en-US" dirty="0">
+                <a:latin typeface="Century Gothic" panose="020B0502020202020204" pitchFamily="34" charset="0"/>
+              </a:rPr>
+              <a:t>The Web Application</a:t>
+            </a:r>
+            <a:endParaRPr lang="en-US" dirty="0"/>
+          </a:p>
+        </p:txBody>
+      </p:sp>
+      <p:sp>
+        <p:nvSpPr>
+          <p:cNvPr id="4" name="Snip Single Corner Rectangle 3">
+            <a:extLst>
+              <a:ext uri="{FF2B5EF4-FFF2-40B4-BE49-F238E27FC236}">
+                <a16:creationId xmlns:a16="http://schemas.microsoft.com/office/drawing/2014/main" id="{0062BD16-DFD0-594A-AD1F-01A07350F3A8}"/>
+              </a:ext>
+            </a:extLst>
+          </p:cNvPr>
+          <p:cNvSpPr/>
+          <p:nvPr/>
+        </p:nvSpPr>
+        <p:spPr>
+          <a:xfrm>
+            <a:off x="4570412" y="4267048"/>
+            <a:ext cx="914400" cy="1295400"/>
+          </a:xfrm>
+          <a:prstGeom prst="snip1Rect">
+            <a:avLst/>
+          </a:prstGeom>
+        </p:spPr>
+        <p:style>
+          <a:lnRef idx="2">
+            <a:schemeClr val="dk1"/>
+          </a:lnRef>
+          <a:fillRef idx="1">
+            <a:schemeClr val="lt1"/>
+          </a:fillRef>
+          <a:effectRef idx="0">
+            <a:schemeClr val="dk1"/>
+          </a:effectRef>
+          <a:fontRef idx="minor">
+            <a:schemeClr val="dk1"/>
+          </a:fontRef>
+        </p:style>
+        <p:txBody>
+          <a:bodyPr rtlCol="0" anchor="ctr"/>
+          <a:lstStyle/>
+          <a:p>
+            <a:pPr algn="ctr"/>
+            <a:endParaRPr lang="en-US"/>
+          </a:p>
+        </p:txBody>
+      </p:sp>
+      <p:pic>
+        <p:nvPicPr>
+          <p:cNvPr id="6" name="Picture 5">
+            <a:extLst>
+              <a:ext uri="{FF2B5EF4-FFF2-40B4-BE49-F238E27FC236}">
+                <a16:creationId xmlns:a16="http://schemas.microsoft.com/office/drawing/2014/main" id="{746D5C03-6CF8-8F4F-A47A-BDE3E71D0135}"/>
+              </a:ext>
+            </a:extLst>
+          </p:cNvPr>
+          <p:cNvPicPr>
+            <a:picLocks noChangeAspect="1"/>
+          </p:cNvPicPr>
+          <p:nvPr/>
+        </p:nvPicPr>
+        <p:blipFill>
+          <a:blip r:embed="rId2">
+            <a:extLst>
+              <a:ext uri="{28A0092B-C50C-407E-A947-70E740481C1C}">
+                <a14:useLocalDpi xmlns:a14="http://schemas.microsoft.com/office/drawing/2010/main" val="0"/>
+              </a:ext>
+            </a:extLst>
+          </a:blip>
+          <a:stretch>
+            <a:fillRect/>
+          </a:stretch>
+        </p:blipFill>
+        <p:spPr>
+          <a:xfrm>
+            <a:off x="7237412" y="4343400"/>
+            <a:ext cx="990204" cy="1142695"/>
+          </a:xfrm>
+          <a:prstGeom prst="rect">
+            <a:avLst/>
+          </a:prstGeom>
+        </p:spPr>
+      </p:pic>
+      <p:pic>
+        <p:nvPicPr>
+          <p:cNvPr id="13" name="Picture 12">
+            <a:extLst>
+              <a:ext uri="{FF2B5EF4-FFF2-40B4-BE49-F238E27FC236}">
+                <a16:creationId xmlns:a16="http://schemas.microsoft.com/office/drawing/2014/main" id="{250831D3-95F8-9D4A-92B8-E68970CC7A32}"/>
+              </a:ext>
+            </a:extLst>
+          </p:cNvPr>
+          <p:cNvPicPr>
+            <a:picLocks noChangeAspect="1"/>
+          </p:cNvPicPr>
+          <p:nvPr/>
+        </p:nvPicPr>
+        <p:blipFill>
+          <a:blip r:embed="rId3">
+            <a:extLst>
+              <a:ext uri="{28A0092B-C50C-407E-A947-70E740481C1C}">
+                <a14:useLocalDpi xmlns:a14="http://schemas.microsoft.com/office/drawing/2010/main" val="0"/>
+              </a:ext>
+            </a:extLst>
+          </a:blip>
+          <a:stretch>
+            <a:fillRect/>
+          </a:stretch>
+        </p:blipFill>
+        <p:spPr>
+          <a:xfrm>
+            <a:off x="4329112" y="1752448"/>
+            <a:ext cx="1397000" cy="1352550"/>
+          </a:xfrm>
+          <a:prstGeom prst="rect">
+            <a:avLst/>
+          </a:prstGeom>
+        </p:spPr>
+      </p:pic>
+      <p:sp>
+        <p:nvSpPr>
+          <p:cNvPr id="14" name="Down Arrow 13">
+            <a:extLst>
+              <a:ext uri="{FF2B5EF4-FFF2-40B4-BE49-F238E27FC236}">
+                <a16:creationId xmlns:a16="http://schemas.microsoft.com/office/drawing/2014/main" id="{8418FC24-A381-E54D-9F10-5462F4A02296}"/>
+              </a:ext>
+            </a:extLst>
+          </p:cNvPr>
+          <p:cNvSpPr/>
+          <p:nvPr/>
+        </p:nvSpPr>
+        <p:spPr>
+          <a:xfrm>
+            <a:off x="4913312" y="3162148"/>
+            <a:ext cx="228600" cy="838200"/>
+          </a:xfrm>
+          <a:prstGeom prst="downArrow">
+            <a:avLst/>
+          </a:prstGeom>
+        </p:spPr>
+        <p:style>
+          <a:lnRef idx="2">
+            <a:schemeClr val="dk1"/>
+          </a:lnRef>
+          <a:fillRef idx="1">
+            <a:schemeClr val="lt1"/>
+          </a:fillRef>
+          <a:effectRef idx="0">
+            <a:schemeClr val="dk1"/>
+          </a:effectRef>
+          <a:fontRef idx="minor">
+            <a:schemeClr val="dk1"/>
+          </a:fontRef>
+        </p:style>
+        <p:txBody>
+          <a:bodyPr rtlCol="0" anchor="ctr"/>
+          <a:lstStyle/>
+          <a:p>
+            <a:pPr algn="ctr"/>
+            <a:endParaRPr lang="en-US"/>
+          </a:p>
+        </p:txBody>
+      </p:sp>
+      <p:sp>
+        <p:nvSpPr>
+          <p:cNvPr id="15" name="Down Arrow 14">
+            <a:extLst>
+              <a:ext uri="{FF2B5EF4-FFF2-40B4-BE49-F238E27FC236}">
+                <a16:creationId xmlns:a16="http://schemas.microsoft.com/office/drawing/2014/main" id="{03BD9A63-B38A-E740-8B92-C0490E6E1621}"/>
+              </a:ext>
+            </a:extLst>
+          </p:cNvPr>
+          <p:cNvSpPr/>
+          <p:nvPr/>
+        </p:nvSpPr>
+        <p:spPr>
+          <a:xfrm rot="16200000">
+            <a:off x="6323012" y="4495647"/>
+            <a:ext cx="228600" cy="838200"/>
+          </a:xfrm>
+          <a:prstGeom prst="downArrow">
+            <a:avLst/>
+          </a:prstGeom>
+        </p:spPr>
+        <p:style>
+          <a:lnRef idx="2">
+            <a:schemeClr val="dk1"/>
+          </a:lnRef>
+          <a:fillRef idx="1">
+            <a:schemeClr val="lt1"/>
+          </a:fillRef>
+          <a:effectRef idx="0">
+            <a:schemeClr val="dk1"/>
+          </a:effectRef>
+          <a:fontRef idx="minor">
+            <a:schemeClr val="dk1"/>
+          </a:fontRef>
+        </p:style>
+        <p:txBody>
+          <a:bodyPr rtlCol="0" anchor="ctr"/>
+          <a:lstStyle/>
+          <a:p>
+            <a:pPr algn="ctr"/>
+            <a:endParaRPr lang="en-US"/>
+          </a:p>
+        </p:txBody>
+      </p:sp>
+      <p:pic>
+        <p:nvPicPr>
+          <p:cNvPr id="17" name="Picture 16">
+            <a:extLst>
+              <a:ext uri="{FF2B5EF4-FFF2-40B4-BE49-F238E27FC236}">
+                <a16:creationId xmlns:a16="http://schemas.microsoft.com/office/drawing/2014/main" id="{6BC5C491-7BD1-5A4B-98EC-A69B4AC47464}"/>
+              </a:ext>
+            </a:extLst>
+          </p:cNvPr>
+          <p:cNvPicPr>
+            <a:picLocks noChangeAspect="1"/>
+          </p:cNvPicPr>
+          <p:nvPr/>
+        </p:nvPicPr>
+        <p:blipFill>
+          <a:blip r:embed="rId4">
+            <a:extLst>
+              <a:ext uri="{28A0092B-C50C-407E-A947-70E740481C1C}">
+                <a14:useLocalDpi xmlns:a14="http://schemas.microsoft.com/office/drawing/2010/main" val="0"/>
+              </a:ext>
+            </a:extLst>
+          </a:blip>
+          <a:stretch>
+            <a:fillRect/>
+          </a:stretch>
+        </p:blipFill>
+        <p:spPr>
+          <a:xfrm>
+            <a:off x="6961351" y="1447800"/>
+            <a:ext cx="1542326" cy="1542326"/>
+          </a:xfrm>
+          <a:prstGeom prst="rect">
+            <a:avLst/>
+          </a:prstGeom>
+        </p:spPr>
+      </p:pic>
+      <p:sp>
+        <p:nvSpPr>
+          <p:cNvPr id="18" name="Down Arrow 17">
+            <a:extLst>
+              <a:ext uri="{FF2B5EF4-FFF2-40B4-BE49-F238E27FC236}">
+                <a16:creationId xmlns:a16="http://schemas.microsoft.com/office/drawing/2014/main" id="{3535C607-E603-D348-BFB0-34470BC8B3BF}"/>
+              </a:ext>
+            </a:extLst>
+          </p:cNvPr>
+          <p:cNvSpPr/>
+          <p:nvPr/>
+        </p:nvSpPr>
+        <p:spPr>
+          <a:xfrm rot="10800000">
+            <a:off x="7618214" y="3162148"/>
+            <a:ext cx="228600" cy="838200"/>
+          </a:xfrm>
+          <a:prstGeom prst="downArrow">
+            <a:avLst/>
+          </a:prstGeom>
+        </p:spPr>
+        <p:style>
+          <a:lnRef idx="2">
+            <a:schemeClr val="dk1"/>
+          </a:lnRef>
+          <a:fillRef idx="1">
+            <a:schemeClr val="lt1"/>
+          </a:fillRef>
+          <a:effectRef idx="0">
+            <a:schemeClr val="dk1"/>
+          </a:effectRef>
+          <a:fontRef idx="minor">
+            <a:schemeClr val="dk1"/>
+          </a:fontRef>
+        </p:style>
+        <p:txBody>
+          <a:bodyPr rtlCol="0" anchor="ctr"/>
+          <a:lstStyle/>
+          <a:p>
+            <a:pPr algn="ctr"/>
+            <a:endParaRPr lang="en-US"/>
+          </a:p>
+        </p:txBody>
+      </p:sp>
+      <p:pic>
+        <p:nvPicPr>
+          <p:cNvPr id="20" name="Picture 19">
+            <a:extLst>
+              <a:ext uri="{FF2B5EF4-FFF2-40B4-BE49-F238E27FC236}">
+                <a16:creationId xmlns:a16="http://schemas.microsoft.com/office/drawing/2014/main" id="{C7398E63-A98F-0E4B-8193-908D30465F1A}"/>
+              </a:ext>
+            </a:extLst>
+          </p:cNvPr>
+          <p:cNvPicPr>
+            <a:picLocks noChangeAspect="1"/>
+          </p:cNvPicPr>
+          <p:nvPr/>
+        </p:nvPicPr>
+        <p:blipFill>
+          <a:blip r:embed="rId5">
+            <a:extLst>
+              <a:ext uri="{28A0092B-C50C-407E-A947-70E740481C1C}">
+                <a14:useLocalDpi xmlns:a14="http://schemas.microsoft.com/office/drawing/2010/main" val="0"/>
+              </a:ext>
+            </a:extLst>
+          </a:blip>
+          <a:stretch>
+            <a:fillRect/>
+          </a:stretch>
+        </p:blipFill>
+        <p:spPr>
+          <a:xfrm>
+            <a:off x="1218883" y="1673073"/>
+            <a:ext cx="1494692" cy="755650"/>
+          </a:xfrm>
+          <a:prstGeom prst="rect">
+            <a:avLst/>
+          </a:prstGeom>
+        </p:spPr>
+      </p:pic>
+      <p:pic>
+        <p:nvPicPr>
+          <p:cNvPr id="22" name="Picture 21">
+            <a:extLst>
+              <a:ext uri="{FF2B5EF4-FFF2-40B4-BE49-F238E27FC236}">
+                <a16:creationId xmlns:a16="http://schemas.microsoft.com/office/drawing/2014/main" id="{C40EC4A0-D3EC-A040-9C95-33313E4960D0}"/>
+              </a:ext>
+            </a:extLst>
+          </p:cNvPr>
+          <p:cNvPicPr>
+            <a:picLocks noChangeAspect="1"/>
+          </p:cNvPicPr>
+          <p:nvPr/>
+        </p:nvPicPr>
+        <p:blipFill rotWithShape="1">
+          <a:blip r:embed="rId6">
+            <a:extLst>
+              <a:ext uri="{28A0092B-C50C-407E-A947-70E740481C1C}">
+                <a14:useLocalDpi xmlns:a14="http://schemas.microsoft.com/office/drawing/2010/main" val="0"/>
+              </a:ext>
+            </a:extLst>
+          </a:blip>
+          <a:srcRect t="22335" b="21969"/>
+          <a:stretch/>
+        </p:blipFill>
+        <p:spPr>
+          <a:xfrm>
+            <a:off x="962929" y="2590800"/>
+            <a:ext cx="2006600" cy="838200"/>
+          </a:xfrm>
+          <a:prstGeom prst="rect">
+            <a:avLst/>
+          </a:prstGeom>
+        </p:spPr>
+      </p:pic>
+      <p:sp>
+        <p:nvSpPr>
+          <p:cNvPr id="25" name="Down Arrow 24">
+            <a:extLst>
+              <a:ext uri="{FF2B5EF4-FFF2-40B4-BE49-F238E27FC236}">
+                <a16:creationId xmlns:a16="http://schemas.microsoft.com/office/drawing/2014/main" id="{E58FE0F8-DF7A-7144-9FCD-F7E70E31A1A7}"/>
+              </a:ext>
+            </a:extLst>
+          </p:cNvPr>
+          <p:cNvSpPr/>
+          <p:nvPr/>
+        </p:nvSpPr>
+        <p:spPr>
+          <a:xfrm rot="16200000">
+            <a:off x="3547900" y="2194782"/>
+            <a:ext cx="228600" cy="838200"/>
+          </a:xfrm>
+          <a:prstGeom prst="downArrow">
+            <a:avLst/>
+          </a:prstGeom>
+        </p:spPr>
+        <p:style>
+          <a:lnRef idx="2">
+            <a:schemeClr val="dk1"/>
+          </a:lnRef>
+          <a:fillRef idx="1">
+            <a:schemeClr val="lt1"/>
+          </a:fillRef>
+          <a:effectRef idx="0">
+            <a:schemeClr val="dk1"/>
+          </a:effectRef>
+          <a:fontRef idx="minor">
+            <a:schemeClr val="dk1"/>
+          </a:fontRef>
+        </p:style>
+        <p:txBody>
+          <a:bodyPr rtlCol="0" anchor="ctr"/>
+          <a:lstStyle/>
+          <a:p>
+            <a:pPr algn="ctr"/>
+            <a:endParaRPr lang="en-US"/>
+          </a:p>
+        </p:txBody>
+      </p:sp>
+      <p:pic>
+        <p:nvPicPr>
+          <p:cNvPr id="27" name="Graphic 26" descr="Man">
+            <a:extLst>
+              <a:ext uri="{FF2B5EF4-FFF2-40B4-BE49-F238E27FC236}">
+                <a16:creationId xmlns:a16="http://schemas.microsoft.com/office/drawing/2014/main" id="{89D840E6-C2B9-1E41-99CE-031FC03DCADD}"/>
+              </a:ext>
+            </a:extLst>
+          </p:cNvPr>
+          <p:cNvPicPr>
+            <a:picLocks noChangeAspect="1"/>
+          </p:cNvPicPr>
+          <p:nvPr/>
+        </p:nvPicPr>
+        <p:blipFill>
+          <a:blip r:embed="rId7">
+            <a:extLst>
+              <a:ext uri="{28A0092B-C50C-407E-A947-70E740481C1C}">
+                <a14:useLocalDpi xmlns:a14="http://schemas.microsoft.com/office/drawing/2010/main" val="0"/>
+              </a:ext>
+              <a:ext uri="{96DAC541-7B7A-43D3-8B79-37D633B846F1}">
+                <asvg:svgBlip xmlns:asvg="http://schemas.microsoft.com/office/drawing/2016/SVG/main" r:embed="rId8"/>
+              </a:ext>
+            </a:extLst>
+          </a:blip>
+          <a:stretch>
+            <a:fillRect/>
+          </a:stretch>
+        </p:blipFill>
+        <p:spPr>
+          <a:xfrm>
+            <a:off x="1373887" y="4118523"/>
+            <a:ext cx="1443925" cy="1443925"/>
+          </a:xfrm>
+          <a:prstGeom prst="rect">
+            <a:avLst/>
+          </a:prstGeom>
+        </p:spPr>
+      </p:pic>
+      <p:sp>
+        <p:nvSpPr>
+          <p:cNvPr id="28" name="Down Arrow 27">
+            <a:extLst>
+              <a:ext uri="{FF2B5EF4-FFF2-40B4-BE49-F238E27FC236}">
+                <a16:creationId xmlns:a16="http://schemas.microsoft.com/office/drawing/2014/main" id="{275CFC59-BA0C-F245-BEAB-B9401337A9A1}"/>
+              </a:ext>
+            </a:extLst>
+          </p:cNvPr>
+          <p:cNvSpPr/>
+          <p:nvPr/>
+        </p:nvSpPr>
+        <p:spPr>
+          <a:xfrm rot="16200000">
+            <a:off x="3343847" y="4118522"/>
+            <a:ext cx="228601" cy="1443924"/>
+          </a:xfrm>
+          <a:prstGeom prst="downArrow">
+            <a:avLst/>
+          </a:prstGeom>
+        </p:spPr>
+        <p:style>
+          <a:lnRef idx="2">
+            <a:schemeClr val="dk1"/>
+          </a:lnRef>
+          <a:fillRef idx="1">
+            <a:schemeClr val="lt1"/>
+          </a:fillRef>
+          <a:effectRef idx="0">
+            <a:schemeClr val="dk1"/>
+          </a:effectRef>
+          <a:fontRef idx="minor">
+            <a:schemeClr val="dk1"/>
+          </a:fontRef>
+        </p:style>
+        <p:txBody>
+          <a:bodyPr rtlCol="0" anchor="ctr"/>
+          <a:lstStyle/>
+          <a:p>
+            <a:pPr algn="ctr"/>
+            <a:endParaRPr lang="en-US"/>
+          </a:p>
+        </p:txBody>
+      </p:sp>
+      <p:pic>
+        <p:nvPicPr>
+          <p:cNvPr id="5" name="Picture 4">
+            <a:extLst>
+              <a:ext uri="{FF2B5EF4-FFF2-40B4-BE49-F238E27FC236}">
+                <a16:creationId xmlns:a16="http://schemas.microsoft.com/office/drawing/2014/main" id="{4B2210E1-709C-314A-B09F-895F01695B6C}"/>
+              </a:ext>
+            </a:extLst>
+          </p:cNvPr>
+          <p:cNvPicPr>
+            <a:picLocks noChangeAspect="1"/>
+          </p:cNvPicPr>
+          <p:nvPr/>
+        </p:nvPicPr>
+        <p:blipFill>
+          <a:blip r:embed="rId9">
+            <a:extLst>
+              <a:ext uri="{28A0092B-C50C-407E-A947-70E740481C1C}">
+                <a14:useLocalDpi xmlns:a14="http://schemas.microsoft.com/office/drawing/2010/main" val="0"/>
+              </a:ext>
+            </a:extLst>
+          </a:blip>
+          <a:stretch>
+            <a:fillRect/>
+          </a:stretch>
+        </p:blipFill>
+        <p:spPr>
+          <a:xfrm>
+            <a:off x="4310210" y="4320178"/>
+            <a:ext cx="1415902" cy="1189136"/>
+          </a:xfrm>
+          <a:prstGeom prst="rect">
+            <a:avLst/>
+          </a:prstGeom>
+        </p:spPr>
+      </p:pic>
+    </p:spTree>
+    <p:extLst>
+      <p:ext uri="{BB962C8B-B14F-4D97-AF65-F5344CB8AC3E}">
+        <p14:creationId xmlns:p14="http://schemas.microsoft.com/office/powerpoint/2010/main" val="1080247740"/>
+      </p:ext>
+    </p:extLst>
+  </p:cSld>
+  <p:clrMapOvr>
+    <a:masterClrMapping/>
+  </p:clrMapOvr>
+  <mc:AlternateContent xmlns:mc="http://schemas.openxmlformats.org/markup-compatibility/2006" xmlns:p14="http://schemas.microsoft.com/office/powerpoint/2010/main">
+    <mc:Choice Requires="p14">
+      <p:transition spd="med" p14:dur="700">
+        <p:fade/>
+      </p:transition>
+    </mc:Choice>
+    <mc:Fallback xmlns="">
+      <p:transition spd="med">
+        <p:fade/>
+      </p:transition>
+    </mc:Fallback>
+  </mc:AlternateContent>
+</p:sld>
+</file>
+
+<file path=ppt/slides/slide23.xml><?xml version="1.0" encoding="utf-8"?>
+<p:sld xmlns:a="http://schemas.openxmlformats.org/drawingml/2006/main" xmlns:r="http://schemas.openxmlformats.org/officeDocument/2006/relationships" xmlns:p="http://schemas.openxmlformats.org/presentationml/2006/main">
+  <p:cSld>
+    <p:spTree>
+      <p:nvGrpSpPr>
+        <p:cNvPr id="1" name=""/>
+        <p:cNvGrpSpPr/>
+        <p:nvPr/>
+      </p:nvGrpSpPr>
+      <p:grpSpPr>
+        <a:xfrm>
+          <a:off x="0" y="0"/>
+          <a:ext cx="0" cy="0"/>
+          <a:chOff x="0" y="0"/>
+          <a:chExt cx="0" cy="0"/>
+        </a:xfrm>
+      </p:grpSpPr>
+      <p:sp>
+        <p:nvSpPr>
+          <p:cNvPr id="2" name="Title 1">
+            <a:extLst>
+              <a:ext uri="{FF2B5EF4-FFF2-40B4-BE49-F238E27FC236}">
+                <a16:creationId xmlns:a16="http://schemas.microsoft.com/office/drawing/2014/main" id="{0CDBF4C6-F2B4-DB4B-895E-71B00F70CA74}"/>
+              </a:ext>
+            </a:extLst>
+          </p:cNvPr>
+          <p:cNvSpPr>
+            <a:spLocks noGrp="1"/>
+          </p:cNvSpPr>
+          <p:nvPr>
+            <p:ph type="title"/>
+          </p:nvPr>
+        </p:nvSpPr>
+        <p:spPr/>
+        <p:txBody>
+          <a:bodyPr/>
+          <a:lstStyle/>
+          <a:p>
+            <a:r>
+              <a:rPr lang="en-US" dirty="0">
+                <a:latin typeface="Century Gothic" panose="020B0502020202020204" pitchFamily="34" charset="0"/>
+              </a:rPr>
+              <a:t>Future Work</a:t>
+            </a:r>
+            <a:endParaRPr lang="en-US" dirty="0"/>
+          </a:p>
+        </p:txBody>
+      </p:sp>
+      <p:sp>
+        <p:nvSpPr>
+          <p:cNvPr id="3" name="Content Placeholder 2">
+            <a:extLst>
+              <a:ext uri="{FF2B5EF4-FFF2-40B4-BE49-F238E27FC236}">
+                <a16:creationId xmlns:a16="http://schemas.microsoft.com/office/drawing/2014/main" id="{7238B97D-A16B-184B-8987-A99A6D240540}"/>
+              </a:ext>
+            </a:extLst>
+          </p:cNvPr>
+          <p:cNvSpPr>
+            <a:spLocks noGrp="1"/>
+          </p:cNvSpPr>
+          <p:nvPr>
+            <p:ph idx="1"/>
+          </p:nvPr>
+        </p:nvSpPr>
+        <p:spPr/>
+        <p:txBody>
+          <a:bodyPr/>
+          <a:lstStyle/>
+          <a:p>
+            <a:r>
+              <a:rPr lang="en-US" dirty="0"/>
+              <a:t>Have profiles to </a:t>
+            </a:r>
+            <a:r>
+              <a:rPr lang="en-US"/>
+              <a:t>track donations</a:t>
+            </a:r>
+            <a:endParaRPr lang="en-US" dirty="0"/>
+          </a:p>
+          <a:p>
+            <a:r>
+              <a:rPr lang="en-US" dirty="0"/>
+              <a:t>Scale beyond state of Florida</a:t>
+            </a:r>
+          </a:p>
+        </p:txBody>
+      </p:sp>
+    </p:spTree>
+    <p:extLst>
+      <p:ext uri="{BB962C8B-B14F-4D97-AF65-F5344CB8AC3E}">
+        <p14:creationId xmlns:p14="http://schemas.microsoft.com/office/powerpoint/2010/main" val="4227858571"/>
       </p:ext>
     </p:extLst>
   </p:cSld>

--- a/presentation/demo.pptx
+++ b/presentation/demo.pptx
@@ -5,35 +5,37 @@
     <p:sldMasterId id="2147483648" r:id="rId4"/>
   </p:sldMasterIdLst>
   <p:notesMasterIdLst>
-    <p:notesMasterId r:id="rId28"/>
+    <p:notesMasterId r:id="rId30"/>
   </p:notesMasterIdLst>
   <p:handoutMasterIdLst>
-    <p:handoutMasterId r:id="rId29"/>
+    <p:handoutMasterId r:id="rId31"/>
   </p:handoutMasterIdLst>
   <p:sldIdLst>
     <p:sldId id="256" r:id="rId5"/>
-    <p:sldId id="258" r:id="rId6"/>
-    <p:sldId id="284" r:id="rId7"/>
-    <p:sldId id="273" r:id="rId8"/>
-    <p:sldId id="274" r:id="rId9"/>
-    <p:sldId id="275" r:id="rId10"/>
-    <p:sldId id="276" r:id="rId11"/>
-    <p:sldId id="277" r:id="rId12"/>
-    <p:sldId id="278" r:id="rId13"/>
-    <p:sldId id="279" r:id="rId14"/>
-    <p:sldId id="280" r:id="rId15"/>
-    <p:sldId id="281" r:id="rId16"/>
-    <p:sldId id="272" r:id="rId17"/>
-    <p:sldId id="285" r:id="rId18"/>
-    <p:sldId id="282" r:id="rId19"/>
-    <p:sldId id="283" r:id="rId20"/>
-    <p:sldId id="289" r:id="rId21"/>
-    <p:sldId id="288" r:id="rId22"/>
+    <p:sldId id="297" r:id="rId6"/>
+    <p:sldId id="299" r:id="rId7"/>
+    <p:sldId id="300" r:id="rId8"/>
+    <p:sldId id="284" r:id="rId9"/>
+    <p:sldId id="273" r:id="rId10"/>
+    <p:sldId id="274" r:id="rId11"/>
+    <p:sldId id="275" r:id="rId12"/>
+    <p:sldId id="276" r:id="rId13"/>
+    <p:sldId id="277" r:id="rId14"/>
+    <p:sldId id="278" r:id="rId15"/>
+    <p:sldId id="279" r:id="rId16"/>
+    <p:sldId id="280" r:id="rId17"/>
+    <p:sldId id="281" r:id="rId18"/>
+    <p:sldId id="272" r:id="rId19"/>
+    <p:sldId id="285" r:id="rId20"/>
+    <p:sldId id="282" r:id="rId21"/>
+    <p:sldId id="283" r:id="rId22"/>
     <p:sldId id="292" r:id="rId23"/>
     <p:sldId id="294" r:id="rId24"/>
     <p:sldId id="291" r:id="rId25"/>
     <p:sldId id="295" r:id="rId26"/>
-    <p:sldId id="287" r:id="rId27"/>
+    <p:sldId id="296" r:id="rId27"/>
+    <p:sldId id="287" r:id="rId28"/>
+    <p:sldId id="298" r:id="rId29"/>
   </p:sldIdLst>
   <p:sldSz cx="12188825" cy="6858000"/>
   <p:notesSz cx="6858000" cy="9144000"/>
@@ -5694,10 +5696,10 @@
       </p:pic>
       <p:pic>
         <p:nvPicPr>
-          <p:cNvPr id="13" name="Picture 12">
+          <p:cNvPr id="15" name="Picture 14">
             <a:extLst>
               <a:ext uri="{FF2B5EF4-FFF2-40B4-BE49-F238E27FC236}">
-                <a16:creationId xmlns:a16="http://schemas.microsoft.com/office/drawing/2014/main" id="{86C8D27E-D8FB-3E43-8C3F-089AAB4A2802}"/>
+                <a16:creationId xmlns:a16="http://schemas.microsoft.com/office/drawing/2014/main" id="{95CFDF55-96A8-7E44-8638-07EF4B4B4A2E}"/>
               </a:ext>
             </a:extLst>
           </p:cNvPr>
@@ -5720,8 +5722,8 @@
         </p:blipFill>
         <p:spPr>
           <a:xfrm>
-            <a:off x="9769473" y="1978051"/>
-            <a:ext cx="1642668" cy="1469276"/>
+            <a:off x="2635545" y="3730929"/>
+            <a:ext cx="1836001" cy="1836001"/>
           </a:xfrm>
           <a:prstGeom prst="rect">
             <a:avLst/>
@@ -5730,10 +5732,10 @@
       </p:pic>
       <p:pic>
         <p:nvPicPr>
-          <p:cNvPr id="15" name="Picture 14">
+          <p:cNvPr id="17" name="Picture 16">
             <a:extLst>
               <a:ext uri="{FF2B5EF4-FFF2-40B4-BE49-F238E27FC236}">
-                <a16:creationId xmlns:a16="http://schemas.microsoft.com/office/drawing/2014/main" id="{95CFDF55-96A8-7E44-8638-07EF4B4B4A2E}"/>
+                <a16:creationId xmlns:a16="http://schemas.microsoft.com/office/drawing/2014/main" id="{1C9AA7F5-EA0C-6B45-8780-816C4A6C7431}"/>
               </a:ext>
             </a:extLst>
           </p:cNvPr>
@@ -5756,8 +5758,8 @@
         </p:blipFill>
         <p:spPr>
           <a:xfrm>
-            <a:off x="2635545" y="3730929"/>
-            <a:ext cx="1836001" cy="1836001"/>
+            <a:off x="601412" y="3730929"/>
+            <a:ext cx="1836000" cy="1836000"/>
           </a:xfrm>
           <a:prstGeom prst="rect">
             <a:avLst/>
@@ -5766,10 +5768,10 @@
       </p:pic>
       <p:pic>
         <p:nvPicPr>
-          <p:cNvPr id="17" name="Picture 16">
+          <p:cNvPr id="21" name="Picture 20">
             <a:extLst>
               <a:ext uri="{FF2B5EF4-FFF2-40B4-BE49-F238E27FC236}">
-                <a16:creationId xmlns:a16="http://schemas.microsoft.com/office/drawing/2014/main" id="{1C9AA7F5-EA0C-6B45-8780-816C4A6C7431}"/>
+                <a16:creationId xmlns:a16="http://schemas.microsoft.com/office/drawing/2014/main" id="{386CA278-71A7-EC42-BB88-6E57030D252F}"/>
               </a:ext>
             </a:extLst>
           </p:cNvPr>
@@ -5792,8 +5794,8 @@
         </p:blipFill>
         <p:spPr>
           <a:xfrm>
-            <a:off x="601412" y="3730929"/>
-            <a:ext cx="1836000" cy="1836000"/>
+            <a:off x="7208977" y="1763086"/>
+            <a:ext cx="2090000" cy="2023500"/>
           </a:xfrm>
           <a:prstGeom prst="rect">
             <a:avLst/>
@@ -5802,10 +5804,10 @@
       </p:pic>
       <p:pic>
         <p:nvPicPr>
-          <p:cNvPr id="19" name="Picture 18">
+          <p:cNvPr id="23" name="Picture 22">
             <a:extLst>
               <a:ext uri="{FF2B5EF4-FFF2-40B4-BE49-F238E27FC236}">
-                <a16:creationId xmlns:a16="http://schemas.microsoft.com/office/drawing/2014/main" id="{5EFD56C4-7A9C-7643-874D-19ECFD51553E}"/>
+                <a16:creationId xmlns:a16="http://schemas.microsoft.com/office/drawing/2014/main" id="{4AEDA040-148C-1E47-A738-A69B67E00120}"/>
               </a:ext>
             </a:extLst>
           </p:cNvPr>
@@ -5828,78 +5830,6 @@
         </p:blipFill>
         <p:spPr>
           <a:xfrm>
-            <a:off x="7309399" y="3895835"/>
-            <a:ext cx="1546095" cy="1784194"/>
-          </a:xfrm>
-          <a:prstGeom prst="rect">
-            <a:avLst/>
-          </a:prstGeom>
-        </p:spPr>
-      </p:pic>
-      <p:pic>
-        <p:nvPicPr>
-          <p:cNvPr id="21" name="Picture 20">
-            <a:extLst>
-              <a:ext uri="{FF2B5EF4-FFF2-40B4-BE49-F238E27FC236}">
-                <a16:creationId xmlns:a16="http://schemas.microsoft.com/office/drawing/2014/main" id="{386CA278-71A7-EC42-BB88-6E57030D252F}"/>
-              </a:ext>
-            </a:extLst>
-          </p:cNvPr>
-          <p:cNvPicPr>
-            <a:picLocks noChangeAspect="1"/>
-          </p:cNvPicPr>
-          <p:nvPr/>
-        </p:nvPicPr>
-        <p:blipFill>
-          <a:blip r:embed="rId9">
-            <a:extLst>
-              <a:ext uri="{28A0092B-C50C-407E-A947-70E740481C1C}">
-                <a14:useLocalDpi xmlns:a14="http://schemas.microsoft.com/office/drawing/2010/main" val="0"/>
-              </a:ext>
-            </a:extLst>
-          </a:blip>
-          <a:stretch>
-            <a:fillRect/>
-          </a:stretch>
-        </p:blipFill>
-        <p:spPr>
-          <a:xfrm>
-            <a:off x="7208977" y="1763086"/>
-            <a:ext cx="2090000" cy="2023500"/>
-          </a:xfrm>
-          <a:prstGeom prst="rect">
-            <a:avLst/>
-          </a:prstGeom>
-        </p:spPr>
-      </p:pic>
-      <p:pic>
-        <p:nvPicPr>
-          <p:cNvPr id="23" name="Picture 22">
-            <a:extLst>
-              <a:ext uri="{FF2B5EF4-FFF2-40B4-BE49-F238E27FC236}">
-                <a16:creationId xmlns:a16="http://schemas.microsoft.com/office/drawing/2014/main" id="{4AEDA040-148C-1E47-A738-A69B67E00120}"/>
-              </a:ext>
-            </a:extLst>
-          </p:cNvPr>
-          <p:cNvPicPr>
-            <a:picLocks noChangeAspect="1"/>
-          </p:cNvPicPr>
-          <p:nvPr/>
-        </p:nvPicPr>
-        <p:blipFill>
-          <a:blip r:embed="rId10">
-            <a:extLst>
-              <a:ext uri="{28A0092B-C50C-407E-A947-70E740481C1C}">
-                <a14:useLocalDpi xmlns:a14="http://schemas.microsoft.com/office/drawing/2010/main" val="0"/>
-              </a:ext>
-            </a:extLst>
-          </a:blip>
-          <a:stretch>
-            <a:fillRect/>
-          </a:stretch>
-        </p:blipFill>
-        <p:spPr>
-          <a:xfrm>
             <a:off x="608012" y="1606200"/>
             <a:ext cx="1822800" cy="1822800"/>
           </a:xfrm>
@@ -5911,7 +5841,7 @@
     </p:spTree>
     <p:extLst>
       <p:ext uri="{BB962C8B-B14F-4D97-AF65-F5344CB8AC3E}">
-        <p14:creationId xmlns:p14="http://schemas.microsoft.com/office/powerpoint/2010/main" val="2376107866"/>
+        <p14:creationId xmlns:p14="http://schemas.microsoft.com/office/powerpoint/2010/main" val="41276848"/>
       </p:ext>
     </p:extLst>
   </p:cSld>
@@ -6085,6 +6015,752 @@
       </p:pic>
       <p:pic>
         <p:nvPicPr>
+          <p:cNvPr id="15" name="Picture 14">
+            <a:extLst>
+              <a:ext uri="{FF2B5EF4-FFF2-40B4-BE49-F238E27FC236}">
+                <a16:creationId xmlns:a16="http://schemas.microsoft.com/office/drawing/2014/main" id="{95CFDF55-96A8-7E44-8638-07EF4B4B4A2E}"/>
+              </a:ext>
+            </a:extLst>
+          </p:cNvPr>
+          <p:cNvPicPr>
+            <a:picLocks noChangeAspect="1"/>
+          </p:cNvPicPr>
+          <p:nvPr/>
+        </p:nvPicPr>
+        <p:blipFill>
+          <a:blip r:embed="rId5">
+            <a:extLst>
+              <a:ext uri="{28A0092B-C50C-407E-A947-70E740481C1C}">
+                <a14:useLocalDpi xmlns:a14="http://schemas.microsoft.com/office/drawing/2010/main" val="0"/>
+              </a:ext>
+            </a:extLst>
+          </a:blip>
+          <a:stretch>
+            <a:fillRect/>
+          </a:stretch>
+        </p:blipFill>
+        <p:spPr>
+          <a:xfrm>
+            <a:off x="2635545" y="3730929"/>
+            <a:ext cx="1836001" cy="1836001"/>
+          </a:xfrm>
+          <a:prstGeom prst="rect">
+            <a:avLst/>
+          </a:prstGeom>
+        </p:spPr>
+      </p:pic>
+      <p:pic>
+        <p:nvPicPr>
+          <p:cNvPr id="17" name="Picture 16">
+            <a:extLst>
+              <a:ext uri="{FF2B5EF4-FFF2-40B4-BE49-F238E27FC236}">
+                <a16:creationId xmlns:a16="http://schemas.microsoft.com/office/drawing/2014/main" id="{1C9AA7F5-EA0C-6B45-8780-816C4A6C7431}"/>
+              </a:ext>
+            </a:extLst>
+          </p:cNvPr>
+          <p:cNvPicPr>
+            <a:picLocks noChangeAspect="1"/>
+          </p:cNvPicPr>
+          <p:nvPr/>
+        </p:nvPicPr>
+        <p:blipFill>
+          <a:blip r:embed="rId6">
+            <a:extLst>
+              <a:ext uri="{28A0092B-C50C-407E-A947-70E740481C1C}">
+                <a14:useLocalDpi xmlns:a14="http://schemas.microsoft.com/office/drawing/2010/main" val="0"/>
+              </a:ext>
+            </a:extLst>
+          </a:blip>
+          <a:stretch>
+            <a:fillRect/>
+          </a:stretch>
+        </p:blipFill>
+        <p:spPr>
+          <a:xfrm>
+            <a:off x="601412" y="3730929"/>
+            <a:ext cx="1836000" cy="1836000"/>
+          </a:xfrm>
+          <a:prstGeom prst="rect">
+            <a:avLst/>
+          </a:prstGeom>
+        </p:spPr>
+      </p:pic>
+      <p:pic>
+        <p:nvPicPr>
+          <p:cNvPr id="19" name="Picture 18">
+            <a:extLst>
+              <a:ext uri="{FF2B5EF4-FFF2-40B4-BE49-F238E27FC236}">
+                <a16:creationId xmlns:a16="http://schemas.microsoft.com/office/drawing/2014/main" id="{5EFD56C4-7A9C-7643-874D-19ECFD51553E}"/>
+              </a:ext>
+            </a:extLst>
+          </p:cNvPr>
+          <p:cNvPicPr>
+            <a:picLocks noChangeAspect="1"/>
+          </p:cNvPicPr>
+          <p:nvPr/>
+        </p:nvPicPr>
+        <p:blipFill>
+          <a:blip r:embed="rId7">
+            <a:extLst>
+              <a:ext uri="{28A0092B-C50C-407E-A947-70E740481C1C}">
+                <a14:useLocalDpi xmlns:a14="http://schemas.microsoft.com/office/drawing/2010/main" val="0"/>
+              </a:ext>
+            </a:extLst>
+          </a:blip>
+          <a:stretch>
+            <a:fillRect/>
+          </a:stretch>
+        </p:blipFill>
+        <p:spPr>
+          <a:xfrm>
+            <a:off x="7309399" y="3895835"/>
+            <a:ext cx="1546095" cy="1784194"/>
+          </a:xfrm>
+          <a:prstGeom prst="rect">
+            <a:avLst/>
+          </a:prstGeom>
+        </p:spPr>
+      </p:pic>
+      <p:pic>
+        <p:nvPicPr>
+          <p:cNvPr id="21" name="Picture 20">
+            <a:extLst>
+              <a:ext uri="{FF2B5EF4-FFF2-40B4-BE49-F238E27FC236}">
+                <a16:creationId xmlns:a16="http://schemas.microsoft.com/office/drawing/2014/main" id="{386CA278-71A7-EC42-BB88-6E57030D252F}"/>
+              </a:ext>
+            </a:extLst>
+          </p:cNvPr>
+          <p:cNvPicPr>
+            <a:picLocks noChangeAspect="1"/>
+          </p:cNvPicPr>
+          <p:nvPr/>
+        </p:nvPicPr>
+        <p:blipFill>
+          <a:blip r:embed="rId8">
+            <a:extLst>
+              <a:ext uri="{28A0092B-C50C-407E-A947-70E740481C1C}">
+                <a14:useLocalDpi xmlns:a14="http://schemas.microsoft.com/office/drawing/2010/main" val="0"/>
+              </a:ext>
+            </a:extLst>
+          </a:blip>
+          <a:stretch>
+            <a:fillRect/>
+          </a:stretch>
+        </p:blipFill>
+        <p:spPr>
+          <a:xfrm>
+            <a:off x="7208977" y="1763086"/>
+            <a:ext cx="2090000" cy="2023500"/>
+          </a:xfrm>
+          <a:prstGeom prst="rect">
+            <a:avLst/>
+          </a:prstGeom>
+        </p:spPr>
+      </p:pic>
+      <p:pic>
+        <p:nvPicPr>
+          <p:cNvPr id="23" name="Picture 22">
+            <a:extLst>
+              <a:ext uri="{FF2B5EF4-FFF2-40B4-BE49-F238E27FC236}">
+                <a16:creationId xmlns:a16="http://schemas.microsoft.com/office/drawing/2014/main" id="{4AEDA040-148C-1E47-A738-A69B67E00120}"/>
+              </a:ext>
+            </a:extLst>
+          </p:cNvPr>
+          <p:cNvPicPr>
+            <a:picLocks noChangeAspect="1"/>
+          </p:cNvPicPr>
+          <p:nvPr/>
+        </p:nvPicPr>
+        <p:blipFill>
+          <a:blip r:embed="rId9">
+            <a:extLst>
+              <a:ext uri="{28A0092B-C50C-407E-A947-70E740481C1C}">
+                <a14:useLocalDpi xmlns:a14="http://schemas.microsoft.com/office/drawing/2010/main" val="0"/>
+              </a:ext>
+            </a:extLst>
+          </a:blip>
+          <a:stretch>
+            <a:fillRect/>
+          </a:stretch>
+        </p:blipFill>
+        <p:spPr>
+          <a:xfrm>
+            <a:off x="608012" y="1606200"/>
+            <a:ext cx="1822800" cy="1822800"/>
+          </a:xfrm>
+          <a:prstGeom prst="rect">
+            <a:avLst/>
+          </a:prstGeom>
+        </p:spPr>
+      </p:pic>
+    </p:spTree>
+    <p:extLst>
+      <p:ext uri="{BB962C8B-B14F-4D97-AF65-F5344CB8AC3E}">
+        <p14:creationId xmlns:p14="http://schemas.microsoft.com/office/powerpoint/2010/main" val="742179241"/>
+      </p:ext>
+    </p:extLst>
+  </p:cSld>
+  <p:clrMapOvr>
+    <a:masterClrMapping/>
+  </p:clrMapOvr>
+  <mc:AlternateContent xmlns:mc="http://schemas.openxmlformats.org/markup-compatibility/2006" xmlns:p14="http://schemas.microsoft.com/office/powerpoint/2010/main">
+    <mc:Choice Requires="p14">
+      <p:transition spd="med" p14:dur="700">
+        <p:fade/>
+      </p:transition>
+    </mc:Choice>
+    <mc:Fallback xmlns="">
+      <p:transition spd="med">
+        <p:fade/>
+      </p:transition>
+    </mc:Fallback>
+  </mc:AlternateContent>
+</p:sld>
+</file>
+
+<file path=ppt/slides/slide12.xml><?xml version="1.0" encoding="utf-8"?>
+<p:sld xmlns:a="http://schemas.openxmlformats.org/drawingml/2006/main" xmlns:r="http://schemas.openxmlformats.org/officeDocument/2006/relationships" xmlns:p="http://schemas.openxmlformats.org/presentationml/2006/main">
+  <p:cSld>
+    <p:spTree>
+      <p:nvGrpSpPr>
+        <p:cNvPr id="1" name=""/>
+        <p:cNvGrpSpPr/>
+        <p:nvPr/>
+      </p:nvGrpSpPr>
+      <p:grpSpPr>
+        <a:xfrm>
+          <a:off x="0" y="0"/>
+          <a:ext cx="0" cy="0"/>
+          <a:chOff x="0" y="0"/>
+          <a:chExt cx="0" cy="0"/>
+        </a:xfrm>
+      </p:grpSpPr>
+      <p:sp>
+        <p:nvSpPr>
+          <p:cNvPr id="5" name="Title 4"/>
+          <p:cNvSpPr>
+            <a:spLocks noGrp="1"/>
+          </p:cNvSpPr>
+          <p:nvPr>
+            <p:ph type="title"/>
+          </p:nvPr>
+        </p:nvSpPr>
+        <p:spPr/>
+        <p:txBody>
+          <a:bodyPr/>
+          <a:lstStyle/>
+          <a:p>
+            <a:r>
+              <a:rPr lang="en-US" dirty="0">
+                <a:latin typeface="Century Gothic" panose="020B0502020202020204" pitchFamily="34" charset="0"/>
+              </a:rPr>
+              <a:t>Technologies Used</a:t>
+            </a:r>
+            <a:endParaRPr lang="en-US" dirty="0"/>
+          </a:p>
+        </p:txBody>
+      </p:sp>
+      <p:pic>
+        <p:nvPicPr>
+          <p:cNvPr id="7" name="Picture 6">
+            <a:extLst>
+              <a:ext uri="{FF2B5EF4-FFF2-40B4-BE49-F238E27FC236}">
+                <a16:creationId xmlns:a16="http://schemas.microsoft.com/office/drawing/2014/main" id="{5E0E06AC-77D7-764B-8C96-F2CA45CB8118}"/>
+              </a:ext>
+            </a:extLst>
+          </p:cNvPr>
+          <p:cNvPicPr>
+            <a:picLocks noChangeAspect="1"/>
+          </p:cNvPicPr>
+          <p:nvPr/>
+        </p:nvPicPr>
+        <p:blipFill>
+          <a:blip r:embed="rId2">
+            <a:extLst>
+              <a:ext uri="{28A0092B-C50C-407E-A947-70E740481C1C}">
+                <a14:useLocalDpi xmlns:a14="http://schemas.microsoft.com/office/drawing/2010/main" val="0"/>
+              </a:ext>
+            </a:extLst>
+          </a:blip>
+          <a:stretch>
+            <a:fillRect/>
+          </a:stretch>
+        </p:blipFill>
+        <p:spPr>
+          <a:xfrm>
+            <a:off x="4676281" y="1763086"/>
+            <a:ext cx="2062200" cy="1731925"/>
+          </a:xfrm>
+          <a:prstGeom prst="rect">
+            <a:avLst/>
+          </a:prstGeom>
+        </p:spPr>
+      </p:pic>
+      <p:pic>
+        <p:nvPicPr>
+          <p:cNvPr id="9" name="Picture 8">
+            <a:extLst>
+              <a:ext uri="{FF2B5EF4-FFF2-40B4-BE49-F238E27FC236}">
+                <a16:creationId xmlns:a16="http://schemas.microsoft.com/office/drawing/2014/main" id="{55389734-F86D-534F-A54E-42BA4008A3CA}"/>
+              </a:ext>
+            </a:extLst>
+          </p:cNvPr>
+          <p:cNvPicPr>
+            <a:picLocks noChangeAspect="1"/>
+          </p:cNvPicPr>
+          <p:nvPr/>
+        </p:nvPicPr>
+        <p:blipFill>
+          <a:blip r:embed="rId3">
+            <a:extLst>
+              <a:ext uri="{28A0092B-C50C-407E-A947-70E740481C1C}">
+                <a14:useLocalDpi xmlns:a14="http://schemas.microsoft.com/office/drawing/2010/main" val="0"/>
+              </a:ext>
+            </a:extLst>
+          </a:blip>
+          <a:stretch>
+            <a:fillRect/>
+          </a:stretch>
+        </p:blipFill>
+        <p:spPr>
+          <a:xfrm>
+            <a:off x="2902713" y="1606200"/>
+            <a:ext cx="1301667" cy="1836001"/>
+          </a:xfrm>
+          <a:prstGeom prst="rect">
+            <a:avLst/>
+          </a:prstGeom>
+        </p:spPr>
+      </p:pic>
+      <p:pic>
+        <p:nvPicPr>
+          <p:cNvPr id="11" name="Picture 10">
+            <a:extLst>
+              <a:ext uri="{FF2B5EF4-FFF2-40B4-BE49-F238E27FC236}">
+                <a16:creationId xmlns:a16="http://schemas.microsoft.com/office/drawing/2014/main" id="{25737A13-6EDB-BA40-83A4-48427C34723F}"/>
+              </a:ext>
+            </a:extLst>
+          </p:cNvPr>
+          <p:cNvPicPr>
+            <a:picLocks noChangeAspect="1"/>
+          </p:cNvPicPr>
+          <p:nvPr/>
+        </p:nvPicPr>
+        <p:blipFill>
+          <a:blip r:embed="rId4">
+            <a:extLst>
+              <a:ext uri="{28A0092B-C50C-407E-A947-70E740481C1C}">
+                <a14:useLocalDpi xmlns:a14="http://schemas.microsoft.com/office/drawing/2010/main" val="0"/>
+              </a:ext>
+            </a:extLst>
+          </a:blip>
+          <a:stretch>
+            <a:fillRect/>
+          </a:stretch>
+        </p:blipFill>
+        <p:spPr>
+          <a:xfrm>
+            <a:off x="4676281" y="3617829"/>
+            <a:ext cx="2062200" cy="2062200"/>
+          </a:xfrm>
+          <a:prstGeom prst="rect">
+            <a:avLst/>
+          </a:prstGeom>
+        </p:spPr>
+      </p:pic>
+      <p:pic>
+        <p:nvPicPr>
+          <p:cNvPr id="13" name="Picture 12">
+            <a:extLst>
+              <a:ext uri="{FF2B5EF4-FFF2-40B4-BE49-F238E27FC236}">
+                <a16:creationId xmlns:a16="http://schemas.microsoft.com/office/drawing/2014/main" id="{86C8D27E-D8FB-3E43-8C3F-089AAB4A2802}"/>
+              </a:ext>
+            </a:extLst>
+          </p:cNvPr>
+          <p:cNvPicPr>
+            <a:picLocks noChangeAspect="1"/>
+          </p:cNvPicPr>
+          <p:nvPr/>
+        </p:nvPicPr>
+        <p:blipFill>
+          <a:blip r:embed="rId5">
+            <a:extLst>
+              <a:ext uri="{28A0092B-C50C-407E-A947-70E740481C1C}">
+                <a14:useLocalDpi xmlns:a14="http://schemas.microsoft.com/office/drawing/2010/main" val="0"/>
+              </a:ext>
+            </a:extLst>
+          </a:blip>
+          <a:stretch>
+            <a:fillRect/>
+          </a:stretch>
+        </p:blipFill>
+        <p:spPr>
+          <a:xfrm>
+            <a:off x="9769473" y="1978051"/>
+            <a:ext cx="1642668" cy="1469276"/>
+          </a:xfrm>
+          <a:prstGeom prst="rect">
+            <a:avLst/>
+          </a:prstGeom>
+        </p:spPr>
+      </p:pic>
+      <p:pic>
+        <p:nvPicPr>
+          <p:cNvPr id="15" name="Picture 14">
+            <a:extLst>
+              <a:ext uri="{FF2B5EF4-FFF2-40B4-BE49-F238E27FC236}">
+                <a16:creationId xmlns:a16="http://schemas.microsoft.com/office/drawing/2014/main" id="{95CFDF55-96A8-7E44-8638-07EF4B4B4A2E}"/>
+              </a:ext>
+            </a:extLst>
+          </p:cNvPr>
+          <p:cNvPicPr>
+            <a:picLocks noChangeAspect="1"/>
+          </p:cNvPicPr>
+          <p:nvPr/>
+        </p:nvPicPr>
+        <p:blipFill>
+          <a:blip r:embed="rId6">
+            <a:extLst>
+              <a:ext uri="{28A0092B-C50C-407E-A947-70E740481C1C}">
+                <a14:useLocalDpi xmlns:a14="http://schemas.microsoft.com/office/drawing/2010/main" val="0"/>
+              </a:ext>
+            </a:extLst>
+          </a:blip>
+          <a:stretch>
+            <a:fillRect/>
+          </a:stretch>
+        </p:blipFill>
+        <p:spPr>
+          <a:xfrm>
+            <a:off x="2635545" y="3730929"/>
+            <a:ext cx="1836001" cy="1836001"/>
+          </a:xfrm>
+          <a:prstGeom prst="rect">
+            <a:avLst/>
+          </a:prstGeom>
+        </p:spPr>
+      </p:pic>
+      <p:pic>
+        <p:nvPicPr>
+          <p:cNvPr id="17" name="Picture 16">
+            <a:extLst>
+              <a:ext uri="{FF2B5EF4-FFF2-40B4-BE49-F238E27FC236}">
+                <a16:creationId xmlns:a16="http://schemas.microsoft.com/office/drawing/2014/main" id="{1C9AA7F5-EA0C-6B45-8780-816C4A6C7431}"/>
+              </a:ext>
+            </a:extLst>
+          </p:cNvPr>
+          <p:cNvPicPr>
+            <a:picLocks noChangeAspect="1"/>
+          </p:cNvPicPr>
+          <p:nvPr/>
+        </p:nvPicPr>
+        <p:blipFill>
+          <a:blip r:embed="rId7">
+            <a:extLst>
+              <a:ext uri="{28A0092B-C50C-407E-A947-70E740481C1C}">
+                <a14:useLocalDpi xmlns:a14="http://schemas.microsoft.com/office/drawing/2010/main" val="0"/>
+              </a:ext>
+            </a:extLst>
+          </a:blip>
+          <a:stretch>
+            <a:fillRect/>
+          </a:stretch>
+        </p:blipFill>
+        <p:spPr>
+          <a:xfrm>
+            <a:off x="601412" y="3730929"/>
+            <a:ext cx="1836000" cy="1836000"/>
+          </a:xfrm>
+          <a:prstGeom prst="rect">
+            <a:avLst/>
+          </a:prstGeom>
+        </p:spPr>
+      </p:pic>
+      <p:pic>
+        <p:nvPicPr>
+          <p:cNvPr id="19" name="Picture 18">
+            <a:extLst>
+              <a:ext uri="{FF2B5EF4-FFF2-40B4-BE49-F238E27FC236}">
+                <a16:creationId xmlns:a16="http://schemas.microsoft.com/office/drawing/2014/main" id="{5EFD56C4-7A9C-7643-874D-19ECFD51553E}"/>
+              </a:ext>
+            </a:extLst>
+          </p:cNvPr>
+          <p:cNvPicPr>
+            <a:picLocks noChangeAspect="1"/>
+          </p:cNvPicPr>
+          <p:nvPr/>
+        </p:nvPicPr>
+        <p:blipFill>
+          <a:blip r:embed="rId8">
+            <a:extLst>
+              <a:ext uri="{28A0092B-C50C-407E-A947-70E740481C1C}">
+                <a14:useLocalDpi xmlns:a14="http://schemas.microsoft.com/office/drawing/2010/main" val="0"/>
+              </a:ext>
+            </a:extLst>
+          </a:blip>
+          <a:stretch>
+            <a:fillRect/>
+          </a:stretch>
+        </p:blipFill>
+        <p:spPr>
+          <a:xfrm>
+            <a:off x="7309399" y="3895835"/>
+            <a:ext cx="1546095" cy="1784194"/>
+          </a:xfrm>
+          <a:prstGeom prst="rect">
+            <a:avLst/>
+          </a:prstGeom>
+        </p:spPr>
+      </p:pic>
+      <p:pic>
+        <p:nvPicPr>
+          <p:cNvPr id="21" name="Picture 20">
+            <a:extLst>
+              <a:ext uri="{FF2B5EF4-FFF2-40B4-BE49-F238E27FC236}">
+                <a16:creationId xmlns:a16="http://schemas.microsoft.com/office/drawing/2014/main" id="{386CA278-71A7-EC42-BB88-6E57030D252F}"/>
+              </a:ext>
+            </a:extLst>
+          </p:cNvPr>
+          <p:cNvPicPr>
+            <a:picLocks noChangeAspect="1"/>
+          </p:cNvPicPr>
+          <p:nvPr/>
+        </p:nvPicPr>
+        <p:blipFill>
+          <a:blip r:embed="rId9">
+            <a:extLst>
+              <a:ext uri="{28A0092B-C50C-407E-A947-70E740481C1C}">
+                <a14:useLocalDpi xmlns:a14="http://schemas.microsoft.com/office/drawing/2010/main" val="0"/>
+              </a:ext>
+            </a:extLst>
+          </a:blip>
+          <a:stretch>
+            <a:fillRect/>
+          </a:stretch>
+        </p:blipFill>
+        <p:spPr>
+          <a:xfrm>
+            <a:off x="7208977" y="1763086"/>
+            <a:ext cx="2090000" cy="2023500"/>
+          </a:xfrm>
+          <a:prstGeom prst="rect">
+            <a:avLst/>
+          </a:prstGeom>
+        </p:spPr>
+      </p:pic>
+      <p:pic>
+        <p:nvPicPr>
+          <p:cNvPr id="23" name="Picture 22">
+            <a:extLst>
+              <a:ext uri="{FF2B5EF4-FFF2-40B4-BE49-F238E27FC236}">
+                <a16:creationId xmlns:a16="http://schemas.microsoft.com/office/drawing/2014/main" id="{4AEDA040-148C-1E47-A738-A69B67E00120}"/>
+              </a:ext>
+            </a:extLst>
+          </p:cNvPr>
+          <p:cNvPicPr>
+            <a:picLocks noChangeAspect="1"/>
+          </p:cNvPicPr>
+          <p:nvPr/>
+        </p:nvPicPr>
+        <p:blipFill>
+          <a:blip r:embed="rId10">
+            <a:extLst>
+              <a:ext uri="{28A0092B-C50C-407E-A947-70E740481C1C}">
+                <a14:useLocalDpi xmlns:a14="http://schemas.microsoft.com/office/drawing/2010/main" val="0"/>
+              </a:ext>
+            </a:extLst>
+          </a:blip>
+          <a:stretch>
+            <a:fillRect/>
+          </a:stretch>
+        </p:blipFill>
+        <p:spPr>
+          <a:xfrm>
+            <a:off x="608012" y="1606200"/>
+            <a:ext cx="1822800" cy="1822800"/>
+          </a:xfrm>
+          <a:prstGeom prst="rect">
+            <a:avLst/>
+          </a:prstGeom>
+        </p:spPr>
+      </p:pic>
+    </p:spTree>
+    <p:extLst>
+      <p:ext uri="{BB962C8B-B14F-4D97-AF65-F5344CB8AC3E}">
+        <p14:creationId xmlns:p14="http://schemas.microsoft.com/office/powerpoint/2010/main" val="2376107866"/>
+      </p:ext>
+    </p:extLst>
+  </p:cSld>
+  <p:clrMapOvr>
+    <a:masterClrMapping/>
+  </p:clrMapOvr>
+  <mc:AlternateContent xmlns:mc="http://schemas.openxmlformats.org/markup-compatibility/2006" xmlns:p14="http://schemas.microsoft.com/office/powerpoint/2010/main">
+    <mc:Choice Requires="p14">
+      <p:transition spd="med" p14:dur="700">
+        <p:fade/>
+      </p:transition>
+    </mc:Choice>
+    <mc:Fallback xmlns="">
+      <p:transition spd="med">
+        <p:fade/>
+      </p:transition>
+    </mc:Fallback>
+  </mc:AlternateContent>
+</p:sld>
+</file>
+
+<file path=ppt/slides/slide13.xml><?xml version="1.0" encoding="utf-8"?>
+<p:sld xmlns:a="http://schemas.openxmlformats.org/drawingml/2006/main" xmlns:r="http://schemas.openxmlformats.org/officeDocument/2006/relationships" xmlns:p="http://schemas.openxmlformats.org/presentationml/2006/main">
+  <p:cSld>
+    <p:spTree>
+      <p:nvGrpSpPr>
+        <p:cNvPr id="1" name=""/>
+        <p:cNvGrpSpPr/>
+        <p:nvPr/>
+      </p:nvGrpSpPr>
+      <p:grpSpPr>
+        <a:xfrm>
+          <a:off x="0" y="0"/>
+          <a:ext cx="0" cy="0"/>
+          <a:chOff x="0" y="0"/>
+          <a:chExt cx="0" cy="0"/>
+        </a:xfrm>
+      </p:grpSpPr>
+      <p:sp>
+        <p:nvSpPr>
+          <p:cNvPr id="5" name="Title 4"/>
+          <p:cNvSpPr>
+            <a:spLocks noGrp="1"/>
+          </p:cNvSpPr>
+          <p:nvPr>
+            <p:ph type="title"/>
+          </p:nvPr>
+        </p:nvSpPr>
+        <p:spPr/>
+        <p:txBody>
+          <a:bodyPr/>
+          <a:lstStyle/>
+          <a:p>
+            <a:r>
+              <a:rPr lang="en-US" dirty="0">
+                <a:latin typeface="Century Gothic" panose="020B0502020202020204" pitchFamily="34" charset="0"/>
+              </a:rPr>
+              <a:t>Technologies Used</a:t>
+            </a:r>
+            <a:endParaRPr lang="en-US" dirty="0"/>
+          </a:p>
+        </p:txBody>
+      </p:sp>
+      <p:pic>
+        <p:nvPicPr>
+          <p:cNvPr id="7" name="Picture 6">
+            <a:extLst>
+              <a:ext uri="{FF2B5EF4-FFF2-40B4-BE49-F238E27FC236}">
+                <a16:creationId xmlns:a16="http://schemas.microsoft.com/office/drawing/2014/main" id="{5E0E06AC-77D7-764B-8C96-F2CA45CB8118}"/>
+              </a:ext>
+            </a:extLst>
+          </p:cNvPr>
+          <p:cNvPicPr>
+            <a:picLocks noChangeAspect="1"/>
+          </p:cNvPicPr>
+          <p:nvPr/>
+        </p:nvPicPr>
+        <p:blipFill>
+          <a:blip r:embed="rId2">
+            <a:extLst>
+              <a:ext uri="{28A0092B-C50C-407E-A947-70E740481C1C}">
+                <a14:useLocalDpi xmlns:a14="http://schemas.microsoft.com/office/drawing/2010/main" val="0"/>
+              </a:ext>
+            </a:extLst>
+          </a:blip>
+          <a:stretch>
+            <a:fillRect/>
+          </a:stretch>
+        </p:blipFill>
+        <p:spPr>
+          <a:xfrm>
+            <a:off x="4676281" y="1763086"/>
+            <a:ext cx="2062200" cy="1731925"/>
+          </a:xfrm>
+          <a:prstGeom prst="rect">
+            <a:avLst/>
+          </a:prstGeom>
+        </p:spPr>
+      </p:pic>
+      <p:pic>
+        <p:nvPicPr>
+          <p:cNvPr id="9" name="Picture 8">
+            <a:extLst>
+              <a:ext uri="{FF2B5EF4-FFF2-40B4-BE49-F238E27FC236}">
+                <a16:creationId xmlns:a16="http://schemas.microsoft.com/office/drawing/2014/main" id="{55389734-F86D-534F-A54E-42BA4008A3CA}"/>
+              </a:ext>
+            </a:extLst>
+          </p:cNvPr>
+          <p:cNvPicPr>
+            <a:picLocks noChangeAspect="1"/>
+          </p:cNvPicPr>
+          <p:nvPr/>
+        </p:nvPicPr>
+        <p:blipFill>
+          <a:blip r:embed="rId3">
+            <a:extLst>
+              <a:ext uri="{28A0092B-C50C-407E-A947-70E740481C1C}">
+                <a14:useLocalDpi xmlns:a14="http://schemas.microsoft.com/office/drawing/2010/main" val="0"/>
+              </a:ext>
+            </a:extLst>
+          </a:blip>
+          <a:stretch>
+            <a:fillRect/>
+          </a:stretch>
+        </p:blipFill>
+        <p:spPr>
+          <a:xfrm>
+            <a:off x="2902713" y="1606200"/>
+            <a:ext cx="1301667" cy="1836001"/>
+          </a:xfrm>
+          <a:prstGeom prst="rect">
+            <a:avLst/>
+          </a:prstGeom>
+        </p:spPr>
+      </p:pic>
+      <p:pic>
+        <p:nvPicPr>
+          <p:cNvPr id="11" name="Picture 10">
+            <a:extLst>
+              <a:ext uri="{FF2B5EF4-FFF2-40B4-BE49-F238E27FC236}">
+                <a16:creationId xmlns:a16="http://schemas.microsoft.com/office/drawing/2014/main" id="{25737A13-6EDB-BA40-83A4-48427C34723F}"/>
+              </a:ext>
+            </a:extLst>
+          </p:cNvPr>
+          <p:cNvPicPr>
+            <a:picLocks noChangeAspect="1"/>
+          </p:cNvPicPr>
+          <p:nvPr/>
+        </p:nvPicPr>
+        <p:blipFill>
+          <a:blip r:embed="rId4">
+            <a:extLst>
+              <a:ext uri="{28A0092B-C50C-407E-A947-70E740481C1C}">
+                <a14:useLocalDpi xmlns:a14="http://schemas.microsoft.com/office/drawing/2010/main" val="0"/>
+              </a:ext>
+            </a:extLst>
+          </a:blip>
+          <a:stretch>
+            <a:fillRect/>
+          </a:stretch>
+        </p:blipFill>
+        <p:spPr>
+          <a:xfrm>
+            <a:off x="4676281" y="3617829"/>
+            <a:ext cx="2062200" cy="2062200"/>
+          </a:xfrm>
+          <a:prstGeom prst="rect">
+            <a:avLst/>
+          </a:prstGeom>
+        </p:spPr>
+      </p:pic>
+      <p:pic>
+        <p:nvPicPr>
           <p:cNvPr id="13" name="Picture 12">
             <a:extLst>
               <a:ext uri="{FF2B5EF4-FFF2-40B4-BE49-F238E27FC236}">
@@ -6360,7 +7036,7 @@
 </p:sld>
 </file>
 
-<file path=ppt/slides/slide12.xml><?xml version="1.0" encoding="utf-8"?>
+<file path=ppt/slides/slide14.xml><?xml version="1.0" encoding="utf-8"?>
 <p:sld xmlns:a="http://schemas.openxmlformats.org/drawingml/2006/main" xmlns:r="http://schemas.openxmlformats.org/officeDocument/2006/relationships" xmlns:p="http://schemas.openxmlformats.org/presentationml/2006/main">
   <p:cSld>
     <p:spTree>
@@ -6889,176 +7565,6 @@
 </p:sld>
 </file>
 
-<file path=ppt/slides/slide13.xml><?xml version="1.0" encoding="utf-8"?>
-<p:sld xmlns:a="http://schemas.openxmlformats.org/drawingml/2006/main" xmlns:r="http://schemas.openxmlformats.org/officeDocument/2006/relationships" xmlns:p="http://schemas.openxmlformats.org/presentationml/2006/main">
-  <p:cSld>
-    <p:spTree>
-      <p:nvGrpSpPr>
-        <p:cNvPr id="1" name=""/>
-        <p:cNvGrpSpPr/>
-        <p:nvPr/>
-      </p:nvGrpSpPr>
-      <p:grpSpPr>
-        <a:xfrm>
-          <a:off x="0" y="0"/>
-          <a:ext cx="0" cy="0"/>
-          <a:chOff x="0" y="0"/>
-          <a:chExt cx="0" cy="0"/>
-        </a:xfrm>
-      </p:grpSpPr>
-      <p:sp>
-        <p:nvSpPr>
-          <p:cNvPr id="5" name="Title 4"/>
-          <p:cNvSpPr>
-            <a:spLocks noGrp="1"/>
-          </p:cNvSpPr>
-          <p:nvPr>
-            <p:ph type="title"/>
-          </p:nvPr>
-        </p:nvSpPr>
-        <p:spPr/>
-        <p:txBody>
-          <a:bodyPr/>
-          <a:lstStyle/>
-          <a:p>
-            <a:r>
-              <a:rPr lang="en-US" dirty="0">
-                <a:latin typeface="Century Gothic" panose="020B0502020202020204" pitchFamily="34" charset="0"/>
-              </a:rPr>
-              <a:t>Data Sources</a:t>
-            </a:r>
-            <a:endParaRPr lang="en-US" dirty="0"/>
-          </a:p>
-        </p:txBody>
-      </p:sp>
-    </p:spTree>
-    <p:extLst>
-      <p:ext uri="{BB962C8B-B14F-4D97-AF65-F5344CB8AC3E}">
-        <p14:creationId xmlns:p14="http://schemas.microsoft.com/office/powerpoint/2010/main" val="1924350146"/>
-      </p:ext>
-    </p:extLst>
-  </p:cSld>
-  <p:clrMapOvr>
-    <a:masterClrMapping/>
-  </p:clrMapOvr>
-  <mc:AlternateContent xmlns:mc="http://schemas.openxmlformats.org/markup-compatibility/2006" xmlns:p14="http://schemas.microsoft.com/office/powerpoint/2010/main">
-    <mc:Choice Requires="p14">
-      <p:transition spd="med" p14:dur="700">
-        <p:fade/>
-      </p:transition>
-    </mc:Choice>
-    <mc:Fallback xmlns="">
-      <p:transition spd="med">
-        <p:fade/>
-      </p:transition>
-    </mc:Fallback>
-  </mc:AlternateContent>
-</p:sld>
-</file>
-
-<file path=ppt/slides/slide14.xml><?xml version="1.0" encoding="utf-8"?>
-<p:sld xmlns:a="http://schemas.openxmlformats.org/drawingml/2006/main" xmlns:r="http://schemas.openxmlformats.org/officeDocument/2006/relationships" xmlns:p="http://schemas.openxmlformats.org/presentationml/2006/main">
-  <p:cSld>
-    <p:spTree>
-      <p:nvGrpSpPr>
-        <p:cNvPr id="1" name=""/>
-        <p:cNvGrpSpPr/>
-        <p:nvPr/>
-      </p:nvGrpSpPr>
-      <p:grpSpPr>
-        <a:xfrm>
-          <a:off x="0" y="0"/>
-          <a:ext cx="0" cy="0"/>
-          <a:chOff x="0" y="0"/>
-          <a:chExt cx="0" cy="0"/>
-        </a:xfrm>
-      </p:grpSpPr>
-      <p:sp>
-        <p:nvSpPr>
-          <p:cNvPr id="5" name="Title 4"/>
-          <p:cNvSpPr>
-            <a:spLocks noGrp="1"/>
-          </p:cNvSpPr>
-          <p:nvPr>
-            <p:ph type="title"/>
-          </p:nvPr>
-        </p:nvSpPr>
-        <p:spPr/>
-        <p:txBody>
-          <a:bodyPr/>
-          <a:lstStyle/>
-          <a:p>
-            <a:r>
-              <a:rPr lang="en-US" dirty="0">
-                <a:latin typeface="Century Gothic" panose="020B0502020202020204" pitchFamily="34" charset="0"/>
-              </a:rPr>
-              <a:t>Data Sources</a:t>
-            </a:r>
-            <a:endParaRPr lang="en-US" dirty="0"/>
-          </a:p>
-        </p:txBody>
-      </p:sp>
-      <p:pic>
-        <p:nvPicPr>
-          <p:cNvPr id="8" name="Picture 7">
-            <a:extLst>
-              <a:ext uri="{FF2B5EF4-FFF2-40B4-BE49-F238E27FC236}">
-                <a16:creationId xmlns:a16="http://schemas.microsoft.com/office/drawing/2014/main" id="{76DE72AD-7716-CD44-97D4-5480989BD2E9}"/>
-              </a:ext>
-            </a:extLst>
-          </p:cNvPr>
-          <p:cNvPicPr>
-            <a:picLocks noChangeAspect="1"/>
-          </p:cNvPicPr>
-          <p:nvPr/>
-        </p:nvPicPr>
-        <p:blipFill>
-          <a:blip r:embed="rId2">
-            <a:extLst>
-              <a:ext uri="{28A0092B-C50C-407E-A947-70E740481C1C}">
-                <a14:useLocalDpi xmlns:a14="http://schemas.microsoft.com/office/drawing/2010/main" val="0"/>
-              </a:ext>
-            </a:extLst>
-          </a:blip>
-          <a:stretch>
-            <a:fillRect/>
-          </a:stretch>
-        </p:blipFill>
-        <p:spPr>
-          <a:xfrm>
-            <a:off x="430213" y="2580273"/>
-            <a:ext cx="3357600" cy="1697453"/>
-          </a:xfrm>
-          <a:prstGeom prst="rect">
-            <a:avLst/>
-          </a:prstGeom>
-        </p:spPr>
-      </p:pic>
-    </p:spTree>
-    <p:extLst>
-      <p:ext uri="{BB962C8B-B14F-4D97-AF65-F5344CB8AC3E}">
-        <p14:creationId xmlns:p14="http://schemas.microsoft.com/office/powerpoint/2010/main" val="2840153660"/>
-      </p:ext>
-    </p:extLst>
-  </p:cSld>
-  <p:clrMapOvr>
-    <a:masterClrMapping/>
-  </p:clrMapOvr>
-  <mc:AlternateContent xmlns:mc="http://schemas.openxmlformats.org/markup-compatibility/2006" xmlns:p14="http://schemas.microsoft.com/office/powerpoint/2010/main">
-    <mc:Choice Requires="p14">
-      <p:transition spd="med" p14:dur="700">
-        <p:fade/>
-      </p:transition>
-    </mc:Choice>
-    <mc:Fallback xmlns="">
-      <p:transition spd="med">
-        <p:fade/>
-      </p:transition>
-    </mc:Fallback>
-  </mc:AlternateContent>
-</p:sld>
-</file>
-
 <file path=ppt/slides/slide15.xml><?xml version="1.0" encoding="utf-8"?>
 <p:sld xmlns:a="http://schemas.openxmlformats.org/drawingml/2006/main" xmlns:r="http://schemas.openxmlformats.org/officeDocument/2006/relationships" xmlns:p="http://schemas.openxmlformats.org/presentationml/2006/main">
   <p:cSld>
@@ -7101,82 +7607,10 @@
           </a:p>
         </p:txBody>
       </p:sp>
-      <p:pic>
-        <p:nvPicPr>
-          <p:cNvPr id="6" name="Picture 5">
-            <a:extLst>
-              <a:ext uri="{FF2B5EF4-FFF2-40B4-BE49-F238E27FC236}">
-                <a16:creationId xmlns:a16="http://schemas.microsoft.com/office/drawing/2014/main" id="{E9A673AD-6DAF-4D41-91FF-CC193BA962C7}"/>
-              </a:ext>
-            </a:extLst>
-          </p:cNvPr>
-          <p:cNvPicPr>
-            <a:picLocks noChangeAspect="1"/>
-          </p:cNvPicPr>
-          <p:nvPr/>
-        </p:nvPicPr>
-        <p:blipFill>
-          <a:blip r:embed="rId2">
-            <a:extLst>
-              <a:ext uri="{28A0092B-C50C-407E-A947-70E740481C1C}">
-                <a14:useLocalDpi xmlns:a14="http://schemas.microsoft.com/office/drawing/2010/main" val="0"/>
-              </a:ext>
-            </a:extLst>
-          </a:blip>
-          <a:stretch>
-            <a:fillRect/>
-          </a:stretch>
-        </p:blipFill>
-        <p:spPr>
-          <a:xfrm>
-            <a:off x="4318384" y="1600200"/>
-            <a:ext cx="3357600" cy="3357600"/>
-          </a:xfrm>
-          <a:prstGeom prst="rect">
-            <a:avLst/>
-          </a:prstGeom>
-        </p:spPr>
-      </p:pic>
-      <p:pic>
-        <p:nvPicPr>
-          <p:cNvPr id="8" name="Picture 7">
-            <a:extLst>
-              <a:ext uri="{FF2B5EF4-FFF2-40B4-BE49-F238E27FC236}">
-                <a16:creationId xmlns:a16="http://schemas.microsoft.com/office/drawing/2014/main" id="{76DE72AD-7716-CD44-97D4-5480989BD2E9}"/>
-              </a:ext>
-            </a:extLst>
-          </p:cNvPr>
-          <p:cNvPicPr>
-            <a:picLocks noChangeAspect="1"/>
-          </p:cNvPicPr>
-          <p:nvPr/>
-        </p:nvPicPr>
-        <p:blipFill>
-          <a:blip r:embed="rId3">
-            <a:extLst>
-              <a:ext uri="{28A0092B-C50C-407E-A947-70E740481C1C}">
-                <a14:useLocalDpi xmlns:a14="http://schemas.microsoft.com/office/drawing/2010/main" val="0"/>
-              </a:ext>
-            </a:extLst>
-          </a:blip>
-          <a:stretch>
-            <a:fillRect/>
-          </a:stretch>
-        </p:blipFill>
-        <p:spPr>
-          <a:xfrm>
-            <a:off x="430213" y="2580273"/>
-            <a:ext cx="3357600" cy="1697453"/>
-          </a:xfrm>
-          <a:prstGeom prst="rect">
-            <a:avLst/>
-          </a:prstGeom>
-        </p:spPr>
-      </p:pic>
     </p:spTree>
     <p:extLst>
       <p:ext uri="{BB962C8B-B14F-4D97-AF65-F5344CB8AC3E}">
-        <p14:creationId xmlns:p14="http://schemas.microsoft.com/office/powerpoint/2010/main" val="1463578297"/>
+        <p14:creationId xmlns:p14="http://schemas.microsoft.com/office/powerpoint/2010/main" val="1924350146"/>
       </p:ext>
     </p:extLst>
   </p:cSld>
@@ -7242,10 +7676,10 @@
       </p:sp>
       <p:pic>
         <p:nvPicPr>
-          <p:cNvPr id="3" name="Picture 2">
+          <p:cNvPr id="8" name="Picture 7">
             <a:extLst>
               <a:ext uri="{FF2B5EF4-FFF2-40B4-BE49-F238E27FC236}">
-                <a16:creationId xmlns:a16="http://schemas.microsoft.com/office/drawing/2014/main" id="{B50FD82F-E981-5D41-80B3-ECD5225C932A}"/>
+                <a16:creationId xmlns:a16="http://schemas.microsoft.com/office/drawing/2014/main" id="{76DE72AD-7716-CD44-97D4-5480989BD2E9}"/>
               </a:ext>
             </a:extLst>
           </p:cNvPr>
@@ -7268,78 +7702,6 @@
         </p:blipFill>
         <p:spPr>
           <a:xfrm>
-            <a:off x="8114535" y="1926450"/>
-            <a:ext cx="3606800" cy="2705100"/>
-          </a:xfrm>
-          <a:prstGeom prst="rect">
-            <a:avLst/>
-          </a:prstGeom>
-        </p:spPr>
-      </p:pic>
-      <p:pic>
-        <p:nvPicPr>
-          <p:cNvPr id="6" name="Picture 5">
-            <a:extLst>
-              <a:ext uri="{FF2B5EF4-FFF2-40B4-BE49-F238E27FC236}">
-                <a16:creationId xmlns:a16="http://schemas.microsoft.com/office/drawing/2014/main" id="{E9A673AD-6DAF-4D41-91FF-CC193BA962C7}"/>
-              </a:ext>
-            </a:extLst>
-          </p:cNvPr>
-          <p:cNvPicPr>
-            <a:picLocks noChangeAspect="1"/>
-          </p:cNvPicPr>
-          <p:nvPr/>
-        </p:nvPicPr>
-        <p:blipFill>
-          <a:blip r:embed="rId3">
-            <a:extLst>
-              <a:ext uri="{28A0092B-C50C-407E-A947-70E740481C1C}">
-                <a14:useLocalDpi xmlns:a14="http://schemas.microsoft.com/office/drawing/2010/main" val="0"/>
-              </a:ext>
-            </a:extLst>
-          </a:blip>
-          <a:stretch>
-            <a:fillRect/>
-          </a:stretch>
-        </p:blipFill>
-        <p:spPr>
-          <a:xfrm>
-            <a:off x="4318384" y="1600200"/>
-            <a:ext cx="3357600" cy="3357600"/>
-          </a:xfrm>
-          <a:prstGeom prst="rect">
-            <a:avLst/>
-          </a:prstGeom>
-        </p:spPr>
-      </p:pic>
-      <p:pic>
-        <p:nvPicPr>
-          <p:cNvPr id="8" name="Picture 7">
-            <a:extLst>
-              <a:ext uri="{FF2B5EF4-FFF2-40B4-BE49-F238E27FC236}">
-                <a16:creationId xmlns:a16="http://schemas.microsoft.com/office/drawing/2014/main" id="{76DE72AD-7716-CD44-97D4-5480989BD2E9}"/>
-              </a:ext>
-            </a:extLst>
-          </p:cNvPr>
-          <p:cNvPicPr>
-            <a:picLocks noChangeAspect="1"/>
-          </p:cNvPicPr>
-          <p:nvPr/>
-        </p:nvPicPr>
-        <p:blipFill>
-          <a:blip r:embed="rId4">
-            <a:extLst>
-              <a:ext uri="{28A0092B-C50C-407E-A947-70E740481C1C}">
-                <a14:useLocalDpi xmlns:a14="http://schemas.microsoft.com/office/drawing/2010/main" val="0"/>
-              </a:ext>
-            </a:extLst>
-          </a:blip>
-          <a:stretch>
-            <a:fillRect/>
-          </a:stretch>
-        </p:blipFill>
-        <p:spPr>
-          <a:xfrm>
             <a:off x="430213" y="2580273"/>
             <a:ext cx="3357600" cy="1697453"/>
           </a:xfrm>
@@ -7351,7 +7713,7 @@
     </p:spTree>
     <p:extLst>
       <p:ext uri="{BB962C8B-B14F-4D97-AF65-F5344CB8AC3E}">
-        <p14:creationId xmlns:p14="http://schemas.microsoft.com/office/powerpoint/2010/main" val="452397749"/>
+        <p14:creationId xmlns:p14="http://schemas.microsoft.com/office/powerpoint/2010/main" val="2840153660"/>
       </p:ext>
     </p:extLst>
   </p:cSld>
@@ -7392,13 +7754,7 @@
       </p:grpSpPr>
       <p:sp>
         <p:nvSpPr>
-          <p:cNvPr id="2" name="Title 1">
-            <a:extLst>
-              <a:ext uri="{FF2B5EF4-FFF2-40B4-BE49-F238E27FC236}">
-                <a16:creationId xmlns:a16="http://schemas.microsoft.com/office/drawing/2014/main" id="{616D3749-BB20-1C41-AB67-EF86F4F7F2FF}"/>
-              </a:ext>
-            </a:extLst>
-          </p:cNvPr>
+          <p:cNvPr id="5" name="Title 4"/>
           <p:cNvSpPr>
             <a:spLocks noGrp="1"/>
           </p:cNvSpPr>
@@ -7415,102 +7771,88 @@
               <a:rPr lang="en-US" dirty="0">
                 <a:latin typeface="Century Gothic" panose="020B0502020202020204" pitchFamily="34" charset="0"/>
               </a:rPr>
-              <a:t>What is </a:t>
-            </a:r>
-            <a:r>
-              <a:rPr lang="en-US" dirty="0" err="1">
-                <a:latin typeface="Century Gothic" panose="020B0502020202020204" pitchFamily="34" charset="0"/>
-              </a:rPr>
-              <a:t>Nutrition.ly</a:t>
+              <a:t>Data Sources</a:t>
             </a:r>
             <a:endParaRPr lang="en-US" dirty="0"/>
           </a:p>
         </p:txBody>
       </p:sp>
-      <p:sp>
-        <p:nvSpPr>
-          <p:cNvPr id="7" name="TextBox 6">
+      <p:pic>
+        <p:nvPicPr>
+          <p:cNvPr id="6" name="Picture 5">
             <a:extLst>
               <a:ext uri="{FF2B5EF4-FFF2-40B4-BE49-F238E27FC236}">
-                <a16:creationId xmlns:a16="http://schemas.microsoft.com/office/drawing/2014/main" id="{80DA6811-C01F-B243-950B-181E71EBF035}"/>
+                <a16:creationId xmlns:a16="http://schemas.microsoft.com/office/drawing/2014/main" id="{E9A673AD-6DAF-4D41-91FF-CC193BA962C7}"/>
               </a:ext>
             </a:extLst>
           </p:cNvPr>
-          <p:cNvSpPr txBox="1"/>
+          <p:cNvPicPr>
+            <a:picLocks noChangeAspect="1"/>
+          </p:cNvPicPr>
           <p:nvPr/>
-        </p:nvSpPr>
-        <p:spPr>
-          <a:xfrm>
-            <a:off x="2513012" y="3473307"/>
-            <a:ext cx="988332" cy="584775"/>
+        </p:nvPicPr>
+        <p:blipFill>
+          <a:blip r:embed="rId2">
+            <a:extLst>
+              <a:ext uri="{28A0092B-C50C-407E-A947-70E740481C1C}">
+                <a14:useLocalDpi xmlns:a14="http://schemas.microsoft.com/office/drawing/2010/main" val="0"/>
+              </a:ext>
+            </a:extLst>
+          </a:blip>
+          <a:stretch>
+            <a:fillRect/>
+          </a:stretch>
+        </p:blipFill>
+        <p:spPr>
+          <a:xfrm>
+            <a:off x="4318384" y="1600200"/>
+            <a:ext cx="3357600" cy="3357600"/>
           </a:xfrm>
           <a:prstGeom prst="rect">
             <a:avLst/>
           </a:prstGeom>
-          <a:noFill/>
-        </p:spPr>
-        <p:txBody>
-          <a:bodyPr wrap="square" rtlCol="0">
-            <a:spAutoFit/>
-          </a:bodyPr>
-          <a:lstStyle/>
-          <a:p>
-            <a:pPr algn="ctr"/>
-            <a:r>
-              <a:rPr lang="en-US" sz="3200" dirty="0"/>
-              <a:t>You</a:t>
-            </a:r>
-          </a:p>
-        </p:txBody>
-      </p:sp>
-      <p:sp>
-        <p:nvSpPr>
-          <p:cNvPr id="11" name="Smiley Face 10">
+        </p:spPr>
+      </p:pic>
+      <p:pic>
+        <p:nvPicPr>
+          <p:cNvPr id="8" name="Picture 7">
             <a:extLst>
               <a:ext uri="{FF2B5EF4-FFF2-40B4-BE49-F238E27FC236}">
-                <a16:creationId xmlns:a16="http://schemas.microsoft.com/office/drawing/2014/main" id="{5FBA9D55-EA8D-F048-9F87-5F3A8489B6CB}"/>
+                <a16:creationId xmlns:a16="http://schemas.microsoft.com/office/drawing/2014/main" id="{76DE72AD-7716-CD44-97D4-5480989BD2E9}"/>
               </a:ext>
             </a:extLst>
           </p:cNvPr>
-          <p:cNvSpPr/>
+          <p:cNvPicPr>
+            <a:picLocks noChangeAspect="1"/>
+          </p:cNvPicPr>
           <p:nvPr/>
-        </p:nvSpPr>
-        <p:spPr>
-          <a:xfrm rot="10800000">
-            <a:off x="7542212" y="3124200"/>
-            <a:ext cx="1371600" cy="1282988"/>
-          </a:xfrm>
-          <a:prstGeom prst="smileyFace">
+        </p:nvPicPr>
+        <p:blipFill>
+          <a:blip r:embed="rId3">
+            <a:extLst>
+              <a:ext uri="{28A0092B-C50C-407E-A947-70E740481C1C}">
+                <a14:useLocalDpi xmlns:a14="http://schemas.microsoft.com/office/drawing/2010/main" val="0"/>
+              </a:ext>
+            </a:extLst>
+          </a:blip>
+          <a:stretch>
+            <a:fillRect/>
+          </a:stretch>
+        </p:blipFill>
+        <p:spPr>
+          <a:xfrm>
+            <a:off x="430213" y="2580273"/>
+            <a:ext cx="3357600" cy="1697453"/>
+          </a:xfrm>
+          <a:prstGeom prst="rect">
             <a:avLst/>
           </a:prstGeom>
         </p:spPr>
-        <p:style>
-          <a:lnRef idx="2">
-            <a:schemeClr val="dk1"/>
-          </a:lnRef>
-          <a:fillRef idx="1">
-            <a:schemeClr val="lt1"/>
-          </a:fillRef>
-          <a:effectRef idx="0">
-            <a:schemeClr val="dk1"/>
-          </a:effectRef>
-          <a:fontRef idx="minor">
-            <a:schemeClr val="dk1"/>
-          </a:fontRef>
-        </p:style>
-        <p:txBody>
-          <a:bodyPr rtlCol="0" anchor="ctr"/>
-          <a:lstStyle/>
-          <a:p>
-            <a:pPr algn="ctr"/>
-            <a:endParaRPr lang="en-US"/>
-          </a:p>
-        </p:txBody>
-      </p:sp>
+      </p:pic>
     </p:spTree>
     <p:extLst>
       <p:ext uri="{BB962C8B-B14F-4D97-AF65-F5344CB8AC3E}">
-        <p14:creationId xmlns:p14="http://schemas.microsoft.com/office/powerpoint/2010/main" val="581784348"/>
+        <p14:creationId xmlns:p14="http://schemas.microsoft.com/office/powerpoint/2010/main" val="1463578297"/>
       </p:ext>
     </p:extLst>
   </p:cSld>
@@ -7551,13 +7893,7 @@
       </p:grpSpPr>
       <p:sp>
         <p:nvSpPr>
-          <p:cNvPr id="2" name="Title 1">
-            <a:extLst>
-              <a:ext uri="{FF2B5EF4-FFF2-40B4-BE49-F238E27FC236}">
-                <a16:creationId xmlns:a16="http://schemas.microsoft.com/office/drawing/2014/main" id="{616D3749-BB20-1C41-AB67-EF86F4F7F2FF}"/>
-              </a:ext>
-            </a:extLst>
-          </p:cNvPr>
+          <p:cNvPr id="5" name="Title 4"/>
           <p:cNvSpPr>
             <a:spLocks noGrp="1"/>
           </p:cNvSpPr>
@@ -7574,229 +7910,124 @@
               <a:rPr lang="en-US" dirty="0">
                 <a:latin typeface="Century Gothic" panose="020B0502020202020204" pitchFamily="34" charset="0"/>
               </a:rPr>
-              <a:t>What is </a:t>
-            </a:r>
-            <a:r>
-              <a:rPr lang="en-US" dirty="0" err="1">
-                <a:latin typeface="Century Gothic" panose="020B0502020202020204" pitchFamily="34" charset="0"/>
-              </a:rPr>
-              <a:t>Nutrition.ly</a:t>
+              <a:t>Data Sources</a:t>
             </a:r>
             <a:endParaRPr lang="en-US" dirty="0"/>
           </a:p>
         </p:txBody>
       </p:sp>
-      <p:sp>
-        <p:nvSpPr>
-          <p:cNvPr id="7" name="TextBox 6">
+      <p:pic>
+        <p:nvPicPr>
+          <p:cNvPr id="3" name="Picture 2">
             <a:extLst>
               <a:ext uri="{FF2B5EF4-FFF2-40B4-BE49-F238E27FC236}">
-                <a16:creationId xmlns:a16="http://schemas.microsoft.com/office/drawing/2014/main" id="{80DA6811-C01F-B243-950B-181E71EBF035}"/>
+                <a16:creationId xmlns:a16="http://schemas.microsoft.com/office/drawing/2014/main" id="{B50FD82F-E981-5D41-80B3-ECD5225C932A}"/>
               </a:ext>
             </a:extLst>
           </p:cNvPr>
-          <p:cNvSpPr txBox="1"/>
+          <p:cNvPicPr>
+            <a:picLocks noChangeAspect="1"/>
+          </p:cNvPicPr>
           <p:nvPr/>
-        </p:nvSpPr>
-        <p:spPr>
-          <a:xfrm>
-            <a:off x="2513012" y="3473307"/>
-            <a:ext cx="988332" cy="584775"/>
+        </p:nvPicPr>
+        <p:blipFill>
+          <a:blip r:embed="rId2">
+            <a:extLst>
+              <a:ext uri="{28A0092B-C50C-407E-A947-70E740481C1C}">
+                <a14:useLocalDpi xmlns:a14="http://schemas.microsoft.com/office/drawing/2010/main" val="0"/>
+              </a:ext>
+            </a:extLst>
+          </a:blip>
+          <a:stretch>
+            <a:fillRect/>
+          </a:stretch>
+        </p:blipFill>
+        <p:spPr>
+          <a:xfrm>
+            <a:off x="8114535" y="1926450"/>
+            <a:ext cx="3606800" cy="2705100"/>
           </a:xfrm>
           <a:prstGeom prst="rect">
             <a:avLst/>
           </a:prstGeom>
-          <a:noFill/>
-        </p:spPr>
-        <p:txBody>
-          <a:bodyPr wrap="square" rtlCol="0">
-            <a:spAutoFit/>
-          </a:bodyPr>
-          <a:lstStyle/>
-          <a:p>
-            <a:pPr algn="ctr"/>
-            <a:r>
-              <a:rPr lang="en-US" sz="3200" dirty="0"/>
-              <a:t>You</a:t>
-            </a:r>
-          </a:p>
-        </p:txBody>
-      </p:sp>
-      <p:sp>
-        <p:nvSpPr>
-          <p:cNvPr id="9" name="Right Arrow 8">
+        </p:spPr>
+      </p:pic>
+      <p:pic>
+        <p:nvPicPr>
+          <p:cNvPr id="6" name="Picture 5">
             <a:extLst>
               <a:ext uri="{FF2B5EF4-FFF2-40B4-BE49-F238E27FC236}">
-                <a16:creationId xmlns:a16="http://schemas.microsoft.com/office/drawing/2014/main" id="{C24CA1C3-2CBB-574F-9D4E-A23ADDC8A29D}"/>
+                <a16:creationId xmlns:a16="http://schemas.microsoft.com/office/drawing/2014/main" id="{E9A673AD-6DAF-4D41-91FF-CC193BA962C7}"/>
               </a:ext>
             </a:extLst>
           </p:cNvPr>
-          <p:cNvSpPr/>
+          <p:cNvPicPr>
+            <a:picLocks noChangeAspect="1"/>
+          </p:cNvPicPr>
           <p:nvPr/>
-        </p:nvSpPr>
-        <p:spPr>
-          <a:xfrm>
-            <a:off x="3579812" y="3619500"/>
-            <a:ext cx="3733800" cy="292388"/>
-          </a:xfrm>
-          <a:prstGeom prst="rightArrow">
-            <a:avLst/>
-          </a:prstGeom>
-        </p:spPr>
-        <p:style>
-          <a:lnRef idx="2">
-            <a:schemeClr val="accent4"/>
-          </a:lnRef>
-          <a:fillRef idx="1">
-            <a:schemeClr val="lt1"/>
-          </a:fillRef>
-          <a:effectRef idx="0">
-            <a:schemeClr val="accent4"/>
-          </a:effectRef>
-          <a:fontRef idx="minor">
-            <a:schemeClr val="dk1"/>
-          </a:fontRef>
-        </p:style>
-        <p:txBody>
-          <a:bodyPr rtlCol="0" anchor="ctr"/>
-          <a:lstStyle/>
-          <a:p>
-            <a:pPr algn="ctr"/>
-            <a:endParaRPr lang="en-US"/>
-          </a:p>
-        </p:txBody>
-      </p:sp>
-      <p:sp>
-        <p:nvSpPr>
-          <p:cNvPr id="10" name="Heart 9">
-            <a:extLst>
-              <a:ext uri="{FF2B5EF4-FFF2-40B4-BE49-F238E27FC236}">
-                <a16:creationId xmlns:a16="http://schemas.microsoft.com/office/drawing/2014/main" id="{ADFA4422-E2C7-AD4B-985F-24F249A7D979}"/>
-              </a:ext>
-            </a:extLst>
-          </p:cNvPr>
-          <p:cNvSpPr/>
-          <p:nvPr/>
-        </p:nvSpPr>
-        <p:spPr>
-          <a:xfrm>
-            <a:off x="4913312" y="2539489"/>
-            <a:ext cx="1066800" cy="901988"/>
-          </a:xfrm>
-          <a:prstGeom prst="heart">
-            <a:avLst/>
-          </a:prstGeom>
-        </p:spPr>
-        <p:style>
-          <a:lnRef idx="2">
-            <a:schemeClr val="accent4">
-              <a:shade val="50000"/>
-            </a:schemeClr>
-          </a:lnRef>
-          <a:fillRef idx="1">
-            <a:schemeClr val="accent4"/>
-          </a:fillRef>
-          <a:effectRef idx="0">
-            <a:schemeClr val="accent4"/>
-          </a:effectRef>
-          <a:fontRef idx="minor">
-            <a:schemeClr val="lt1"/>
-          </a:fontRef>
-        </p:style>
-        <p:txBody>
-          <a:bodyPr rtlCol="0" anchor="ctr"/>
-          <a:lstStyle/>
-          <a:p>
-            <a:pPr algn="ctr"/>
-            <a:endParaRPr lang="en-US"/>
-          </a:p>
-        </p:txBody>
-      </p:sp>
-      <p:sp>
-        <p:nvSpPr>
-          <p:cNvPr id="11" name="Smiley Face 10">
-            <a:extLst>
-              <a:ext uri="{FF2B5EF4-FFF2-40B4-BE49-F238E27FC236}">
-                <a16:creationId xmlns:a16="http://schemas.microsoft.com/office/drawing/2014/main" id="{5FBA9D55-EA8D-F048-9F87-5F3A8489B6CB}"/>
-              </a:ext>
-            </a:extLst>
-          </p:cNvPr>
-          <p:cNvSpPr/>
-          <p:nvPr/>
-        </p:nvSpPr>
-        <p:spPr>
-          <a:xfrm>
-            <a:off x="7542212" y="3124200"/>
-            <a:ext cx="1371600" cy="1282988"/>
-          </a:xfrm>
-          <a:prstGeom prst="smileyFace">
-            <a:avLst/>
-          </a:prstGeom>
-        </p:spPr>
-        <p:style>
-          <a:lnRef idx="2">
-            <a:schemeClr val="dk1"/>
-          </a:lnRef>
-          <a:fillRef idx="1">
-            <a:schemeClr val="lt1"/>
-          </a:fillRef>
-          <a:effectRef idx="0">
-            <a:schemeClr val="dk1"/>
-          </a:effectRef>
-          <a:fontRef idx="minor">
-            <a:schemeClr val="dk1"/>
-          </a:fontRef>
-        </p:style>
-        <p:txBody>
-          <a:bodyPr rtlCol="0" anchor="ctr"/>
-          <a:lstStyle/>
-          <a:p>
-            <a:pPr algn="ctr"/>
-            <a:endParaRPr lang="en-US"/>
-          </a:p>
-        </p:txBody>
-      </p:sp>
-      <p:sp>
-        <p:nvSpPr>
-          <p:cNvPr id="12" name="TextBox 11">
-            <a:extLst>
-              <a:ext uri="{FF2B5EF4-FFF2-40B4-BE49-F238E27FC236}">
-                <a16:creationId xmlns:a16="http://schemas.microsoft.com/office/drawing/2014/main" id="{CAE71643-AE38-7C42-B73D-3B30AA249D44}"/>
-              </a:ext>
-            </a:extLst>
-          </p:cNvPr>
-          <p:cNvSpPr txBox="1"/>
-          <p:nvPr/>
-        </p:nvSpPr>
-        <p:spPr>
-          <a:xfrm>
-            <a:off x="4188278" y="3911888"/>
-            <a:ext cx="2516868" cy="584775"/>
+        </p:nvPicPr>
+        <p:blipFill>
+          <a:blip r:embed="rId3">
+            <a:extLst>
+              <a:ext uri="{28A0092B-C50C-407E-A947-70E740481C1C}">
+                <a14:useLocalDpi xmlns:a14="http://schemas.microsoft.com/office/drawing/2010/main" val="0"/>
+              </a:ext>
+            </a:extLst>
+          </a:blip>
+          <a:stretch>
+            <a:fillRect/>
+          </a:stretch>
+        </p:blipFill>
+        <p:spPr>
+          <a:xfrm>
+            <a:off x="4318384" y="1600200"/>
+            <a:ext cx="3357600" cy="3357600"/>
           </a:xfrm>
           <a:prstGeom prst="rect">
             <a:avLst/>
           </a:prstGeom>
-          <a:noFill/>
-        </p:spPr>
-        <p:txBody>
-          <a:bodyPr wrap="square" rtlCol="0">
-            <a:spAutoFit/>
-          </a:bodyPr>
-          <a:lstStyle/>
-          <a:p>
-            <a:pPr algn="ctr"/>
-            <a:r>
-              <a:rPr lang="en-US" sz="3200" dirty="0" err="1"/>
-              <a:t>Nutrition.ly</a:t>
-            </a:r>
-            <a:endParaRPr lang="en-US" sz="3200" dirty="0"/>
-          </a:p>
-        </p:txBody>
-      </p:sp>
+        </p:spPr>
+      </p:pic>
+      <p:pic>
+        <p:nvPicPr>
+          <p:cNvPr id="8" name="Picture 7">
+            <a:extLst>
+              <a:ext uri="{FF2B5EF4-FFF2-40B4-BE49-F238E27FC236}">
+                <a16:creationId xmlns:a16="http://schemas.microsoft.com/office/drawing/2014/main" id="{76DE72AD-7716-CD44-97D4-5480989BD2E9}"/>
+              </a:ext>
+            </a:extLst>
+          </p:cNvPr>
+          <p:cNvPicPr>
+            <a:picLocks noChangeAspect="1"/>
+          </p:cNvPicPr>
+          <p:nvPr/>
+        </p:nvPicPr>
+        <p:blipFill>
+          <a:blip r:embed="rId4">
+            <a:extLst>
+              <a:ext uri="{28A0092B-C50C-407E-A947-70E740481C1C}">
+                <a14:useLocalDpi xmlns:a14="http://schemas.microsoft.com/office/drawing/2010/main" val="0"/>
+              </a:ext>
+            </a:extLst>
+          </a:blip>
+          <a:stretch>
+            <a:fillRect/>
+          </a:stretch>
+        </p:blipFill>
+        <p:spPr>
+          <a:xfrm>
+            <a:off x="430213" y="2580273"/>
+            <a:ext cx="3357600" cy="1697453"/>
+          </a:xfrm>
+          <a:prstGeom prst="rect">
+            <a:avLst/>
+          </a:prstGeom>
+        </p:spPr>
+      </p:pic>
     </p:spTree>
     <p:extLst>
       <p:ext uri="{BB962C8B-B14F-4D97-AF65-F5344CB8AC3E}">
-        <p14:creationId xmlns:p14="http://schemas.microsoft.com/office/powerpoint/2010/main" val="2809282297"/>
+        <p14:creationId xmlns:p14="http://schemas.microsoft.com/office/powerpoint/2010/main" val="452397749"/>
       </p:ext>
     </p:extLst>
   </p:cSld>
@@ -7981,7 +8212,13 @@
       </p:grpSpPr>
       <p:sp>
         <p:nvSpPr>
-          <p:cNvPr id="5" name="Title 4"/>
+          <p:cNvPr id="2" name="Title 1">
+            <a:extLst>
+              <a:ext uri="{FF2B5EF4-FFF2-40B4-BE49-F238E27FC236}">
+                <a16:creationId xmlns:a16="http://schemas.microsoft.com/office/drawing/2014/main" id="{6CC878D2-6696-2A48-B5EE-CFFF4F9614AF}"/>
+              </a:ext>
+            </a:extLst>
+          </p:cNvPr>
           <p:cNvSpPr>
             <a:spLocks noGrp="1"/>
           </p:cNvSpPr>
@@ -7998,16 +8235,56 @@
               <a:rPr lang="en-US" dirty="0">
                 <a:latin typeface="Century Gothic" panose="020B0502020202020204" pitchFamily="34" charset="0"/>
               </a:rPr>
-              <a:t>Technologies Used</a:t>
+              <a:t>What is a Food Drought?</a:t>
             </a:r>
             <a:endParaRPr lang="en-US" dirty="0"/>
+          </a:p>
+        </p:txBody>
+      </p:sp>
+      <p:sp>
+        <p:nvSpPr>
+          <p:cNvPr id="3" name="Content Placeholder 2">
+            <a:extLst>
+              <a:ext uri="{FF2B5EF4-FFF2-40B4-BE49-F238E27FC236}">
+                <a16:creationId xmlns:a16="http://schemas.microsoft.com/office/drawing/2014/main" id="{C44A10BD-F82F-4542-A687-A329708899A0}"/>
+              </a:ext>
+            </a:extLst>
+          </p:cNvPr>
+          <p:cNvSpPr>
+            <a:spLocks noGrp="1"/>
+          </p:cNvSpPr>
+          <p:nvPr>
+            <p:ph idx="1"/>
+          </p:nvPr>
+        </p:nvSpPr>
+        <p:spPr/>
+        <p:txBody>
+          <a:bodyPr/>
+          <a:lstStyle/>
+          <a:p>
+            <a:r>
+              <a:rPr lang="en-US" dirty="0"/>
+              <a:t>An area that has low access to fresh groceries</a:t>
+            </a:r>
+          </a:p>
+          <a:p>
+            <a:r>
+              <a:rPr lang="en-US" dirty="0"/>
+              <a:t>Usually afflicts lower-income neighborhoods</a:t>
+            </a:r>
+          </a:p>
+          <a:p>
+            <a:r>
+              <a:rPr lang="en-US" dirty="0"/>
+              <a:t>Long travel distances/times to get food</a:t>
+            </a:r>
           </a:p>
         </p:txBody>
       </p:sp>
     </p:spTree>
     <p:extLst>
       <p:ext uri="{BB962C8B-B14F-4D97-AF65-F5344CB8AC3E}">
-        <p14:creationId xmlns:p14="http://schemas.microsoft.com/office/powerpoint/2010/main" val="2041341814"/>
+        <p14:creationId xmlns:p14="http://schemas.microsoft.com/office/powerpoint/2010/main" val="2334219258"/>
       </p:ext>
     </p:extLst>
   </p:cSld>
@@ -9297,7 +9574,7 @@
           <p:cNvPr id="2" name="Title 1">
             <a:extLst>
               <a:ext uri="{FF2B5EF4-FFF2-40B4-BE49-F238E27FC236}">
-                <a16:creationId xmlns:a16="http://schemas.microsoft.com/office/drawing/2014/main" id="{0CDBF4C6-F2B4-DB4B-895E-71B00F70CA74}"/>
+                <a16:creationId xmlns:a16="http://schemas.microsoft.com/office/drawing/2014/main" id="{F731B958-ABE5-A546-B78C-2E3D3FD33C5B}"/>
               </a:ext>
             </a:extLst>
           </p:cNvPr>
@@ -9317,6 +9594,339 @@
               <a:rPr lang="en-US" dirty="0">
                 <a:latin typeface="Century Gothic" panose="020B0502020202020204" pitchFamily="34" charset="0"/>
               </a:rPr>
+              <a:t>Issues</a:t>
+            </a:r>
+            <a:endParaRPr lang="en-US" dirty="0"/>
+          </a:p>
+        </p:txBody>
+      </p:sp>
+      <p:sp>
+        <p:nvSpPr>
+          <p:cNvPr id="3" name="Content Placeholder 2">
+            <a:extLst>
+              <a:ext uri="{FF2B5EF4-FFF2-40B4-BE49-F238E27FC236}">
+                <a16:creationId xmlns:a16="http://schemas.microsoft.com/office/drawing/2014/main" id="{7E4E8442-167C-7143-B0C2-78FBDAD5DEE9}"/>
+              </a:ext>
+            </a:extLst>
+          </p:cNvPr>
+          <p:cNvSpPr txBox="1">
+            <a:spLocks/>
+          </p:cNvSpPr>
+          <p:nvPr/>
+        </p:nvSpPr>
+        <p:spPr>
+          <a:xfrm>
+            <a:off x="1218883" y="1600200"/>
+            <a:ext cx="9751060" cy="4572000"/>
+          </a:xfrm>
+          <a:prstGeom prst="rect">
+            <a:avLst/>
+          </a:prstGeom>
+        </p:spPr>
+        <p:txBody>
+          <a:bodyPr/>
+          <a:lstStyle>
+            <a:lvl1pPr marL="304747" indent="-304747" algn="l" defTabSz="1218987" rtl="0" eaLnBrk="1" latinLnBrk="0" hangingPunct="1">
+              <a:lnSpc>
+                <a:spcPct val="90000"/>
+              </a:lnSpc>
+              <a:spcBef>
+                <a:spcPts val="1800"/>
+              </a:spcBef>
+              <a:buClr>
+                <a:schemeClr val="accent1">
+                  <a:lumMod val="75000"/>
+                </a:schemeClr>
+              </a:buClr>
+              <a:buFont typeface="Arial" pitchFamily="34" charset="0"/>
+              <a:buChar char="•"/>
+              <a:defRPr sz="2800" kern="1200">
+                <a:solidFill>
+                  <a:schemeClr val="tx1"/>
+                </a:solidFill>
+                <a:latin typeface="+mn-lt"/>
+                <a:ea typeface="+mn-ea"/>
+                <a:cs typeface="+mn-cs"/>
+              </a:defRPr>
+            </a:lvl1pPr>
+            <a:lvl2pPr marL="755772" indent="-304747" algn="l" defTabSz="1218987" rtl="0" eaLnBrk="1" latinLnBrk="0" hangingPunct="1">
+              <a:lnSpc>
+                <a:spcPct val="90000"/>
+              </a:lnSpc>
+              <a:spcBef>
+                <a:spcPts val="1200"/>
+              </a:spcBef>
+              <a:buClr>
+                <a:schemeClr val="accent1">
+                  <a:lumMod val="75000"/>
+                </a:schemeClr>
+              </a:buClr>
+              <a:buFont typeface="Arial" pitchFamily="34" charset="0"/>
+              <a:buChar char="–"/>
+              <a:defRPr sz="2400" kern="1200">
+                <a:solidFill>
+                  <a:schemeClr val="tx1"/>
+                </a:solidFill>
+                <a:latin typeface="+mn-lt"/>
+                <a:ea typeface="+mn-ea"/>
+                <a:cs typeface="+mn-cs"/>
+              </a:defRPr>
+            </a:lvl2pPr>
+            <a:lvl3pPr marL="1206797" indent="-304747" algn="l" defTabSz="1218987" rtl="0" eaLnBrk="1" latinLnBrk="0" hangingPunct="1">
+              <a:lnSpc>
+                <a:spcPct val="90000"/>
+              </a:lnSpc>
+              <a:spcBef>
+                <a:spcPts val="800"/>
+              </a:spcBef>
+              <a:buClr>
+                <a:schemeClr val="accent1">
+                  <a:lumMod val="75000"/>
+                </a:schemeClr>
+              </a:buClr>
+              <a:buFont typeface="Arial" pitchFamily="34" charset="0"/>
+              <a:buChar char="•"/>
+              <a:defRPr sz="2000" kern="1200">
+                <a:solidFill>
+                  <a:schemeClr val="tx1"/>
+                </a:solidFill>
+                <a:latin typeface="+mn-lt"/>
+                <a:ea typeface="+mn-ea"/>
+                <a:cs typeface="+mn-cs"/>
+              </a:defRPr>
+            </a:lvl3pPr>
+            <a:lvl4pPr marL="1657822" indent="-304747" algn="l" defTabSz="1218987" rtl="0" eaLnBrk="1" latinLnBrk="0" hangingPunct="1">
+              <a:lnSpc>
+                <a:spcPct val="90000"/>
+              </a:lnSpc>
+              <a:spcBef>
+                <a:spcPts val="800"/>
+              </a:spcBef>
+              <a:buClr>
+                <a:schemeClr val="accent1">
+                  <a:lumMod val="75000"/>
+                </a:schemeClr>
+              </a:buClr>
+              <a:buFont typeface="Arial" pitchFamily="34" charset="0"/>
+              <a:buChar char="•"/>
+              <a:defRPr sz="2000" kern="1200">
+                <a:solidFill>
+                  <a:schemeClr val="tx1"/>
+                </a:solidFill>
+                <a:latin typeface="+mn-lt"/>
+                <a:ea typeface="+mn-ea"/>
+                <a:cs typeface="+mn-cs"/>
+              </a:defRPr>
+            </a:lvl4pPr>
+            <a:lvl5pPr marL="2108847" indent="-304747" algn="l" defTabSz="1218987" rtl="0" eaLnBrk="1" latinLnBrk="0" hangingPunct="1">
+              <a:lnSpc>
+                <a:spcPct val="90000"/>
+              </a:lnSpc>
+              <a:spcBef>
+                <a:spcPts val="800"/>
+              </a:spcBef>
+              <a:buClr>
+                <a:schemeClr val="accent1">
+                  <a:lumMod val="75000"/>
+                </a:schemeClr>
+              </a:buClr>
+              <a:buFont typeface="Arial" pitchFamily="34" charset="0"/>
+              <a:buChar char="•"/>
+              <a:defRPr sz="2000" kern="1200">
+                <a:solidFill>
+                  <a:schemeClr val="tx1"/>
+                </a:solidFill>
+                <a:latin typeface="+mn-lt"/>
+                <a:ea typeface="+mn-ea"/>
+                <a:cs typeface="+mn-cs"/>
+              </a:defRPr>
+            </a:lvl5pPr>
+            <a:lvl6pPr marL="2559872" indent="-304747" algn="l" defTabSz="1218987" rtl="0" eaLnBrk="1" latinLnBrk="0" hangingPunct="1">
+              <a:lnSpc>
+                <a:spcPct val="90000"/>
+              </a:lnSpc>
+              <a:spcBef>
+                <a:spcPts val="800"/>
+              </a:spcBef>
+              <a:buClr>
+                <a:schemeClr val="accent1"/>
+              </a:buClr>
+              <a:buFont typeface="Arial" pitchFamily="34" charset="0"/>
+              <a:buChar char="•"/>
+              <a:defRPr sz="2000" kern="1200" baseline="0">
+                <a:solidFill>
+                  <a:schemeClr val="tx1"/>
+                </a:solidFill>
+                <a:latin typeface="+mn-lt"/>
+                <a:ea typeface="+mn-ea"/>
+                <a:cs typeface="+mn-cs"/>
+              </a:defRPr>
+            </a:lvl6pPr>
+            <a:lvl7pPr marL="3010897" indent="-304747" algn="l" defTabSz="1218987" rtl="0" eaLnBrk="1" latinLnBrk="0" hangingPunct="1">
+              <a:lnSpc>
+                <a:spcPct val="90000"/>
+              </a:lnSpc>
+              <a:spcBef>
+                <a:spcPts val="800"/>
+              </a:spcBef>
+              <a:buClr>
+                <a:schemeClr val="accent1"/>
+              </a:buClr>
+              <a:buFont typeface="Arial" pitchFamily="34" charset="0"/>
+              <a:buChar char="•"/>
+              <a:defRPr sz="2000" kern="1200" baseline="0">
+                <a:solidFill>
+                  <a:schemeClr val="tx1"/>
+                </a:solidFill>
+                <a:latin typeface="+mn-lt"/>
+                <a:ea typeface="+mn-ea"/>
+                <a:cs typeface="+mn-cs"/>
+              </a:defRPr>
+            </a:lvl7pPr>
+            <a:lvl8pPr marL="3461922" indent="-304747" algn="l" defTabSz="1218987" rtl="0" eaLnBrk="1" latinLnBrk="0" hangingPunct="1">
+              <a:lnSpc>
+                <a:spcPct val="90000"/>
+              </a:lnSpc>
+              <a:spcBef>
+                <a:spcPts val="800"/>
+              </a:spcBef>
+              <a:buClr>
+                <a:schemeClr val="accent1"/>
+              </a:buClr>
+              <a:buFont typeface="Arial" pitchFamily="34" charset="0"/>
+              <a:buChar char="•"/>
+              <a:defRPr sz="2000" kern="1200" baseline="0">
+                <a:solidFill>
+                  <a:schemeClr val="tx1"/>
+                </a:solidFill>
+                <a:latin typeface="+mn-lt"/>
+                <a:ea typeface="+mn-ea"/>
+                <a:cs typeface="+mn-cs"/>
+              </a:defRPr>
+            </a:lvl8pPr>
+            <a:lvl9pPr marL="3912947" indent="-304747" algn="l" defTabSz="1218987" rtl="0" eaLnBrk="1" latinLnBrk="0" hangingPunct="1">
+              <a:lnSpc>
+                <a:spcPct val="90000"/>
+              </a:lnSpc>
+              <a:spcBef>
+                <a:spcPts val="800"/>
+              </a:spcBef>
+              <a:buClr>
+                <a:schemeClr val="accent1"/>
+              </a:buClr>
+              <a:buFont typeface="Arial" pitchFamily="34" charset="0"/>
+              <a:buChar char="•"/>
+              <a:defRPr sz="2000" kern="1200" baseline="0">
+                <a:solidFill>
+                  <a:schemeClr val="tx1"/>
+                </a:solidFill>
+                <a:latin typeface="+mn-lt"/>
+                <a:ea typeface="+mn-ea"/>
+                <a:cs typeface="+mn-cs"/>
+              </a:defRPr>
+            </a:lvl9pPr>
+          </a:lstStyle>
+          <a:p>
+            <a:r>
+              <a:rPr lang="en-US" dirty="0"/>
+              <a:t>Connecting </a:t>
+            </a:r>
+            <a:r>
+              <a:rPr lang="en-US" dirty="0" err="1"/>
+              <a:t>Angular.js</a:t>
+            </a:r>
+            <a:r>
+              <a:rPr lang="en-US" dirty="0"/>
+              <a:t> to Flask</a:t>
+            </a:r>
+          </a:p>
+          <a:p>
+            <a:r>
+              <a:rPr lang="en-US" dirty="0"/>
+              <a:t>Extracting meaningful data</a:t>
+            </a:r>
+          </a:p>
+          <a:p>
+            <a:r>
+              <a:rPr lang="en-US" dirty="0"/>
+              <a:t>Inability to embed animated sliders</a:t>
+            </a:r>
+          </a:p>
+          <a:p>
+            <a:r>
+              <a:rPr lang="en-US" dirty="0"/>
+              <a:t>Connecting PayPal to Firebase</a:t>
+            </a:r>
+          </a:p>
+        </p:txBody>
+      </p:sp>
+    </p:spTree>
+    <p:extLst>
+      <p:ext uri="{BB962C8B-B14F-4D97-AF65-F5344CB8AC3E}">
+        <p14:creationId xmlns:p14="http://schemas.microsoft.com/office/powerpoint/2010/main" val="4166319664"/>
+      </p:ext>
+    </p:extLst>
+  </p:cSld>
+  <p:clrMapOvr>
+    <a:masterClrMapping/>
+  </p:clrMapOvr>
+  <mc:AlternateContent xmlns:mc="http://schemas.openxmlformats.org/markup-compatibility/2006" xmlns:p14="http://schemas.microsoft.com/office/powerpoint/2010/main">
+    <mc:Choice Requires="p14">
+      <p:transition spd="med" p14:dur="700">
+        <p:fade/>
+      </p:transition>
+    </mc:Choice>
+    <mc:Fallback xmlns="">
+      <p:transition spd="med">
+        <p:fade/>
+      </p:transition>
+    </mc:Fallback>
+  </mc:AlternateContent>
+</p:sld>
+</file>
+
+<file path=ppt/slides/slide24.xml><?xml version="1.0" encoding="utf-8"?>
+<p:sld xmlns:a="http://schemas.openxmlformats.org/drawingml/2006/main" xmlns:r="http://schemas.openxmlformats.org/officeDocument/2006/relationships" xmlns:p="http://schemas.openxmlformats.org/presentationml/2006/main">
+  <p:cSld>
+    <p:spTree>
+      <p:nvGrpSpPr>
+        <p:cNvPr id="1" name=""/>
+        <p:cNvGrpSpPr/>
+        <p:nvPr/>
+      </p:nvGrpSpPr>
+      <p:grpSpPr>
+        <a:xfrm>
+          <a:off x="0" y="0"/>
+          <a:ext cx="0" cy="0"/>
+          <a:chOff x="0" y="0"/>
+          <a:chExt cx="0" cy="0"/>
+        </a:xfrm>
+      </p:grpSpPr>
+      <p:sp>
+        <p:nvSpPr>
+          <p:cNvPr id="2" name="Title 1">
+            <a:extLst>
+              <a:ext uri="{FF2B5EF4-FFF2-40B4-BE49-F238E27FC236}">
+                <a16:creationId xmlns:a16="http://schemas.microsoft.com/office/drawing/2014/main" id="{0CDBF4C6-F2B4-DB4B-895E-71B00F70CA74}"/>
+              </a:ext>
+            </a:extLst>
+          </p:cNvPr>
+          <p:cNvSpPr>
+            <a:spLocks noGrp="1"/>
+          </p:cNvSpPr>
+          <p:nvPr>
+            <p:ph type="title"/>
+          </p:nvPr>
+        </p:nvSpPr>
+        <p:spPr/>
+        <p:txBody>
+          <a:bodyPr/>
+          <a:lstStyle/>
+          <a:p>
+            <a:r>
+              <a:rPr lang="en-US" dirty="0">
+                <a:latin typeface="Century Gothic" panose="020B0502020202020204" pitchFamily="34" charset="0"/>
+              </a:rPr>
               <a:t>Future Work</a:t>
             </a:r>
             <a:endParaRPr lang="en-US" dirty="0"/>
@@ -9346,18 +9956,38 @@
           <a:p>
             <a:r>
               <a:rPr lang="en-US" dirty="0"/>
-              <a:t>Have profiles to </a:t>
-            </a:r>
-            <a:r>
-              <a:rPr lang="en-US"/>
-              <a:t>track donations</a:t>
-            </a:r>
-            <a:endParaRPr lang="en-US" dirty="0"/>
+              <a:t>Have profiles to track donations</a:t>
+            </a:r>
           </a:p>
           <a:p>
             <a:r>
               <a:rPr lang="en-US" dirty="0"/>
               <a:t>Scale beyond state of Florida</a:t>
+            </a:r>
+          </a:p>
+          <a:p>
+            <a:r>
+              <a:rPr lang="en-US" dirty="0"/>
+              <a:t>More robust donation</a:t>
+            </a:r>
+          </a:p>
+          <a:p>
+            <a:r>
+              <a:rPr lang="en-US" dirty="0"/>
+              <a:t>Live feed of donations per county</a:t>
+            </a:r>
+          </a:p>
+          <a:p>
+            <a:r>
+              <a:rPr lang="en-US" dirty="0"/>
+              <a:t>Provide more resources to support the cause</a:t>
+            </a:r>
+          </a:p>
+          <a:p>
+            <a:pPr lvl="1"/>
+            <a:r>
+              <a:rPr lang="en-US" dirty="0"/>
+              <a:t>Ex: Providing locations of nearby food banks to volunteer at</a:t>
             </a:r>
           </a:p>
         </p:txBody>
@@ -9366,6 +9996,79 @@
     <p:extLst>
       <p:ext uri="{BB962C8B-B14F-4D97-AF65-F5344CB8AC3E}">
         <p14:creationId xmlns:p14="http://schemas.microsoft.com/office/powerpoint/2010/main" val="4227858571"/>
+      </p:ext>
+    </p:extLst>
+  </p:cSld>
+  <p:clrMapOvr>
+    <a:masterClrMapping/>
+  </p:clrMapOvr>
+  <mc:AlternateContent xmlns:mc="http://schemas.openxmlformats.org/markup-compatibility/2006" xmlns:p14="http://schemas.microsoft.com/office/powerpoint/2010/main">
+    <mc:Choice Requires="p14">
+      <p:transition spd="med" p14:dur="700">
+        <p:fade/>
+      </p:transition>
+    </mc:Choice>
+    <mc:Fallback xmlns="">
+      <p:transition spd="med">
+        <p:fade/>
+      </p:transition>
+    </mc:Fallback>
+  </mc:AlternateContent>
+</p:sld>
+</file>
+
+<file path=ppt/slides/slide25.xml><?xml version="1.0" encoding="utf-8"?>
+<p:sld xmlns:a="http://schemas.openxmlformats.org/drawingml/2006/main" xmlns:r="http://schemas.openxmlformats.org/officeDocument/2006/relationships" xmlns:p="http://schemas.openxmlformats.org/presentationml/2006/main">
+  <p:cSld>
+    <p:spTree>
+      <p:nvGrpSpPr>
+        <p:cNvPr id="1" name=""/>
+        <p:cNvGrpSpPr/>
+        <p:nvPr/>
+      </p:nvGrpSpPr>
+      <p:grpSpPr>
+        <a:xfrm>
+          <a:off x="0" y="0"/>
+          <a:ext cx="0" cy="0"/>
+          <a:chOff x="0" y="0"/>
+          <a:chExt cx="0" cy="0"/>
+        </a:xfrm>
+      </p:grpSpPr>
+      <p:sp>
+        <p:nvSpPr>
+          <p:cNvPr id="2" name="Title 1">
+            <a:extLst>
+              <a:ext uri="{FF2B5EF4-FFF2-40B4-BE49-F238E27FC236}">
+                <a16:creationId xmlns:a16="http://schemas.microsoft.com/office/drawing/2014/main" id="{FB0DE42E-6381-6849-9F02-217648C56382}"/>
+              </a:ext>
+            </a:extLst>
+          </p:cNvPr>
+          <p:cNvSpPr>
+            <a:spLocks noGrp="1"/>
+          </p:cNvSpPr>
+          <p:nvPr>
+            <p:ph type="ctrTitle"/>
+          </p:nvPr>
+        </p:nvSpPr>
+        <p:spPr/>
+        <p:txBody>
+          <a:bodyPr/>
+          <a:lstStyle/>
+          <a:p>
+            <a:r>
+              <a:rPr lang="en-US" dirty="0">
+                <a:latin typeface="Century Gothic" panose="020B0502020202020204" pitchFamily="34" charset="0"/>
+              </a:rPr>
+              <a:t>Demonstration</a:t>
+            </a:r>
+            <a:endParaRPr lang="en-US" dirty="0"/>
+          </a:p>
+        </p:txBody>
+      </p:sp>
+    </p:spTree>
+    <p:extLst>
+      <p:ext uri="{BB962C8B-B14F-4D97-AF65-F5344CB8AC3E}">
+        <p14:creationId xmlns:p14="http://schemas.microsoft.com/office/powerpoint/2010/main" val="3611472928"/>
       </p:ext>
     </p:extLst>
   </p:cSld>
@@ -9406,7 +10109,13 @@
       </p:grpSpPr>
       <p:sp>
         <p:nvSpPr>
-          <p:cNvPr id="5" name="Title 4"/>
+          <p:cNvPr id="2" name="Title 1">
+            <a:extLst>
+              <a:ext uri="{FF2B5EF4-FFF2-40B4-BE49-F238E27FC236}">
+                <a16:creationId xmlns:a16="http://schemas.microsoft.com/office/drawing/2014/main" id="{6CC878D2-6696-2A48-B5EE-CFFF4F9614AF}"/>
+              </a:ext>
+            </a:extLst>
+          </p:cNvPr>
           <p:cNvSpPr>
             <a:spLocks noGrp="1"/>
           </p:cNvSpPr>
@@ -9423,52 +10132,68 @@
               <a:rPr lang="en-US" dirty="0">
                 <a:latin typeface="Century Gothic" panose="020B0502020202020204" pitchFamily="34" charset="0"/>
               </a:rPr>
-              <a:t>Technologies Used</a:t>
+              <a:t>What is </a:t>
+            </a:r>
+            <a:r>
+              <a:rPr lang="en-US" dirty="0" err="1">
+                <a:latin typeface="Century Gothic" panose="020B0502020202020204" pitchFamily="34" charset="0"/>
+              </a:rPr>
+              <a:t>Nutrition.ly</a:t>
             </a:r>
             <a:endParaRPr lang="en-US" dirty="0"/>
           </a:p>
         </p:txBody>
       </p:sp>
-      <p:pic>
-        <p:nvPicPr>
-          <p:cNvPr id="23" name="Picture 22">
+      <p:sp>
+        <p:nvSpPr>
+          <p:cNvPr id="3" name="Content Placeholder 2">
             <a:extLst>
               <a:ext uri="{FF2B5EF4-FFF2-40B4-BE49-F238E27FC236}">
-                <a16:creationId xmlns:a16="http://schemas.microsoft.com/office/drawing/2014/main" id="{4AEDA040-148C-1E47-A738-A69B67E00120}"/>
+                <a16:creationId xmlns:a16="http://schemas.microsoft.com/office/drawing/2014/main" id="{C44A10BD-F82F-4542-A687-A329708899A0}"/>
               </a:ext>
             </a:extLst>
           </p:cNvPr>
-          <p:cNvPicPr>
-            <a:picLocks noChangeAspect="1"/>
-          </p:cNvPicPr>
-          <p:nvPr/>
-        </p:nvPicPr>
-        <p:blipFill>
-          <a:blip r:embed="rId2">
-            <a:extLst>
-              <a:ext uri="{28A0092B-C50C-407E-A947-70E740481C1C}">
-                <a14:useLocalDpi xmlns:a14="http://schemas.microsoft.com/office/drawing/2010/main" val="0"/>
-              </a:ext>
-            </a:extLst>
-          </a:blip>
-          <a:stretch>
-            <a:fillRect/>
-          </a:stretch>
-        </p:blipFill>
-        <p:spPr>
-          <a:xfrm>
-            <a:off x="608012" y="1606200"/>
-            <a:ext cx="1822800" cy="1822800"/>
-          </a:xfrm>
-          <a:prstGeom prst="rect">
-            <a:avLst/>
-          </a:prstGeom>
-        </p:spPr>
-      </p:pic>
+          <p:cNvSpPr>
+            <a:spLocks noGrp="1"/>
+          </p:cNvSpPr>
+          <p:nvPr>
+            <p:ph idx="1"/>
+          </p:nvPr>
+        </p:nvSpPr>
+        <p:spPr/>
+        <p:txBody>
+          <a:bodyPr/>
+          <a:lstStyle/>
+          <a:p>
+            <a:r>
+              <a:rPr lang="en-US" dirty="0"/>
+              <a:t>Visualizes data illustrating prominence of food droughts</a:t>
+            </a:r>
+          </a:p>
+          <a:p>
+            <a:r>
+              <a:rPr lang="en-US" dirty="0"/>
+              <a:t>Informs users about those that are afflicted</a:t>
+            </a:r>
+          </a:p>
+          <a:p>
+            <a:r>
+              <a:rPr lang="en-US" dirty="0"/>
+              <a:t>Allows users to donate money</a:t>
+            </a:r>
+          </a:p>
+          <a:p>
+            <a:r>
+              <a:rPr lang="en-US" dirty="0"/>
+              <a:t>Money is used to open and maintain food banks</a:t>
+            </a:r>
+          </a:p>
+        </p:txBody>
+      </p:sp>
     </p:spTree>
     <p:extLst>
       <p:ext uri="{BB962C8B-B14F-4D97-AF65-F5344CB8AC3E}">
-        <p14:creationId xmlns:p14="http://schemas.microsoft.com/office/powerpoint/2010/main" val="3123583435"/>
+        <p14:creationId xmlns:p14="http://schemas.microsoft.com/office/powerpoint/2010/main" val="3961796772"/>
       </p:ext>
     </p:extLst>
   </p:cSld>
@@ -9509,7 +10234,13 @@
       </p:grpSpPr>
       <p:sp>
         <p:nvSpPr>
-          <p:cNvPr id="5" name="Title 4"/>
+          <p:cNvPr id="2" name="Title 1">
+            <a:extLst>
+              <a:ext uri="{FF2B5EF4-FFF2-40B4-BE49-F238E27FC236}">
+                <a16:creationId xmlns:a16="http://schemas.microsoft.com/office/drawing/2014/main" id="{00FCB162-F5BC-5540-8263-EEC2F039606E}"/>
+              </a:ext>
+            </a:extLst>
+          </p:cNvPr>
           <p:cNvSpPr>
             <a:spLocks noGrp="1"/>
           </p:cNvSpPr>
@@ -9523,91 +10254,74 @@
           <a:lstStyle/>
           <a:p>
             <a:r>
-              <a:rPr lang="en-US" dirty="0">
-                <a:latin typeface="Century Gothic" panose="020B0502020202020204" pitchFamily="34" charset="0"/>
-              </a:rPr>
-              <a:t>Technologies Used</a:t>
-            </a:r>
-            <a:endParaRPr lang="en-US" dirty="0"/>
+              <a:rPr lang="en-US" dirty="0"/>
+              <a:t>Marketability</a:t>
+            </a:r>
           </a:p>
         </p:txBody>
       </p:sp>
-      <p:pic>
-        <p:nvPicPr>
-          <p:cNvPr id="17" name="Picture 16">
+      <p:sp>
+        <p:nvSpPr>
+          <p:cNvPr id="3" name="Content Placeholder 2">
             <a:extLst>
               <a:ext uri="{FF2B5EF4-FFF2-40B4-BE49-F238E27FC236}">
-                <a16:creationId xmlns:a16="http://schemas.microsoft.com/office/drawing/2014/main" id="{1C9AA7F5-EA0C-6B45-8780-816C4A6C7431}"/>
+                <a16:creationId xmlns:a16="http://schemas.microsoft.com/office/drawing/2014/main" id="{D46EB20A-63D3-2B4A-ABC4-01C49479B074}"/>
               </a:ext>
             </a:extLst>
           </p:cNvPr>
-          <p:cNvPicPr>
-            <a:picLocks noChangeAspect="1"/>
-          </p:cNvPicPr>
-          <p:nvPr/>
-        </p:nvPicPr>
-        <p:blipFill>
-          <a:blip r:embed="rId2">
-            <a:extLst>
-              <a:ext uri="{28A0092B-C50C-407E-A947-70E740481C1C}">
-                <a14:useLocalDpi xmlns:a14="http://schemas.microsoft.com/office/drawing/2010/main" val="0"/>
-              </a:ext>
-            </a:extLst>
-          </a:blip>
-          <a:stretch>
-            <a:fillRect/>
-          </a:stretch>
-        </p:blipFill>
-        <p:spPr>
-          <a:xfrm>
-            <a:off x="601412" y="3730929"/>
-            <a:ext cx="1836000" cy="1836000"/>
-          </a:xfrm>
-          <a:prstGeom prst="rect">
-            <a:avLst/>
-          </a:prstGeom>
-        </p:spPr>
-      </p:pic>
-      <p:pic>
-        <p:nvPicPr>
-          <p:cNvPr id="23" name="Picture 22">
-            <a:extLst>
-              <a:ext uri="{FF2B5EF4-FFF2-40B4-BE49-F238E27FC236}">
-                <a16:creationId xmlns:a16="http://schemas.microsoft.com/office/drawing/2014/main" id="{4AEDA040-148C-1E47-A738-A69B67E00120}"/>
-              </a:ext>
-            </a:extLst>
-          </p:cNvPr>
-          <p:cNvPicPr>
-            <a:picLocks noChangeAspect="1"/>
-          </p:cNvPicPr>
-          <p:nvPr/>
-        </p:nvPicPr>
-        <p:blipFill>
-          <a:blip r:embed="rId3">
-            <a:extLst>
-              <a:ext uri="{28A0092B-C50C-407E-A947-70E740481C1C}">
-                <a14:useLocalDpi xmlns:a14="http://schemas.microsoft.com/office/drawing/2010/main" val="0"/>
-              </a:ext>
-            </a:extLst>
-          </a:blip>
-          <a:stretch>
-            <a:fillRect/>
-          </a:stretch>
-        </p:blipFill>
-        <p:spPr>
-          <a:xfrm>
-            <a:off x="608012" y="1606200"/>
-            <a:ext cx="1822800" cy="1822800"/>
-          </a:xfrm>
-          <a:prstGeom prst="rect">
-            <a:avLst/>
-          </a:prstGeom>
-        </p:spPr>
-      </p:pic>
+          <p:cNvSpPr>
+            <a:spLocks noGrp="1"/>
+          </p:cNvSpPr>
+          <p:nvPr>
+            <p:ph idx="1"/>
+          </p:nvPr>
+        </p:nvSpPr>
+        <p:spPr/>
+        <p:txBody>
+          <a:bodyPr/>
+          <a:lstStyle/>
+          <a:p>
+            <a:r>
+              <a:rPr lang="en-US" dirty="0"/>
+              <a:t>The general public would be the users of the app</a:t>
+            </a:r>
+          </a:p>
+          <a:p>
+            <a:r>
+              <a:rPr lang="en-US" dirty="0"/>
+              <a:t>The clients we would market the app to would be humanitarian organizations like the Red-Cross</a:t>
+            </a:r>
+          </a:p>
+          <a:p>
+            <a:r>
+              <a:rPr lang="en-US" dirty="0"/>
+              <a:t>Raise awareness on Food Drought and allow people to help this issue</a:t>
+            </a:r>
+          </a:p>
+          <a:p>
+            <a:r>
+              <a:rPr lang="en-US" dirty="0"/>
+              <a:t>Startup for creating Food Banks</a:t>
+            </a:r>
+          </a:p>
+          <a:p>
+            <a:endParaRPr lang="en-US" dirty="0"/>
+          </a:p>
+          <a:p>
+            <a:pPr marL="0" indent="0">
+              <a:buNone/>
+            </a:pPr>
+            <a:endParaRPr lang="en-US" dirty="0"/>
+          </a:p>
+          <a:p>
+            <a:endParaRPr lang="en-US" dirty="0"/>
+          </a:p>
+        </p:txBody>
+      </p:sp>
     </p:spTree>
     <p:extLst>
       <p:ext uri="{BB962C8B-B14F-4D97-AF65-F5344CB8AC3E}">
-        <p14:creationId xmlns:p14="http://schemas.microsoft.com/office/powerpoint/2010/main" val="1796497877"/>
+        <p14:creationId xmlns:p14="http://schemas.microsoft.com/office/powerpoint/2010/main" val="1119751395"/>
       </p:ext>
     </p:extLst>
   </p:cSld>
@@ -9673,10 +10387,10 @@
       </p:sp>
       <p:pic>
         <p:nvPicPr>
-          <p:cNvPr id="9" name="Picture 8">
+          <p:cNvPr id="23" name="Picture 22">
             <a:extLst>
               <a:ext uri="{FF2B5EF4-FFF2-40B4-BE49-F238E27FC236}">
-                <a16:creationId xmlns:a16="http://schemas.microsoft.com/office/drawing/2014/main" id="{55389734-F86D-534F-A54E-42BA4008A3CA}"/>
+                <a16:creationId xmlns:a16="http://schemas.microsoft.com/office/drawing/2014/main" id="{4AEDA040-148C-1E47-A738-A69B67E00120}"/>
               </a:ext>
             </a:extLst>
           </p:cNvPr>
@@ -9699,114 +10413,6 @@
         </p:blipFill>
         <p:spPr>
           <a:xfrm>
-            <a:off x="2902713" y="1606200"/>
-            <a:ext cx="1301667" cy="1836001"/>
-          </a:xfrm>
-          <a:prstGeom prst="rect">
-            <a:avLst/>
-          </a:prstGeom>
-        </p:spPr>
-      </p:pic>
-      <p:pic>
-        <p:nvPicPr>
-          <p:cNvPr id="15" name="Picture 14">
-            <a:extLst>
-              <a:ext uri="{FF2B5EF4-FFF2-40B4-BE49-F238E27FC236}">
-                <a16:creationId xmlns:a16="http://schemas.microsoft.com/office/drawing/2014/main" id="{95CFDF55-96A8-7E44-8638-07EF4B4B4A2E}"/>
-              </a:ext>
-            </a:extLst>
-          </p:cNvPr>
-          <p:cNvPicPr>
-            <a:picLocks noChangeAspect="1"/>
-          </p:cNvPicPr>
-          <p:nvPr/>
-        </p:nvPicPr>
-        <p:blipFill>
-          <a:blip r:embed="rId3">
-            <a:extLst>
-              <a:ext uri="{28A0092B-C50C-407E-A947-70E740481C1C}">
-                <a14:useLocalDpi xmlns:a14="http://schemas.microsoft.com/office/drawing/2010/main" val="0"/>
-              </a:ext>
-            </a:extLst>
-          </a:blip>
-          <a:stretch>
-            <a:fillRect/>
-          </a:stretch>
-        </p:blipFill>
-        <p:spPr>
-          <a:xfrm>
-            <a:off x="2635545" y="3730929"/>
-            <a:ext cx="1836001" cy="1836001"/>
-          </a:xfrm>
-          <a:prstGeom prst="rect">
-            <a:avLst/>
-          </a:prstGeom>
-        </p:spPr>
-      </p:pic>
-      <p:pic>
-        <p:nvPicPr>
-          <p:cNvPr id="17" name="Picture 16">
-            <a:extLst>
-              <a:ext uri="{FF2B5EF4-FFF2-40B4-BE49-F238E27FC236}">
-                <a16:creationId xmlns:a16="http://schemas.microsoft.com/office/drawing/2014/main" id="{1C9AA7F5-EA0C-6B45-8780-816C4A6C7431}"/>
-              </a:ext>
-            </a:extLst>
-          </p:cNvPr>
-          <p:cNvPicPr>
-            <a:picLocks noChangeAspect="1"/>
-          </p:cNvPicPr>
-          <p:nvPr/>
-        </p:nvPicPr>
-        <p:blipFill>
-          <a:blip r:embed="rId4">
-            <a:extLst>
-              <a:ext uri="{28A0092B-C50C-407E-A947-70E740481C1C}">
-                <a14:useLocalDpi xmlns:a14="http://schemas.microsoft.com/office/drawing/2010/main" val="0"/>
-              </a:ext>
-            </a:extLst>
-          </a:blip>
-          <a:stretch>
-            <a:fillRect/>
-          </a:stretch>
-        </p:blipFill>
-        <p:spPr>
-          <a:xfrm>
-            <a:off x="601412" y="3730929"/>
-            <a:ext cx="1836000" cy="1836000"/>
-          </a:xfrm>
-          <a:prstGeom prst="rect">
-            <a:avLst/>
-          </a:prstGeom>
-        </p:spPr>
-      </p:pic>
-      <p:pic>
-        <p:nvPicPr>
-          <p:cNvPr id="23" name="Picture 22">
-            <a:extLst>
-              <a:ext uri="{FF2B5EF4-FFF2-40B4-BE49-F238E27FC236}">
-                <a16:creationId xmlns:a16="http://schemas.microsoft.com/office/drawing/2014/main" id="{4AEDA040-148C-1E47-A738-A69B67E00120}"/>
-              </a:ext>
-            </a:extLst>
-          </p:cNvPr>
-          <p:cNvPicPr>
-            <a:picLocks noChangeAspect="1"/>
-          </p:cNvPicPr>
-          <p:nvPr/>
-        </p:nvPicPr>
-        <p:blipFill>
-          <a:blip r:embed="rId5">
-            <a:extLst>
-              <a:ext uri="{28A0092B-C50C-407E-A947-70E740481C1C}">
-                <a14:useLocalDpi xmlns:a14="http://schemas.microsoft.com/office/drawing/2010/main" val="0"/>
-              </a:ext>
-            </a:extLst>
-          </a:blip>
-          <a:stretch>
-            <a:fillRect/>
-          </a:stretch>
-        </p:blipFill>
-        <p:spPr>
-          <a:xfrm>
             <a:off x="608012" y="1606200"/>
             <a:ext cx="1822800" cy="1822800"/>
           </a:xfrm>
@@ -9818,7 +10424,7 @@
     </p:spTree>
     <p:extLst>
       <p:ext uri="{BB962C8B-B14F-4D97-AF65-F5344CB8AC3E}">
-        <p14:creationId xmlns:p14="http://schemas.microsoft.com/office/powerpoint/2010/main" val="3483525682"/>
+        <p14:creationId xmlns:p14="http://schemas.microsoft.com/office/powerpoint/2010/main" val="3123583435"/>
       </p:ext>
     </p:extLst>
   </p:cSld>
@@ -9884,10 +10490,10 @@
       </p:sp>
       <p:pic>
         <p:nvPicPr>
-          <p:cNvPr id="7" name="Picture 6">
+          <p:cNvPr id="17" name="Picture 16">
             <a:extLst>
               <a:ext uri="{FF2B5EF4-FFF2-40B4-BE49-F238E27FC236}">
-                <a16:creationId xmlns:a16="http://schemas.microsoft.com/office/drawing/2014/main" id="{5E0E06AC-77D7-764B-8C96-F2CA45CB8118}"/>
+                <a16:creationId xmlns:a16="http://schemas.microsoft.com/office/drawing/2014/main" id="{1C9AA7F5-EA0C-6B45-8780-816C4A6C7431}"/>
               </a:ext>
             </a:extLst>
           </p:cNvPr>
@@ -9910,8 +10516,8 @@
         </p:blipFill>
         <p:spPr>
           <a:xfrm>
-            <a:off x="4676281" y="1763086"/>
-            <a:ext cx="2062200" cy="1731925"/>
+            <a:off x="601412" y="3730929"/>
+            <a:ext cx="1836000" cy="1836000"/>
           </a:xfrm>
           <a:prstGeom prst="rect">
             <a:avLst/>
@@ -9920,10 +10526,10 @@
       </p:pic>
       <p:pic>
         <p:nvPicPr>
-          <p:cNvPr id="9" name="Picture 8">
+          <p:cNvPr id="23" name="Picture 22">
             <a:extLst>
               <a:ext uri="{FF2B5EF4-FFF2-40B4-BE49-F238E27FC236}">
-                <a16:creationId xmlns:a16="http://schemas.microsoft.com/office/drawing/2014/main" id="{55389734-F86D-534F-A54E-42BA4008A3CA}"/>
+                <a16:creationId xmlns:a16="http://schemas.microsoft.com/office/drawing/2014/main" id="{4AEDA040-148C-1E47-A738-A69B67E00120}"/>
               </a:ext>
             </a:extLst>
           </p:cNvPr>
@@ -9946,114 +10552,6 @@
         </p:blipFill>
         <p:spPr>
           <a:xfrm>
-            <a:off x="2902713" y="1606200"/>
-            <a:ext cx="1301667" cy="1836001"/>
-          </a:xfrm>
-          <a:prstGeom prst="rect">
-            <a:avLst/>
-          </a:prstGeom>
-        </p:spPr>
-      </p:pic>
-      <p:pic>
-        <p:nvPicPr>
-          <p:cNvPr id="15" name="Picture 14">
-            <a:extLst>
-              <a:ext uri="{FF2B5EF4-FFF2-40B4-BE49-F238E27FC236}">
-                <a16:creationId xmlns:a16="http://schemas.microsoft.com/office/drawing/2014/main" id="{95CFDF55-96A8-7E44-8638-07EF4B4B4A2E}"/>
-              </a:ext>
-            </a:extLst>
-          </p:cNvPr>
-          <p:cNvPicPr>
-            <a:picLocks noChangeAspect="1"/>
-          </p:cNvPicPr>
-          <p:nvPr/>
-        </p:nvPicPr>
-        <p:blipFill>
-          <a:blip r:embed="rId4">
-            <a:extLst>
-              <a:ext uri="{28A0092B-C50C-407E-A947-70E740481C1C}">
-                <a14:useLocalDpi xmlns:a14="http://schemas.microsoft.com/office/drawing/2010/main" val="0"/>
-              </a:ext>
-            </a:extLst>
-          </a:blip>
-          <a:stretch>
-            <a:fillRect/>
-          </a:stretch>
-        </p:blipFill>
-        <p:spPr>
-          <a:xfrm>
-            <a:off x="2635545" y="3730929"/>
-            <a:ext cx="1836001" cy="1836001"/>
-          </a:xfrm>
-          <a:prstGeom prst="rect">
-            <a:avLst/>
-          </a:prstGeom>
-        </p:spPr>
-      </p:pic>
-      <p:pic>
-        <p:nvPicPr>
-          <p:cNvPr id="17" name="Picture 16">
-            <a:extLst>
-              <a:ext uri="{FF2B5EF4-FFF2-40B4-BE49-F238E27FC236}">
-                <a16:creationId xmlns:a16="http://schemas.microsoft.com/office/drawing/2014/main" id="{1C9AA7F5-EA0C-6B45-8780-816C4A6C7431}"/>
-              </a:ext>
-            </a:extLst>
-          </p:cNvPr>
-          <p:cNvPicPr>
-            <a:picLocks noChangeAspect="1"/>
-          </p:cNvPicPr>
-          <p:nvPr/>
-        </p:nvPicPr>
-        <p:blipFill>
-          <a:blip r:embed="rId5">
-            <a:extLst>
-              <a:ext uri="{28A0092B-C50C-407E-A947-70E740481C1C}">
-                <a14:useLocalDpi xmlns:a14="http://schemas.microsoft.com/office/drawing/2010/main" val="0"/>
-              </a:ext>
-            </a:extLst>
-          </a:blip>
-          <a:stretch>
-            <a:fillRect/>
-          </a:stretch>
-        </p:blipFill>
-        <p:spPr>
-          <a:xfrm>
-            <a:off x="601412" y="3730929"/>
-            <a:ext cx="1836000" cy="1836000"/>
-          </a:xfrm>
-          <a:prstGeom prst="rect">
-            <a:avLst/>
-          </a:prstGeom>
-        </p:spPr>
-      </p:pic>
-      <p:pic>
-        <p:nvPicPr>
-          <p:cNvPr id="23" name="Picture 22">
-            <a:extLst>
-              <a:ext uri="{FF2B5EF4-FFF2-40B4-BE49-F238E27FC236}">
-                <a16:creationId xmlns:a16="http://schemas.microsoft.com/office/drawing/2014/main" id="{4AEDA040-148C-1E47-A738-A69B67E00120}"/>
-              </a:ext>
-            </a:extLst>
-          </p:cNvPr>
-          <p:cNvPicPr>
-            <a:picLocks noChangeAspect="1"/>
-          </p:cNvPicPr>
-          <p:nvPr/>
-        </p:nvPicPr>
-        <p:blipFill>
-          <a:blip r:embed="rId6">
-            <a:extLst>
-              <a:ext uri="{28A0092B-C50C-407E-A947-70E740481C1C}">
-                <a14:useLocalDpi xmlns:a14="http://schemas.microsoft.com/office/drawing/2010/main" val="0"/>
-              </a:ext>
-            </a:extLst>
-          </a:blip>
-          <a:stretch>
-            <a:fillRect/>
-          </a:stretch>
-        </p:blipFill>
-        <p:spPr>
-          <a:xfrm>
             <a:off x="608012" y="1606200"/>
             <a:ext cx="1822800" cy="1822800"/>
           </a:xfrm>
@@ -10065,7 +10563,7 @@
     </p:spTree>
     <p:extLst>
       <p:ext uri="{BB962C8B-B14F-4D97-AF65-F5344CB8AC3E}">
-        <p14:creationId xmlns:p14="http://schemas.microsoft.com/office/powerpoint/2010/main" val="1697989127"/>
+        <p14:creationId xmlns:p14="http://schemas.microsoft.com/office/powerpoint/2010/main" val="1796497877"/>
       </p:ext>
     </p:extLst>
   </p:cSld>
@@ -10131,10 +10629,10 @@
       </p:sp>
       <p:pic>
         <p:nvPicPr>
-          <p:cNvPr id="7" name="Picture 6">
+          <p:cNvPr id="9" name="Picture 8">
             <a:extLst>
               <a:ext uri="{FF2B5EF4-FFF2-40B4-BE49-F238E27FC236}">
-                <a16:creationId xmlns:a16="http://schemas.microsoft.com/office/drawing/2014/main" id="{5E0E06AC-77D7-764B-8C96-F2CA45CB8118}"/>
+                <a16:creationId xmlns:a16="http://schemas.microsoft.com/office/drawing/2014/main" id="{55389734-F86D-534F-A54E-42BA4008A3CA}"/>
               </a:ext>
             </a:extLst>
           </p:cNvPr>
@@ -10157,8 +10655,8 @@
         </p:blipFill>
         <p:spPr>
           <a:xfrm>
-            <a:off x="4676281" y="1763086"/>
-            <a:ext cx="2062200" cy="1731925"/>
+            <a:off x="2902713" y="1606200"/>
+            <a:ext cx="1301667" cy="1836001"/>
           </a:xfrm>
           <a:prstGeom prst="rect">
             <a:avLst/>
@@ -10167,10 +10665,10 @@
       </p:pic>
       <p:pic>
         <p:nvPicPr>
-          <p:cNvPr id="9" name="Picture 8">
+          <p:cNvPr id="15" name="Picture 14">
             <a:extLst>
               <a:ext uri="{FF2B5EF4-FFF2-40B4-BE49-F238E27FC236}">
-                <a16:creationId xmlns:a16="http://schemas.microsoft.com/office/drawing/2014/main" id="{55389734-F86D-534F-A54E-42BA4008A3CA}"/>
+                <a16:creationId xmlns:a16="http://schemas.microsoft.com/office/drawing/2014/main" id="{95CFDF55-96A8-7E44-8638-07EF4B4B4A2E}"/>
               </a:ext>
             </a:extLst>
           </p:cNvPr>
@@ -10193,8 +10691,8 @@
         </p:blipFill>
         <p:spPr>
           <a:xfrm>
-            <a:off x="2902713" y="1606200"/>
-            <a:ext cx="1301667" cy="1836001"/>
+            <a:off x="2635545" y="3730929"/>
+            <a:ext cx="1836001" cy="1836001"/>
           </a:xfrm>
           <a:prstGeom prst="rect">
             <a:avLst/>
@@ -10203,10 +10701,10 @@
       </p:pic>
       <p:pic>
         <p:nvPicPr>
-          <p:cNvPr id="11" name="Picture 10">
+          <p:cNvPr id="17" name="Picture 16">
             <a:extLst>
               <a:ext uri="{FF2B5EF4-FFF2-40B4-BE49-F238E27FC236}">
-                <a16:creationId xmlns:a16="http://schemas.microsoft.com/office/drawing/2014/main" id="{25737A13-6EDB-BA40-83A4-48427C34723F}"/>
+                <a16:creationId xmlns:a16="http://schemas.microsoft.com/office/drawing/2014/main" id="{1C9AA7F5-EA0C-6B45-8780-816C4A6C7431}"/>
               </a:ext>
             </a:extLst>
           </p:cNvPr>
@@ -10229,8 +10727,8 @@
         </p:blipFill>
         <p:spPr>
           <a:xfrm>
-            <a:off x="4676281" y="3617829"/>
-            <a:ext cx="2062200" cy="2062200"/>
+            <a:off x="601412" y="3730929"/>
+            <a:ext cx="1836000" cy="1836000"/>
           </a:xfrm>
           <a:prstGeom prst="rect">
             <a:avLst/>
@@ -10239,10 +10737,10 @@
       </p:pic>
       <p:pic>
         <p:nvPicPr>
-          <p:cNvPr id="15" name="Picture 14">
+          <p:cNvPr id="23" name="Picture 22">
             <a:extLst>
               <a:ext uri="{FF2B5EF4-FFF2-40B4-BE49-F238E27FC236}">
-                <a16:creationId xmlns:a16="http://schemas.microsoft.com/office/drawing/2014/main" id="{95CFDF55-96A8-7E44-8638-07EF4B4B4A2E}"/>
+                <a16:creationId xmlns:a16="http://schemas.microsoft.com/office/drawing/2014/main" id="{4AEDA040-148C-1E47-A738-A69B67E00120}"/>
               </a:ext>
             </a:extLst>
           </p:cNvPr>
@@ -10265,78 +10763,6 @@
         </p:blipFill>
         <p:spPr>
           <a:xfrm>
-            <a:off x="2635545" y="3730929"/>
-            <a:ext cx="1836001" cy="1836001"/>
-          </a:xfrm>
-          <a:prstGeom prst="rect">
-            <a:avLst/>
-          </a:prstGeom>
-        </p:spPr>
-      </p:pic>
-      <p:pic>
-        <p:nvPicPr>
-          <p:cNvPr id="17" name="Picture 16">
-            <a:extLst>
-              <a:ext uri="{FF2B5EF4-FFF2-40B4-BE49-F238E27FC236}">
-                <a16:creationId xmlns:a16="http://schemas.microsoft.com/office/drawing/2014/main" id="{1C9AA7F5-EA0C-6B45-8780-816C4A6C7431}"/>
-              </a:ext>
-            </a:extLst>
-          </p:cNvPr>
-          <p:cNvPicPr>
-            <a:picLocks noChangeAspect="1"/>
-          </p:cNvPicPr>
-          <p:nvPr/>
-        </p:nvPicPr>
-        <p:blipFill>
-          <a:blip r:embed="rId6">
-            <a:extLst>
-              <a:ext uri="{28A0092B-C50C-407E-A947-70E740481C1C}">
-                <a14:useLocalDpi xmlns:a14="http://schemas.microsoft.com/office/drawing/2010/main" val="0"/>
-              </a:ext>
-            </a:extLst>
-          </a:blip>
-          <a:stretch>
-            <a:fillRect/>
-          </a:stretch>
-        </p:blipFill>
-        <p:spPr>
-          <a:xfrm>
-            <a:off x="601412" y="3730929"/>
-            <a:ext cx="1836000" cy="1836000"/>
-          </a:xfrm>
-          <a:prstGeom prst="rect">
-            <a:avLst/>
-          </a:prstGeom>
-        </p:spPr>
-      </p:pic>
-      <p:pic>
-        <p:nvPicPr>
-          <p:cNvPr id="23" name="Picture 22">
-            <a:extLst>
-              <a:ext uri="{FF2B5EF4-FFF2-40B4-BE49-F238E27FC236}">
-                <a16:creationId xmlns:a16="http://schemas.microsoft.com/office/drawing/2014/main" id="{4AEDA040-148C-1E47-A738-A69B67E00120}"/>
-              </a:ext>
-            </a:extLst>
-          </p:cNvPr>
-          <p:cNvPicPr>
-            <a:picLocks noChangeAspect="1"/>
-          </p:cNvPicPr>
-          <p:nvPr/>
-        </p:nvPicPr>
-        <p:blipFill>
-          <a:blip r:embed="rId7">
-            <a:extLst>
-              <a:ext uri="{28A0092B-C50C-407E-A947-70E740481C1C}">
-                <a14:useLocalDpi xmlns:a14="http://schemas.microsoft.com/office/drawing/2010/main" val="0"/>
-              </a:ext>
-            </a:extLst>
-          </a:blip>
-          <a:stretch>
-            <a:fillRect/>
-          </a:stretch>
-        </p:blipFill>
-        <p:spPr>
-          <a:xfrm>
             <a:off x="608012" y="1606200"/>
             <a:ext cx="1822800" cy="1822800"/>
           </a:xfrm>
@@ -10348,7 +10774,7 @@
     </p:spTree>
     <p:extLst>
       <p:ext uri="{BB962C8B-B14F-4D97-AF65-F5344CB8AC3E}">
-        <p14:creationId xmlns:p14="http://schemas.microsoft.com/office/powerpoint/2010/main" val="2653647787"/>
+        <p14:creationId xmlns:p14="http://schemas.microsoft.com/office/powerpoint/2010/main" val="3483525682"/>
       </p:ext>
     </p:extLst>
   </p:cSld>
@@ -10486,10 +10912,10 @@
       </p:pic>
       <p:pic>
         <p:nvPicPr>
-          <p:cNvPr id="11" name="Picture 10">
+          <p:cNvPr id="15" name="Picture 14">
             <a:extLst>
               <a:ext uri="{FF2B5EF4-FFF2-40B4-BE49-F238E27FC236}">
-                <a16:creationId xmlns:a16="http://schemas.microsoft.com/office/drawing/2014/main" id="{25737A13-6EDB-BA40-83A4-48427C34723F}"/>
+                <a16:creationId xmlns:a16="http://schemas.microsoft.com/office/drawing/2014/main" id="{95CFDF55-96A8-7E44-8638-07EF4B4B4A2E}"/>
               </a:ext>
             </a:extLst>
           </p:cNvPr>
@@ -10512,8 +10938,8 @@
         </p:blipFill>
         <p:spPr>
           <a:xfrm>
-            <a:off x="4676281" y="3617829"/>
-            <a:ext cx="2062200" cy="2062200"/>
+            <a:off x="2635545" y="3730929"/>
+            <a:ext cx="1836001" cy="1836001"/>
           </a:xfrm>
           <a:prstGeom prst="rect">
             <a:avLst/>
@@ -10522,10 +10948,10 @@
       </p:pic>
       <p:pic>
         <p:nvPicPr>
-          <p:cNvPr id="15" name="Picture 14">
+          <p:cNvPr id="17" name="Picture 16">
             <a:extLst>
               <a:ext uri="{FF2B5EF4-FFF2-40B4-BE49-F238E27FC236}">
-                <a16:creationId xmlns:a16="http://schemas.microsoft.com/office/drawing/2014/main" id="{95CFDF55-96A8-7E44-8638-07EF4B4B4A2E}"/>
+                <a16:creationId xmlns:a16="http://schemas.microsoft.com/office/drawing/2014/main" id="{1C9AA7F5-EA0C-6B45-8780-816C4A6C7431}"/>
               </a:ext>
             </a:extLst>
           </p:cNvPr>
@@ -10548,8 +10974,8 @@
         </p:blipFill>
         <p:spPr>
           <a:xfrm>
-            <a:off x="2635545" y="3730929"/>
-            <a:ext cx="1836001" cy="1836001"/>
+            <a:off x="601412" y="3730929"/>
+            <a:ext cx="1836000" cy="1836000"/>
           </a:xfrm>
           <a:prstGeom prst="rect">
             <a:avLst/>
@@ -10558,10 +10984,10 @@
       </p:pic>
       <p:pic>
         <p:nvPicPr>
-          <p:cNvPr id="17" name="Picture 16">
+          <p:cNvPr id="23" name="Picture 22">
             <a:extLst>
               <a:ext uri="{FF2B5EF4-FFF2-40B4-BE49-F238E27FC236}">
-                <a16:creationId xmlns:a16="http://schemas.microsoft.com/office/drawing/2014/main" id="{1C9AA7F5-EA0C-6B45-8780-816C4A6C7431}"/>
+                <a16:creationId xmlns:a16="http://schemas.microsoft.com/office/drawing/2014/main" id="{4AEDA040-148C-1E47-A738-A69B67E00120}"/>
               </a:ext>
             </a:extLst>
           </p:cNvPr>
@@ -10584,78 +11010,6 @@
         </p:blipFill>
         <p:spPr>
           <a:xfrm>
-            <a:off x="601412" y="3730929"/>
-            <a:ext cx="1836000" cy="1836000"/>
-          </a:xfrm>
-          <a:prstGeom prst="rect">
-            <a:avLst/>
-          </a:prstGeom>
-        </p:spPr>
-      </p:pic>
-      <p:pic>
-        <p:nvPicPr>
-          <p:cNvPr id="21" name="Picture 20">
-            <a:extLst>
-              <a:ext uri="{FF2B5EF4-FFF2-40B4-BE49-F238E27FC236}">
-                <a16:creationId xmlns:a16="http://schemas.microsoft.com/office/drawing/2014/main" id="{386CA278-71A7-EC42-BB88-6E57030D252F}"/>
-              </a:ext>
-            </a:extLst>
-          </p:cNvPr>
-          <p:cNvPicPr>
-            <a:picLocks noChangeAspect="1"/>
-          </p:cNvPicPr>
-          <p:nvPr/>
-        </p:nvPicPr>
-        <p:blipFill>
-          <a:blip r:embed="rId7">
-            <a:extLst>
-              <a:ext uri="{28A0092B-C50C-407E-A947-70E740481C1C}">
-                <a14:useLocalDpi xmlns:a14="http://schemas.microsoft.com/office/drawing/2010/main" val="0"/>
-              </a:ext>
-            </a:extLst>
-          </a:blip>
-          <a:stretch>
-            <a:fillRect/>
-          </a:stretch>
-        </p:blipFill>
-        <p:spPr>
-          <a:xfrm>
-            <a:off x="7208977" y="1763086"/>
-            <a:ext cx="2090000" cy="2023500"/>
-          </a:xfrm>
-          <a:prstGeom prst="rect">
-            <a:avLst/>
-          </a:prstGeom>
-        </p:spPr>
-      </p:pic>
-      <p:pic>
-        <p:nvPicPr>
-          <p:cNvPr id="23" name="Picture 22">
-            <a:extLst>
-              <a:ext uri="{FF2B5EF4-FFF2-40B4-BE49-F238E27FC236}">
-                <a16:creationId xmlns:a16="http://schemas.microsoft.com/office/drawing/2014/main" id="{4AEDA040-148C-1E47-A738-A69B67E00120}"/>
-              </a:ext>
-            </a:extLst>
-          </p:cNvPr>
-          <p:cNvPicPr>
-            <a:picLocks noChangeAspect="1"/>
-          </p:cNvPicPr>
-          <p:nvPr/>
-        </p:nvPicPr>
-        <p:blipFill>
-          <a:blip r:embed="rId8">
-            <a:extLst>
-              <a:ext uri="{28A0092B-C50C-407E-A947-70E740481C1C}">
-                <a14:useLocalDpi xmlns:a14="http://schemas.microsoft.com/office/drawing/2010/main" val="0"/>
-              </a:ext>
-            </a:extLst>
-          </a:blip>
-          <a:stretch>
-            <a:fillRect/>
-          </a:stretch>
-        </p:blipFill>
-        <p:spPr>
-          <a:xfrm>
             <a:off x="608012" y="1606200"/>
             <a:ext cx="1822800" cy="1822800"/>
           </a:xfrm>
@@ -10667,7 +11021,7 @@
     </p:spTree>
     <p:extLst>
       <p:ext uri="{BB962C8B-B14F-4D97-AF65-F5344CB8AC3E}">
-        <p14:creationId xmlns:p14="http://schemas.microsoft.com/office/powerpoint/2010/main" val="41276848"/>
+        <p14:creationId xmlns:p14="http://schemas.microsoft.com/office/powerpoint/2010/main" val="1697989127"/>
       </p:ext>
     </p:extLst>
   </p:cSld>
@@ -10913,10 +11267,10 @@
       </p:pic>
       <p:pic>
         <p:nvPicPr>
-          <p:cNvPr id="19" name="Picture 18">
+          <p:cNvPr id="23" name="Picture 22">
             <a:extLst>
               <a:ext uri="{FF2B5EF4-FFF2-40B4-BE49-F238E27FC236}">
-                <a16:creationId xmlns:a16="http://schemas.microsoft.com/office/drawing/2014/main" id="{5EFD56C4-7A9C-7643-874D-19ECFD51553E}"/>
+                <a16:creationId xmlns:a16="http://schemas.microsoft.com/office/drawing/2014/main" id="{4AEDA040-148C-1E47-A738-A69B67E00120}"/>
               </a:ext>
             </a:extLst>
           </p:cNvPr>
@@ -10939,78 +11293,6 @@
         </p:blipFill>
         <p:spPr>
           <a:xfrm>
-            <a:off x="7309399" y="3895835"/>
-            <a:ext cx="1546095" cy="1784194"/>
-          </a:xfrm>
-          <a:prstGeom prst="rect">
-            <a:avLst/>
-          </a:prstGeom>
-        </p:spPr>
-      </p:pic>
-      <p:pic>
-        <p:nvPicPr>
-          <p:cNvPr id="21" name="Picture 20">
-            <a:extLst>
-              <a:ext uri="{FF2B5EF4-FFF2-40B4-BE49-F238E27FC236}">
-                <a16:creationId xmlns:a16="http://schemas.microsoft.com/office/drawing/2014/main" id="{386CA278-71A7-EC42-BB88-6E57030D252F}"/>
-              </a:ext>
-            </a:extLst>
-          </p:cNvPr>
-          <p:cNvPicPr>
-            <a:picLocks noChangeAspect="1"/>
-          </p:cNvPicPr>
-          <p:nvPr/>
-        </p:nvPicPr>
-        <p:blipFill>
-          <a:blip r:embed="rId8">
-            <a:extLst>
-              <a:ext uri="{28A0092B-C50C-407E-A947-70E740481C1C}">
-                <a14:useLocalDpi xmlns:a14="http://schemas.microsoft.com/office/drawing/2010/main" val="0"/>
-              </a:ext>
-            </a:extLst>
-          </a:blip>
-          <a:stretch>
-            <a:fillRect/>
-          </a:stretch>
-        </p:blipFill>
-        <p:spPr>
-          <a:xfrm>
-            <a:off x="7208977" y="1763086"/>
-            <a:ext cx="2090000" cy="2023500"/>
-          </a:xfrm>
-          <a:prstGeom prst="rect">
-            <a:avLst/>
-          </a:prstGeom>
-        </p:spPr>
-      </p:pic>
-      <p:pic>
-        <p:nvPicPr>
-          <p:cNvPr id="23" name="Picture 22">
-            <a:extLst>
-              <a:ext uri="{FF2B5EF4-FFF2-40B4-BE49-F238E27FC236}">
-                <a16:creationId xmlns:a16="http://schemas.microsoft.com/office/drawing/2014/main" id="{4AEDA040-148C-1E47-A738-A69B67E00120}"/>
-              </a:ext>
-            </a:extLst>
-          </p:cNvPr>
-          <p:cNvPicPr>
-            <a:picLocks noChangeAspect="1"/>
-          </p:cNvPicPr>
-          <p:nvPr/>
-        </p:nvPicPr>
-        <p:blipFill>
-          <a:blip r:embed="rId9">
-            <a:extLst>
-              <a:ext uri="{28A0092B-C50C-407E-A947-70E740481C1C}">
-                <a14:useLocalDpi xmlns:a14="http://schemas.microsoft.com/office/drawing/2010/main" val="0"/>
-              </a:ext>
-            </a:extLst>
-          </a:blip>
-          <a:stretch>
-            <a:fillRect/>
-          </a:stretch>
-        </p:blipFill>
-        <p:spPr>
-          <a:xfrm>
             <a:off x="608012" y="1606200"/>
             <a:ext cx="1822800" cy="1822800"/>
           </a:xfrm>
@@ -11022,7 +11304,7 @@
     </p:spTree>
     <p:extLst>
       <p:ext uri="{BB962C8B-B14F-4D97-AF65-F5344CB8AC3E}">
-        <p14:creationId xmlns:p14="http://schemas.microsoft.com/office/powerpoint/2010/main" val="742179241"/>
+        <p14:creationId xmlns:p14="http://schemas.microsoft.com/office/powerpoint/2010/main" val="2653647787"/>
       </p:ext>
     </p:extLst>
   </p:cSld>
